--- a/designs.pptx
+++ b/designs.pptx
@@ -3131,14 +3131,124 @@
       </p:grpSpPr>
       <p:sp>
         <p:nvSpPr>
+          <p:cNvPr id="114" name="文本框 113"/>
+          <p:cNvSpPr txBox="1"/>
+          <p:nvPr/>
+        </p:nvSpPr>
+        <p:spPr>
+          <a:xfrm>
+            <a:off x="11001039" y="22705"/>
+            <a:ext cx="864000" cy="216000"/>
+          </a:xfrm>
+          <a:prstGeom prst="rect">
+            <a:avLst/>
+          </a:prstGeom>
+          <a:solidFill>
+            <a:schemeClr val="bg1"/>
+          </a:solidFill>
+          <a:ln w="12700">
+            <a:noFill/>
+          </a:ln>
+        </p:spPr>
+        <p:txBody>
+          <a:bodyPr wrap="square" rtlCol="0">
+            <a:spAutoFit/>
+          </a:bodyPr>
+          <a:lstStyle/>
+          <a:p>
+            <a:endParaRPr lang="zh-CN" altLang="en-US" sz="1600" b="1" dirty="0">
+              <a:latin typeface="等线" panose="02010600030101010101" pitchFamily="2" charset="-122"/>
+              <a:ea typeface="等线" panose="02010600030101010101" pitchFamily="2" charset="-122"/>
+            </a:endParaRPr>
+          </a:p>
+        </p:txBody>
+      </p:sp>
+      <p:sp>
+        <p:nvSpPr>
+          <p:cNvPr id="111" name="文本框 110"/>
+          <p:cNvSpPr txBox="1"/>
+          <p:nvPr/>
+        </p:nvSpPr>
+        <p:spPr>
+          <a:xfrm>
+            <a:off x="6767347" y="31159"/>
+            <a:ext cx="864000" cy="216000"/>
+          </a:xfrm>
+          <a:prstGeom prst="rect">
+            <a:avLst/>
+          </a:prstGeom>
+          <a:solidFill>
+            <a:schemeClr val="tx1"/>
+          </a:solidFill>
+          <a:ln w="12700">
+            <a:noFill/>
+          </a:ln>
+        </p:spPr>
+        <p:txBody>
+          <a:bodyPr wrap="square" rtlCol="0">
+            <a:spAutoFit/>
+          </a:bodyPr>
+          <a:lstStyle/>
+          <a:p>
+            <a:endParaRPr lang="zh-CN" altLang="en-US" sz="1600" b="1" dirty="0">
+              <a:latin typeface="等线" panose="02010600030101010101" pitchFamily="2" charset="-122"/>
+              <a:ea typeface="等线" panose="02010600030101010101" pitchFamily="2" charset="-122"/>
+            </a:endParaRPr>
+          </a:p>
+        </p:txBody>
+      </p:sp>
+      <p:sp>
+        <p:nvSpPr>
+          <p:cNvPr id="77" name="文本框 76"/>
+          <p:cNvSpPr txBox="1"/>
+          <p:nvPr/>
+        </p:nvSpPr>
+        <p:spPr>
+          <a:xfrm>
+            <a:off x="6709269" y="-27119"/>
+            <a:ext cx="506087" cy="338554"/>
+          </a:xfrm>
+          <a:prstGeom prst="rect">
+            <a:avLst/>
+          </a:prstGeom>
+          <a:noFill/>
+          <a:ln>
+            <a:noFill/>
+          </a:ln>
+        </p:spPr>
+        <p:txBody>
+          <a:bodyPr wrap="square" rtlCol="0">
+            <a:spAutoFit/>
+          </a:bodyPr>
+          <a:lstStyle/>
+          <a:p>
+            <a:pPr algn="r"/>
+            <a:r>
+              <a:rPr lang="en-US" altLang="zh-CN" sz="1600" b="1" dirty="0" smtClean="0">
+                <a:solidFill>
+                  <a:srgbClr val="66FF66"/>
+                </a:solidFill>
+              </a:rPr>
+              <a:t>315</a:t>
+            </a:r>
+            <a:endParaRPr lang="zh-CN" altLang="en-US" sz="1600" b="1" dirty="0">
+              <a:solidFill>
+                <a:srgbClr val="66FF66"/>
+              </a:solidFill>
+            </a:endParaRPr>
+          </a:p>
+        </p:txBody>
+      </p:sp>
+      <p:sp>
+        <p:nvSpPr>
           <p:cNvPr id="83" name="矩形 82"/>
           <p:cNvSpPr/>
           <p:nvPr/>
         </p:nvSpPr>
         <p:spPr>
           <a:xfrm>
-            <a:off x="4818382" y="68972"/>
-            <a:ext cx="1422270" cy="2830676"/>
+            <a:off x="4627542" y="53721"/>
+            <a:ext cx="1422270" cy="2845925"/>
           </a:xfrm>
           <a:prstGeom prst="rect">
             <a:avLst/>
@@ -3189,7 +3299,7 @@
         </p:nvSpPr>
         <p:spPr>
           <a:xfrm>
-            <a:off x="2528835" y="39258"/>
+            <a:off x="2325172" y="39258"/>
             <a:ext cx="1977603" cy="2860389"/>
           </a:xfrm>
           <a:prstGeom prst="rect">
@@ -3241,8 +3351,8 @@
         </p:nvSpPr>
         <p:spPr>
           <a:xfrm>
-            <a:off x="6814527" y="275163"/>
-            <a:ext cx="5065718" cy="1872287"/>
+            <a:off x="6782937" y="302459"/>
+            <a:ext cx="5097308" cy="1872287"/>
           </a:xfrm>
           <a:prstGeom prst="rect">
             <a:avLst/>
@@ -3762,8 +3872,8 @@
         </p:nvSpPr>
         <p:spPr>
           <a:xfrm>
-            <a:off x="2622278" y="1795756"/>
-            <a:ext cx="1379272" cy="338554"/>
+            <a:off x="2418615" y="1795756"/>
+            <a:ext cx="1592304" cy="338554"/>
           </a:xfrm>
           <a:prstGeom prst="rect">
             <a:avLst/>
@@ -4051,7 +4161,7 @@
             <a:avLst/>
           </a:prstGeom>
           <a:solidFill>
-            <a:srgbClr val="9C47A3"/>
+            <a:srgbClr val="BB71C1"/>
           </a:solidFill>
           <a:ln w="25400">
             <a:solidFill>
@@ -4087,8 +4197,8 @@
         </p:nvSpPr>
         <p:spPr>
           <a:xfrm>
-            <a:off x="2628043" y="147839"/>
-            <a:ext cx="1379272" cy="338554"/>
+            <a:off x="2424379" y="147839"/>
+            <a:ext cx="1590229" cy="338554"/>
           </a:xfrm>
           <a:prstGeom prst="rect">
             <a:avLst/>
@@ -4132,8 +4242,8 @@
         </p:nvSpPr>
         <p:spPr>
           <a:xfrm>
-            <a:off x="2622278" y="645551"/>
-            <a:ext cx="1379272" cy="338554"/>
+            <a:off x="2418614" y="645551"/>
+            <a:ext cx="1595993" cy="338554"/>
           </a:xfrm>
           <a:prstGeom prst="rect">
             <a:avLst/>
@@ -4175,8 +4285,8 @@
         </p:nvSpPr>
         <p:spPr>
           <a:xfrm>
-            <a:off x="2628043" y="1273536"/>
-            <a:ext cx="1379272" cy="338554"/>
+            <a:off x="2424379" y="1273536"/>
+            <a:ext cx="1587671" cy="338554"/>
           </a:xfrm>
           <a:prstGeom prst="rect">
             <a:avLst/>
@@ -4274,7 +4384,7 @@
         <p:spPr>
           <a:xfrm>
             <a:off x="46079" y="169454"/>
-            <a:ext cx="864000" cy="400110"/>
+            <a:ext cx="864000" cy="369332"/>
           </a:xfrm>
           <a:prstGeom prst="rect">
             <a:avLst/>
@@ -4296,13 +4406,13 @@
           <a:p>
             <a:pPr algn="ctr"/>
             <a:r>
-              <a:rPr lang="en-US" altLang="zh-CN" sz="2000" b="1" dirty="0" smtClean="0">
+              <a:rPr lang="en-US" altLang="zh-CN" b="1" dirty="0" smtClean="0">
                 <a:latin typeface="等线" panose="02010600030101010101" pitchFamily="2" charset="-122"/>
                 <a:ea typeface="等线" panose="02010600030101010101" pitchFamily="2" charset="-122"/>
               </a:rPr>
               <a:t>PLAY</a:t>
             </a:r>
-            <a:endParaRPr lang="zh-CN" altLang="en-US" sz="2000" b="1" dirty="0">
+            <a:endParaRPr lang="zh-CN" altLang="en-US" b="1" dirty="0">
               <a:latin typeface="等线" panose="02010600030101010101" pitchFamily="2" charset="-122"/>
               <a:ea typeface="等线" panose="02010600030101010101" pitchFamily="2" charset="-122"/>
             </a:endParaRPr>
@@ -4317,8 +4427,8 @@
         </p:nvSpPr>
         <p:spPr>
           <a:xfrm>
-            <a:off x="923061" y="169454"/>
-            <a:ext cx="864000" cy="400110"/>
+            <a:off x="922823" y="169454"/>
+            <a:ext cx="864000" cy="369332"/>
           </a:xfrm>
           <a:prstGeom prst="rect">
             <a:avLst/>
@@ -4326,7 +4436,7 @@
           <a:solidFill>
             <a:srgbClr val="66FF66"/>
           </a:solidFill>
-          <a:ln w="50800">
+          <a:ln w="25400">
             <a:solidFill>
               <a:schemeClr val="tx1"/>
             </a:solidFill>
@@ -4350,10 +4460,10 @@
           <a:p>
             <a:pPr algn="ctr"/>
             <a:r>
-              <a:rPr lang="en-US" altLang="zh-CN" dirty="0"/>
+              <a:rPr lang="en-US" altLang="zh-CN" sz="1800" dirty="0"/>
               <a:t>EDIT</a:t>
             </a:r>
-            <a:endParaRPr lang="zh-CN" altLang="en-US" dirty="0"/>
+            <a:endParaRPr lang="zh-CN" altLang="en-US" sz="1800" dirty="0"/>
           </a:p>
         </p:txBody>
       </p:sp>
@@ -4365,8 +4475,8 @@
         </p:nvSpPr>
         <p:spPr>
           <a:xfrm>
-            <a:off x="4897443" y="170208"/>
-            <a:ext cx="864000" cy="338554"/>
+            <a:off x="4706603" y="154958"/>
+            <a:ext cx="1117164" cy="338554"/>
           </a:xfrm>
           <a:prstGeom prst="rect">
             <a:avLst/>
@@ -4408,8 +4518,8 @@
         </p:nvSpPr>
         <p:spPr>
           <a:xfrm>
-            <a:off x="4897443" y="673666"/>
-            <a:ext cx="864000" cy="338554"/>
+            <a:off x="4706602" y="658416"/>
+            <a:ext cx="1104151" cy="338554"/>
           </a:xfrm>
           <a:prstGeom prst="rect">
             <a:avLst/>
@@ -4451,8 +4561,8 @@
         </p:nvSpPr>
         <p:spPr>
           <a:xfrm>
-            <a:off x="4896839" y="1184721"/>
-            <a:ext cx="864000" cy="338554"/>
+            <a:off x="4705999" y="1169471"/>
+            <a:ext cx="1104754" cy="338554"/>
           </a:xfrm>
           <a:prstGeom prst="rect">
             <a:avLst/>
@@ -4494,8 +4604,8 @@
         </p:nvSpPr>
         <p:spPr>
           <a:xfrm>
-            <a:off x="4896839" y="1717929"/>
-            <a:ext cx="864000" cy="338554"/>
+            <a:off x="4705999" y="1702679"/>
+            <a:ext cx="1104754" cy="338554"/>
           </a:xfrm>
           <a:prstGeom prst="rect">
             <a:avLst/>
@@ -4541,7 +4651,7 @@
         <p:spPr>
           <a:xfrm flipV="1">
             <a:off x="1800665" y="814828"/>
-            <a:ext cx="821613" cy="1235134"/>
+            <a:ext cx="617949" cy="1235134"/>
           </a:xfrm>
           <a:prstGeom prst="curvedConnector3">
             <a:avLst/>
@@ -4811,8 +4921,8 @@
         </p:nvSpPr>
         <p:spPr>
           <a:xfrm>
-            <a:off x="45457" y="569564"/>
-            <a:ext cx="864000" cy="400110"/>
+            <a:off x="46079" y="557424"/>
+            <a:ext cx="864000" cy="369332"/>
           </a:xfrm>
           <a:prstGeom prst="rect">
             <a:avLst/>
@@ -4843,10 +4953,10 @@
           </a:lstStyle>
           <a:p>
             <a:r>
-              <a:rPr lang="en-US" altLang="zh-CN" dirty="0" smtClean="0"/>
+              <a:rPr lang="en-US" altLang="zh-CN" sz="1800" dirty="0" smtClean="0"/>
               <a:t>REC</a:t>
             </a:r>
-            <a:endParaRPr lang="zh-CN" altLang="en-US" dirty="0"/>
+            <a:endParaRPr lang="zh-CN" altLang="en-US" sz="1800" dirty="0"/>
           </a:p>
         </p:txBody>
       </p:sp>
@@ -4858,8 +4968,8 @@
         </p:nvSpPr>
         <p:spPr>
           <a:xfrm>
-            <a:off x="4880086" y="2302526"/>
-            <a:ext cx="864000" cy="338554"/>
+            <a:off x="4689246" y="2287276"/>
+            <a:ext cx="1098328" cy="338554"/>
           </a:xfrm>
           <a:prstGeom prst="rect">
             <a:avLst/>
@@ -4880,11 +4990,11 @@
           <a:lstStyle/>
           <a:p>
             <a:r>
-              <a:rPr lang="en-US" altLang="zh-CN" sz="1600" b="1" dirty="0" err="1" smtClean="0">
+              <a:rPr lang="en-US" altLang="zh-CN" sz="1600" b="1" dirty="0" smtClean="0">
                 <a:latin typeface="等线" panose="02010600030101010101" pitchFamily="2" charset="-122"/>
                 <a:ea typeface="等线" panose="02010600030101010101" pitchFamily="2" charset="-122"/>
               </a:rPr>
-              <a:t>wpn</a:t>
+              <a:t>waypoint</a:t>
             </a:r>
             <a:endParaRPr lang="zh-CN" altLang="en-US" sz="1600" b="1" dirty="0">
               <a:latin typeface="等线" panose="02010600030101010101" pitchFamily="2" charset="-122"/>
@@ -4901,8 +5011,8 @@
         </p:nvSpPr>
         <p:spPr>
           <a:xfrm>
-            <a:off x="6814526" y="1994782"/>
-            <a:ext cx="5065718" cy="144000"/>
+            <a:off x="6800878" y="2035725"/>
+            <a:ext cx="4906513" cy="144000"/>
           </a:xfrm>
           <a:prstGeom prst="rect">
             <a:avLst/>
@@ -4947,8 +5057,8 @@
         </p:nvSpPr>
         <p:spPr>
           <a:xfrm flipH="1">
-            <a:off x="7395718" y="1999170"/>
-            <a:ext cx="3480364" cy="144000"/>
+            <a:off x="7395718" y="2026466"/>
+            <a:ext cx="2412000" cy="144000"/>
           </a:xfrm>
           <a:prstGeom prst="roundRect">
             <a:avLst/>
@@ -4993,7 +5103,7 @@
         </p:nvSpPr>
         <p:spPr>
           <a:xfrm flipH="1">
-            <a:off x="8353178" y="1999104"/>
+            <a:off x="8339530" y="2026400"/>
             <a:ext cx="36000" cy="144000"/>
           </a:xfrm>
           <a:prstGeom prst="rect">
@@ -5041,7 +5151,7 @@
         </p:nvSpPr>
         <p:spPr>
           <a:xfrm>
-            <a:off x="6096652" y="87616"/>
+            <a:off x="5905812" y="72366"/>
             <a:ext cx="146556" cy="2819866"/>
           </a:xfrm>
           <a:prstGeom prst="rect">
@@ -5087,8 +5197,8 @@
         </p:nvSpPr>
         <p:spPr>
           <a:xfrm>
-            <a:off x="2622278" y="2292585"/>
-            <a:ext cx="1379272" cy="338554"/>
+            <a:off x="2418615" y="2292585"/>
+            <a:ext cx="1549470" cy="338554"/>
           </a:xfrm>
           <a:prstGeom prst="rect">
             <a:avLst/>
@@ -5132,7 +5242,7 @@
         </p:nvSpPr>
         <p:spPr>
           <a:xfrm>
-            <a:off x="6103734" y="513056"/>
+            <a:off x="5912894" y="74718"/>
             <a:ext cx="138405" cy="1201781"/>
           </a:xfrm>
           <a:prstGeom prst="roundRect">
@@ -5178,8 +5288,8 @@
         </p:nvSpPr>
         <p:spPr>
           <a:xfrm flipH="1" flipV="1">
-            <a:off x="6096652" y="1131211"/>
-            <a:ext cx="144000" cy="36000"/>
+            <a:off x="5905812" y="802057"/>
+            <a:ext cx="144000" cy="216000"/>
           </a:xfrm>
           <a:prstGeom prst="rect">
             <a:avLst/>
@@ -5226,7 +5336,7 @@
         </p:nvSpPr>
         <p:spPr>
           <a:xfrm>
-            <a:off x="4361138" y="53574"/>
+            <a:off x="4157475" y="53574"/>
             <a:ext cx="145299" cy="2846073"/>
           </a:xfrm>
           <a:prstGeom prst="rect">
@@ -5272,7 +5382,7 @@
         </p:nvSpPr>
         <p:spPr>
           <a:xfrm>
-            <a:off x="4361139" y="610994"/>
+            <a:off x="4157476" y="610994"/>
             <a:ext cx="144000" cy="1445489"/>
           </a:xfrm>
           <a:prstGeom prst="roundRect">
@@ -5318,8 +5428,8 @@
         </p:nvSpPr>
         <p:spPr>
           <a:xfrm flipH="1" flipV="1">
-            <a:off x="4361139" y="911378"/>
-            <a:ext cx="144000" cy="36000"/>
+            <a:off x="4157476" y="911378"/>
+            <a:ext cx="144000" cy="252000"/>
           </a:xfrm>
           <a:prstGeom prst="rect">
             <a:avLst/>
@@ -5366,7 +5476,7 @@
         </p:nvSpPr>
         <p:spPr>
           <a:xfrm>
-            <a:off x="6872785" y="514444"/>
+            <a:off x="6872785" y="541740"/>
             <a:ext cx="864000" cy="108000"/>
           </a:xfrm>
           <a:prstGeom prst="rect">
@@ -5402,7 +5512,7 @@
         </p:nvSpPr>
         <p:spPr>
           <a:xfrm>
-            <a:off x="7724215" y="803378"/>
+            <a:off x="7724215" y="830674"/>
             <a:ext cx="1152000" cy="108000"/>
           </a:xfrm>
           <a:prstGeom prst="rect">
@@ -5438,7 +5548,7 @@
         </p:nvSpPr>
         <p:spPr>
           <a:xfrm>
-            <a:off x="8801126" y="520097"/>
+            <a:off x="8801126" y="547393"/>
             <a:ext cx="432000" cy="108000"/>
           </a:xfrm>
           <a:prstGeom prst="rect">
@@ -5474,7 +5584,7 @@
         </p:nvSpPr>
         <p:spPr>
           <a:xfrm>
-            <a:off x="9462172" y="1184721"/>
+            <a:off x="9462172" y="1212017"/>
             <a:ext cx="864000" cy="108000"/>
           </a:xfrm>
           <a:prstGeom prst="rect">
@@ -5510,8 +5620,8 @@
         </p:nvSpPr>
         <p:spPr>
           <a:xfrm>
-            <a:off x="10326172" y="801586"/>
-            <a:ext cx="864000" cy="108000"/>
+            <a:off x="10326172" y="828882"/>
+            <a:ext cx="540000" cy="108000"/>
           </a:xfrm>
           <a:prstGeom prst="rect">
             <a:avLst/>
@@ -5546,7 +5656,7 @@
         </p:nvSpPr>
         <p:spPr>
           <a:xfrm>
-            <a:off x="8916711" y="288811"/>
+            <a:off x="8930359" y="316107"/>
             <a:ext cx="36000" cy="1720800"/>
           </a:xfrm>
           <a:prstGeom prst="rect">
@@ -5592,8 +5702,8 @@
         </p:nvSpPr>
         <p:spPr>
           <a:xfrm>
-            <a:off x="7441213" y="2439649"/>
-            <a:ext cx="864000" cy="338554"/>
+            <a:off x="6791347" y="2295810"/>
+            <a:ext cx="3277963" cy="338554"/>
           </a:xfrm>
           <a:prstGeom prst="rect">
             <a:avLst/>
@@ -5638,8 +5748,8 @@
         </p:nvCxnSpPr>
         <p:spPr>
           <a:xfrm>
-            <a:off x="4001550" y="814828"/>
-            <a:ext cx="895289" cy="1072378"/>
+            <a:off x="4014607" y="814828"/>
+            <a:ext cx="691392" cy="1057128"/>
           </a:xfrm>
           <a:prstGeom prst="curvedConnector3">
             <a:avLst/>
@@ -5665,9 +5775,175 @@
           </a:fontRef>
         </p:style>
       </p:cxnSp>
+      <p:sp>
+        <p:nvSpPr>
+          <p:cNvPr id="105" name="文本框 104"/>
+          <p:cNvSpPr txBox="1"/>
+          <p:nvPr/>
+        </p:nvSpPr>
+        <p:spPr>
+          <a:xfrm>
+            <a:off x="4641310" y="3031521"/>
+            <a:ext cx="697367" cy="338554"/>
+          </a:xfrm>
+          <a:prstGeom prst="rect">
+            <a:avLst/>
+          </a:prstGeom>
+          <a:solidFill>
+            <a:schemeClr val="bg1">
+              <a:lumMod val="95000"/>
+            </a:schemeClr>
+          </a:solidFill>
+          <a:ln w="12700">
+            <a:solidFill>
+              <a:schemeClr val="tx1"/>
+            </a:solidFill>
+          </a:ln>
+        </p:spPr>
+        <p:txBody>
+          <a:bodyPr wrap="square" rtlCol="0">
+            <a:spAutoFit/>
+          </a:bodyPr>
+          <a:lstStyle/>
+          <a:p>
+            <a:pPr algn="r"/>
+            <a:r>
+              <a:rPr lang="en-US" altLang="zh-CN" sz="1600" b="1" dirty="0">
+                <a:latin typeface="等线" panose="02010600030101010101" pitchFamily="2" charset="-122"/>
+                <a:ea typeface="等线" panose="02010600030101010101" pitchFamily="2" charset="-122"/>
+              </a:rPr>
+              <a:t>2</a:t>
+            </a:r>
+            <a:r>
+              <a:rPr lang="en-US" altLang="zh-CN" sz="1600" b="1" dirty="0" smtClean="0">
+                <a:latin typeface="等线" panose="02010600030101010101" pitchFamily="2" charset="-122"/>
+                <a:ea typeface="等线" panose="02010600030101010101" pitchFamily="2" charset="-122"/>
+              </a:rPr>
+              <a:t>00</a:t>
+            </a:r>
+            <a:endParaRPr lang="zh-CN" altLang="en-US" sz="1600" b="1" dirty="0">
+              <a:latin typeface="等线" panose="02010600030101010101" pitchFamily="2" charset="-122"/>
+              <a:ea typeface="等线" panose="02010600030101010101" pitchFamily="2" charset="-122"/>
+            </a:endParaRPr>
+          </a:p>
+        </p:txBody>
+      </p:sp>
+      <p:sp>
+        <p:nvSpPr>
+          <p:cNvPr id="106" name="文本框 105"/>
+          <p:cNvSpPr txBox="1"/>
+          <p:nvPr/>
+        </p:nvSpPr>
+        <p:spPr>
+          <a:xfrm>
+            <a:off x="5338677" y="3035613"/>
+            <a:ext cx="697367" cy="338554"/>
+          </a:xfrm>
+          <a:prstGeom prst="rect">
+            <a:avLst/>
+          </a:prstGeom>
+          <a:solidFill>
+            <a:schemeClr val="bg1">
+              <a:lumMod val="95000"/>
+            </a:schemeClr>
+          </a:solidFill>
+          <a:ln w="12700">
+            <a:solidFill>
+              <a:schemeClr val="tx1"/>
+            </a:solidFill>
+          </a:ln>
+        </p:spPr>
+        <p:txBody>
+          <a:bodyPr wrap="square" rtlCol="0">
+            <a:spAutoFit/>
+          </a:bodyPr>
+          <a:lstStyle/>
+          <a:p>
+            <a:pPr algn="r"/>
+            <a:r>
+              <a:rPr lang="en-US" altLang="zh-CN" sz="1600" b="1" dirty="0" smtClean="0">
+                <a:latin typeface="等线" panose="02010600030101010101" pitchFamily="2" charset="-122"/>
+                <a:ea typeface="等线" panose="02010600030101010101" pitchFamily="2" charset="-122"/>
+              </a:rPr>
+              <a:t>1200</a:t>
+            </a:r>
+            <a:endParaRPr lang="zh-CN" altLang="en-US" sz="1600" b="1" dirty="0">
+              <a:latin typeface="等线" panose="02010600030101010101" pitchFamily="2" charset="-122"/>
+              <a:ea typeface="等线" panose="02010600030101010101" pitchFamily="2" charset="-122"/>
+            </a:endParaRPr>
+          </a:p>
+        </p:txBody>
+      </p:sp>
+      <p:sp>
+        <p:nvSpPr>
+          <p:cNvPr id="107" name="文本框 106"/>
+          <p:cNvSpPr txBox="1"/>
+          <p:nvPr/>
+        </p:nvSpPr>
+        <p:spPr>
+          <a:xfrm>
+            <a:off x="10717310" y="11616"/>
+            <a:ext cx="216000" cy="216000"/>
+          </a:xfrm>
+          <a:prstGeom prst="rect">
+            <a:avLst/>
+          </a:prstGeom>
+          <a:solidFill>
+            <a:srgbClr val="E9DDBD"/>
+          </a:solidFill>
+          <a:ln w="12700">
+            <a:solidFill>
+              <a:schemeClr val="tx1"/>
+            </a:solidFill>
+          </a:ln>
+        </p:spPr>
+        <p:txBody>
+          <a:bodyPr wrap="square" rtlCol="0">
+            <a:spAutoFit/>
+          </a:bodyPr>
+          <a:lstStyle/>
+          <a:p>
+            <a:endParaRPr lang="zh-CN" altLang="en-US" sz="1600" b="1" dirty="0">
+              <a:latin typeface="等线" panose="02010600030101010101" pitchFamily="2" charset="-122"/>
+              <a:ea typeface="等线" panose="02010600030101010101" pitchFamily="2" charset="-122"/>
+            </a:endParaRPr>
+          </a:p>
+        </p:txBody>
+      </p:sp>
+      <p:sp>
+        <p:nvSpPr>
+          <p:cNvPr id="108" name="文本框 107"/>
+          <p:cNvSpPr txBox="1"/>
+          <p:nvPr/>
+        </p:nvSpPr>
+        <p:spPr>
+          <a:xfrm>
+            <a:off x="11405181" y="-50686"/>
+            <a:ext cx="506087" cy="338554"/>
+          </a:xfrm>
+          <a:prstGeom prst="rect">
+            <a:avLst/>
+          </a:prstGeom>
+          <a:noFill/>
+        </p:spPr>
+        <p:txBody>
+          <a:bodyPr wrap="square" rtlCol="0">
+            <a:spAutoFit/>
+          </a:bodyPr>
+          <a:lstStyle/>
+          <a:p>
+            <a:pPr algn="r"/>
+            <a:r>
+              <a:rPr lang="en-US" altLang="zh-CN" sz="1600" b="1" dirty="0" smtClean="0"/>
+              <a:t>30</a:t>
+            </a:r>
+            <a:endParaRPr lang="zh-CN" altLang="en-US" sz="1600" b="1" dirty="0"/>
+          </a:p>
+        </p:txBody>
+      </p:sp>
       <p:cxnSp>
         <p:nvCxnSpPr>
-          <p:cNvPr id="100" name="曲线连接符 99"/>
+          <p:cNvPr id="69" name="曲线连接符 68"/>
           <p:cNvCxnSpPr>
             <a:stCxn id="45" idx="3"/>
             <a:endCxn id="99" idx="1"/>
@@ -5676,8 +5952,8 @@
         </p:nvCxnSpPr>
         <p:spPr>
           <a:xfrm>
-            <a:off x="5760839" y="1887206"/>
-            <a:ext cx="1680374" cy="721720"/>
+            <a:off x="5810753" y="1871956"/>
+            <a:ext cx="980594" cy="593131"/>
           </a:xfrm>
           <a:prstGeom prst="curvedConnector3">
             <a:avLst/>
@@ -5705,23 +5981,20 @@
       </p:cxnSp>
       <p:sp>
         <p:nvSpPr>
-          <p:cNvPr id="103" name="文本框 102"/>
+          <p:cNvPr id="75" name="文本框 74"/>
           <p:cNvSpPr txBox="1"/>
           <p:nvPr/>
         </p:nvSpPr>
         <p:spPr>
           <a:xfrm>
-            <a:off x="8444215" y="2438103"/>
-            <a:ext cx="720000" cy="338554"/>
-          </a:xfrm>
-          <a:prstGeom prst="rect">
-            <a:avLst/>
-          </a:prstGeom>
-          <a:solidFill>
-            <a:schemeClr val="accent4">
-              <a:lumMod val="20000"/>
-              <a:lumOff val="80000"/>
-            </a:schemeClr>
+            <a:off x="10866172" y="1525807"/>
+            <a:ext cx="864000" cy="108000"/>
+          </a:xfrm>
+          <a:prstGeom prst="rect">
+            <a:avLst/>
+          </a:prstGeom>
+          <a:solidFill>
+            <a:srgbClr val="E9DDBD"/>
           </a:solidFill>
           <a:ln w="12700">
             <a:solidFill>
@@ -5735,12 +6008,414 @@
           </a:bodyPr>
           <a:lstStyle/>
           <a:p>
+            <a:endParaRPr lang="zh-CN" altLang="en-US" sz="1600" b="1" dirty="0">
+              <a:latin typeface="等线" panose="02010600030101010101" pitchFamily="2" charset="-122"/>
+              <a:ea typeface="等线" panose="02010600030101010101" pitchFamily="2" charset="-122"/>
+            </a:endParaRPr>
+          </a:p>
+        </p:txBody>
+      </p:sp>
+      <p:sp>
+        <p:nvSpPr>
+          <p:cNvPr id="78" name="文本框 77"/>
+          <p:cNvSpPr txBox="1"/>
+          <p:nvPr/>
+        </p:nvSpPr>
+        <p:spPr>
+          <a:xfrm>
+            <a:off x="921658" y="557424"/>
+            <a:ext cx="864000" cy="369332"/>
+          </a:xfrm>
+          <a:prstGeom prst="rect">
+            <a:avLst/>
+          </a:prstGeom>
+          <a:solidFill>
+            <a:srgbClr val="AFABAB"/>
+          </a:solidFill>
+          <a:ln w="25400">
+            <a:solidFill>
+              <a:schemeClr val="tx1"/>
+            </a:solidFill>
+          </a:ln>
+        </p:spPr>
+        <p:txBody>
+          <a:bodyPr wrap="square" rtlCol="0">
+            <a:spAutoFit/>
+          </a:bodyPr>
+          <a:lstStyle>
+            <a:defPPr>
+              <a:defRPr lang="zh-CN"/>
+            </a:defPPr>
+            <a:lvl1pPr algn="ctr">
+              <a:defRPr sz="2000" b="1">
+                <a:latin typeface="等线" panose="02010600030101010101" pitchFamily="2" charset="-122"/>
+                <a:ea typeface="等线" panose="02010600030101010101" pitchFamily="2" charset="-122"/>
+              </a:defRPr>
+            </a:lvl1pPr>
+          </a:lstStyle>
+          <a:p>
+            <a:r>
+              <a:rPr lang="en-US" altLang="zh-CN" sz="1800" dirty="0" smtClean="0"/>
+              <a:t>SPWN</a:t>
+            </a:r>
+            <a:endParaRPr lang="zh-CN" altLang="en-US" sz="1800" dirty="0"/>
+          </a:p>
+        </p:txBody>
+      </p:sp>
+      <p:sp>
+        <p:nvSpPr>
+          <p:cNvPr id="102" name="矩形 101"/>
+          <p:cNvSpPr/>
+          <p:nvPr/>
+        </p:nvSpPr>
+        <p:spPr>
+          <a:xfrm>
+            <a:off x="11721039" y="316107"/>
+            <a:ext cx="146556" cy="1705971"/>
+          </a:xfrm>
+          <a:prstGeom prst="rect">
+            <a:avLst/>
+          </a:prstGeom>
+          <a:solidFill>
+            <a:srgbClr val="57564D"/>
+          </a:solidFill>
+          <a:ln>
+            <a:noFill/>
+          </a:ln>
+        </p:spPr>
+        <p:style>
+          <a:lnRef idx="2">
+            <a:schemeClr val="accent1">
+              <a:shade val="50000"/>
+            </a:schemeClr>
+          </a:lnRef>
+          <a:fillRef idx="1">
+            <a:schemeClr val="accent1"/>
+          </a:fillRef>
+          <a:effectRef idx="0">
+            <a:schemeClr val="accent1"/>
+          </a:effectRef>
+          <a:fontRef idx="minor">
+            <a:schemeClr val="lt1"/>
+          </a:fontRef>
+        </p:style>
+        <p:txBody>
+          <a:bodyPr rtlCol="0" anchor="ctr"/>
+          <a:lstStyle/>
+          <a:p>
+            <a:pPr algn="ctr"/>
+            <a:endParaRPr lang="zh-CN" altLang="en-US"/>
+          </a:p>
+        </p:txBody>
+      </p:sp>
+      <p:sp>
+        <p:nvSpPr>
+          <p:cNvPr id="109" name="圆角矩形 108"/>
+          <p:cNvSpPr/>
+          <p:nvPr/>
+        </p:nvSpPr>
+        <p:spPr>
+          <a:xfrm>
+            <a:off x="11728121" y="318459"/>
+            <a:ext cx="138405" cy="1201781"/>
+          </a:xfrm>
+          <a:prstGeom prst="roundRect">
+            <a:avLst/>
+          </a:prstGeom>
+          <a:solidFill>
+            <a:schemeClr val="bg1">
+              <a:lumMod val="85000"/>
+            </a:schemeClr>
+          </a:solidFill>
+          <a:ln w="12700"/>
+        </p:spPr>
+        <p:style>
+          <a:lnRef idx="2">
+            <a:schemeClr val="accent1">
+              <a:shade val="50000"/>
+            </a:schemeClr>
+          </a:lnRef>
+          <a:fillRef idx="1">
+            <a:schemeClr val="accent1"/>
+          </a:fillRef>
+          <a:effectRef idx="0">
+            <a:schemeClr val="accent1"/>
+          </a:effectRef>
+          <a:fontRef idx="minor">
+            <a:schemeClr val="lt1"/>
+          </a:fontRef>
+        </p:style>
+        <p:txBody>
+          <a:bodyPr rtlCol="0" anchor="ctr"/>
+          <a:lstStyle/>
+          <a:p>
+            <a:pPr algn="ctr"/>
+            <a:endParaRPr lang="zh-CN" altLang="en-US"/>
+          </a:p>
+        </p:txBody>
+      </p:sp>
+      <p:sp>
+        <p:nvSpPr>
+          <p:cNvPr id="110" name="矩形 109"/>
+          <p:cNvSpPr/>
+          <p:nvPr/>
+        </p:nvSpPr>
+        <p:spPr>
+          <a:xfrm flipH="1" flipV="1">
+            <a:off x="11721039" y="377058"/>
+            <a:ext cx="144000" cy="144000"/>
+          </a:xfrm>
+          <a:prstGeom prst="rect">
+            <a:avLst/>
+          </a:prstGeom>
+          <a:solidFill>
+            <a:srgbClr val="66FF66"/>
+          </a:solidFill>
+          <a:ln>
+            <a:solidFill>
+              <a:schemeClr val="tx1"/>
+            </a:solidFill>
+          </a:ln>
+        </p:spPr>
+        <p:style>
+          <a:lnRef idx="2">
+            <a:schemeClr val="accent1">
+              <a:shade val="50000"/>
+            </a:schemeClr>
+          </a:lnRef>
+          <a:fillRef idx="1">
+            <a:schemeClr val="accent1"/>
+          </a:fillRef>
+          <a:effectRef idx="0">
+            <a:schemeClr val="accent1"/>
+          </a:effectRef>
+          <a:fontRef idx="minor">
+            <a:schemeClr val="lt1"/>
+          </a:fontRef>
+        </p:style>
+        <p:txBody>
+          <a:bodyPr rtlCol="0" anchor="ctr"/>
+          <a:lstStyle/>
+          <a:p>
+            <a:pPr algn="ctr"/>
+            <a:endParaRPr lang="zh-CN" altLang="en-US"/>
+          </a:p>
+        </p:txBody>
+      </p:sp>
+      <p:sp>
+        <p:nvSpPr>
+          <p:cNvPr id="112" name="文本框 111"/>
+          <p:cNvSpPr txBox="1"/>
+          <p:nvPr/>
+        </p:nvSpPr>
+        <p:spPr>
+          <a:xfrm>
+            <a:off x="2495991" y="4390994"/>
+            <a:ext cx="864000" cy="216000"/>
+          </a:xfrm>
+          <a:prstGeom prst="rect">
+            <a:avLst/>
+          </a:prstGeom>
+          <a:solidFill>
+            <a:schemeClr val="tx1"/>
+          </a:solidFill>
+          <a:ln w="12700">
+            <a:noFill/>
+          </a:ln>
+        </p:spPr>
+        <p:txBody>
+          <a:bodyPr wrap="square" rtlCol="0">
+            <a:spAutoFit/>
+          </a:bodyPr>
+          <a:lstStyle/>
+          <a:p>
+            <a:endParaRPr lang="zh-CN" altLang="en-US" sz="1600" b="1" dirty="0">
+              <a:latin typeface="等线" panose="02010600030101010101" pitchFamily="2" charset="-122"/>
+              <a:ea typeface="等线" panose="02010600030101010101" pitchFamily="2" charset="-122"/>
+            </a:endParaRPr>
+          </a:p>
+        </p:txBody>
+      </p:sp>
+      <p:sp>
+        <p:nvSpPr>
+          <p:cNvPr id="113" name="文本框 112"/>
+          <p:cNvSpPr txBox="1"/>
+          <p:nvPr/>
+        </p:nvSpPr>
+        <p:spPr>
+          <a:xfrm>
+            <a:off x="2437913" y="4332698"/>
+            <a:ext cx="701797" cy="338554"/>
+          </a:xfrm>
+          <a:prstGeom prst="rect">
+            <a:avLst/>
+          </a:prstGeom>
+          <a:noFill/>
+          <a:ln>
+            <a:noFill/>
+          </a:ln>
+        </p:spPr>
+        <p:txBody>
+          <a:bodyPr wrap="square" rtlCol="0">
+            <a:spAutoFit/>
+          </a:bodyPr>
+          <a:lstStyle/>
+          <a:p>
+            <a:r>
+              <a:rPr lang="en-US" altLang="zh-CN" sz="1600" b="1" dirty="0" smtClean="0">
+                <a:solidFill>
+                  <a:srgbClr val="66FF66"/>
+                </a:solidFill>
+              </a:rPr>
+              <a:t>1210</a:t>
+            </a:r>
+            <a:endParaRPr lang="zh-CN" altLang="en-US" sz="1600" b="1" dirty="0">
+              <a:solidFill>
+                <a:srgbClr val="66FF66"/>
+              </a:solidFill>
+            </a:endParaRPr>
+          </a:p>
+        </p:txBody>
+      </p:sp>
+      <p:sp>
+        <p:nvSpPr>
+          <p:cNvPr id="120" name="文本框 119"/>
+          <p:cNvSpPr txBox="1"/>
+          <p:nvPr/>
+        </p:nvSpPr>
+        <p:spPr>
+          <a:xfrm>
+            <a:off x="10069310" y="4404216"/>
+            <a:ext cx="864000" cy="216000"/>
+          </a:xfrm>
+          <a:prstGeom prst="rect">
+            <a:avLst/>
+          </a:prstGeom>
+          <a:solidFill>
+            <a:schemeClr val="bg1"/>
+          </a:solidFill>
+          <a:ln w="12700">
+            <a:noFill/>
+          </a:ln>
+        </p:spPr>
+        <p:txBody>
+          <a:bodyPr wrap="square" rtlCol="0">
+            <a:spAutoFit/>
+          </a:bodyPr>
+          <a:lstStyle/>
+          <a:p>
+            <a:endParaRPr lang="zh-CN" altLang="en-US" sz="1600" b="1" dirty="0">
+              <a:latin typeface="等线" panose="02010600030101010101" pitchFamily="2" charset="-122"/>
+              <a:ea typeface="等线" panose="02010600030101010101" pitchFamily="2" charset="-122"/>
+            </a:endParaRPr>
+          </a:p>
+        </p:txBody>
+      </p:sp>
+      <p:sp>
+        <p:nvSpPr>
+          <p:cNvPr id="121" name="文本框 120"/>
+          <p:cNvSpPr txBox="1"/>
+          <p:nvPr/>
+        </p:nvSpPr>
+        <p:spPr>
+          <a:xfrm>
+            <a:off x="9253310" y="4393127"/>
+            <a:ext cx="720000" cy="216000"/>
+          </a:xfrm>
+          <a:prstGeom prst="rect">
+            <a:avLst/>
+          </a:prstGeom>
+          <a:solidFill>
+            <a:srgbClr val="E9DDBD"/>
+          </a:solidFill>
+          <a:ln w="12700">
+            <a:solidFill>
+              <a:schemeClr val="tx1"/>
+            </a:solidFill>
+          </a:ln>
+        </p:spPr>
+        <p:txBody>
+          <a:bodyPr wrap="square" rtlCol="0">
+            <a:spAutoFit/>
+          </a:bodyPr>
+          <a:lstStyle/>
+          <a:p>
+            <a:endParaRPr lang="zh-CN" altLang="en-US" sz="1600" b="1" dirty="0">
+              <a:latin typeface="等线" panose="02010600030101010101" pitchFamily="2" charset="-122"/>
+              <a:ea typeface="等线" panose="02010600030101010101" pitchFamily="2" charset="-122"/>
+            </a:endParaRPr>
+          </a:p>
+        </p:txBody>
+      </p:sp>
+      <p:sp>
+        <p:nvSpPr>
+          <p:cNvPr id="122" name="文本框 121"/>
+          <p:cNvSpPr txBox="1"/>
+          <p:nvPr/>
+        </p:nvSpPr>
+        <p:spPr>
+          <a:xfrm>
+            <a:off x="10473452" y="4330825"/>
+            <a:ext cx="506087" cy="338554"/>
+          </a:xfrm>
+          <a:prstGeom prst="rect">
+            <a:avLst/>
+          </a:prstGeom>
+          <a:noFill/>
+        </p:spPr>
+        <p:txBody>
+          <a:bodyPr wrap="square" rtlCol="0">
+            <a:spAutoFit/>
+          </a:bodyPr>
+          <a:lstStyle/>
+          <a:p>
+            <a:pPr algn="r"/>
+            <a:r>
+              <a:rPr lang="en-US" altLang="zh-CN" sz="1600" b="1" dirty="0" smtClean="0"/>
+              <a:t>300</a:t>
+            </a:r>
+            <a:endParaRPr lang="zh-CN" altLang="en-US" sz="1600" b="1" dirty="0"/>
+          </a:p>
+        </p:txBody>
+      </p:sp>
+      <p:sp>
+        <p:nvSpPr>
+          <p:cNvPr id="125" name="文本框 124"/>
+          <p:cNvSpPr txBox="1"/>
+          <p:nvPr/>
+        </p:nvSpPr>
+        <p:spPr>
+          <a:xfrm>
+            <a:off x="2885726" y="3079194"/>
+            <a:ext cx="697367" cy="338554"/>
+          </a:xfrm>
+          <a:prstGeom prst="rect">
+            <a:avLst/>
+          </a:prstGeom>
+          <a:solidFill>
+            <a:schemeClr val="bg1">
+              <a:lumMod val="95000"/>
+            </a:schemeClr>
+          </a:solidFill>
+          <a:ln w="12700">
+            <a:solidFill>
+              <a:schemeClr val="tx1"/>
+            </a:solidFill>
+          </a:ln>
+        </p:spPr>
+        <p:txBody>
+          <a:bodyPr wrap="square" rtlCol="0">
+            <a:spAutoFit/>
+          </a:bodyPr>
+          <a:lstStyle/>
+          <a:p>
+            <a:pPr algn="r"/>
             <a:r>
               <a:rPr lang="en-US" altLang="zh-CN" sz="1600" b="1" dirty="0" smtClean="0">
                 <a:latin typeface="等线" panose="02010600030101010101" pitchFamily="2" charset="-122"/>
                 <a:ea typeface="等线" panose="02010600030101010101" pitchFamily="2" charset="-122"/>
               </a:rPr>
-              <a:t>start</a:t>
+              <a:t>600</a:t>
             </a:r>
             <a:endParaRPr lang="zh-CN" altLang="en-US" sz="1600" b="1" dirty="0">
               <a:latin typeface="等线" panose="02010600030101010101" pitchFamily="2" charset="-122"/>
@@ -5751,20 +6426,22 @@
       </p:sp>
       <p:sp>
         <p:nvSpPr>
-          <p:cNvPr id="104" name="文本框 103"/>
+          <p:cNvPr id="126" name="文本框 125"/>
           <p:cNvSpPr txBox="1"/>
           <p:nvPr/>
         </p:nvSpPr>
         <p:spPr>
           <a:xfrm>
-            <a:off x="10014103" y="2436333"/>
-            <a:ext cx="720000" cy="338554"/>
-          </a:xfrm>
-          <a:prstGeom prst="rect">
-            <a:avLst/>
-          </a:prstGeom>
-          <a:solidFill>
-            <a:srgbClr val="E9DDBD"/>
+            <a:off x="3596172" y="3069270"/>
+            <a:ext cx="697367" cy="338554"/>
+          </a:xfrm>
+          <a:prstGeom prst="rect">
+            <a:avLst/>
+          </a:prstGeom>
+          <a:solidFill>
+            <a:schemeClr val="bg1">
+              <a:lumMod val="95000"/>
+            </a:schemeClr>
           </a:solidFill>
           <a:ln w="12700">
             <a:solidFill>
@@ -5778,12 +6455,20 @@
           </a:bodyPr>
           <a:lstStyle/>
           <a:p>
+            <a:pPr algn="r"/>
             <a:r>
               <a:rPr lang="en-US" altLang="zh-CN" sz="1600" b="1" dirty="0" smtClean="0">
                 <a:latin typeface="等线" panose="02010600030101010101" pitchFamily="2" charset="-122"/>
                 <a:ea typeface="等线" panose="02010600030101010101" pitchFamily="2" charset="-122"/>
               </a:rPr>
-              <a:t>end</a:t>
+              <a:t>200</a:t>
+            </a:r>
+            <a:r>
+              <a:rPr lang="en-US" altLang="zh-CN" sz="1600" b="1" dirty="0" smtClean="0">
+                <a:latin typeface="等线" panose="02010600030101010101" pitchFamily="2" charset="-122"/>
+                <a:ea typeface="等线" panose="02010600030101010101" pitchFamily="2" charset="-122"/>
+              </a:rPr>
+              <a:t>0</a:t>
             </a:r>
             <a:endParaRPr lang="zh-CN" altLang="en-US" sz="1600" b="1" dirty="0">
               <a:latin typeface="等线" panose="02010600030101010101" pitchFamily="2" charset="-122"/>
@@ -5794,13 +6479,13 @@
       </p:sp>
       <p:sp>
         <p:nvSpPr>
-          <p:cNvPr id="105" name="文本框 104"/>
+          <p:cNvPr id="127" name="文本框 126"/>
           <p:cNvSpPr txBox="1"/>
           <p:nvPr/>
         </p:nvSpPr>
         <p:spPr>
           <a:xfrm>
-            <a:off x="9154534" y="2436333"/>
+            <a:off x="6782937" y="2798034"/>
             <a:ext cx="697367" cy="338554"/>
           </a:xfrm>
           <a:prstGeom prst="rect">
@@ -5823,6 +6508,7 @@
           </a:bodyPr>
           <a:lstStyle/>
           <a:p>
+            <a:pPr algn="r"/>
             <a:r>
               <a:rPr lang="en-US" altLang="zh-CN" sz="1600" b="1" dirty="0" smtClean="0">
                 <a:latin typeface="等线" panose="02010600030101010101" pitchFamily="2" charset="-122"/>
@@ -5839,13 +6525,13 @@
       </p:sp>
       <p:sp>
         <p:nvSpPr>
-          <p:cNvPr id="106" name="文本框 105"/>
+          <p:cNvPr id="128" name="文本框 127"/>
           <p:cNvSpPr txBox="1"/>
           <p:nvPr/>
         </p:nvSpPr>
         <p:spPr>
           <a:xfrm>
-            <a:off x="10734103" y="2438081"/>
+            <a:off x="7480304" y="2802126"/>
             <a:ext cx="697367" cy="338554"/>
           </a:xfrm>
           <a:prstGeom prst="rect">
@@ -5868,6 +6554,7 @@
           </a:bodyPr>
           <a:lstStyle/>
           <a:p>
+            <a:pPr algn="r"/>
             <a:r>
               <a:rPr lang="en-US" altLang="zh-CN" sz="1600" b="1" dirty="0" smtClean="0">
                 <a:latin typeface="等线" panose="02010600030101010101" pitchFamily="2" charset="-122"/>
@@ -5884,24 +6571,24 @@
       </p:sp>
       <p:sp>
         <p:nvSpPr>
-          <p:cNvPr id="107" name="文本框 106"/>
+          <p:cNvPr id="129" name="文本框 128"/>
           <p:cNvSpPr txBox="1"/>
           <p:nvPr/>
         </p:nvSpPr>
         <p:spPr>
           <a:xfrm>
-            <a:off x="7123944" y="90424"/>
-            <a:ext cx="216000" cy="108000"/>
-          </a:xfrm>
-          <a:prstGeom prst="rect">
-            <a:avLst/>
-          </a:prstGeom>
-          <a:solidFill>
-            <a:srgbClr val="E9DDBD"/>
-          </a:solidFill>
-          <a:ln w="12700">
+            <a:off x="8492564" y="2767560"/>
+            <a:ext cx="864000" cy="374571"/>
+          </a:xfrm>
+          <a:prstGeom prst="roundRect">
+            <a:avLst/>
+          </a:prstGeom>
+          <a:solidFill>
+            <a:srgbClr val="FFF909"/>
+          </a:solidFill>
+          <a:ln w="25400">
             <a:solidFill>
-              <a:schemeClr val="tx1"/>
+              <a:schemeClr val="bg1"/>
             </a:solidFill>
           </a:ln>
         </p:spPr>
@@ -5911,6 +6598,13 @@
           </a:bodyPr>
           <a:lstStyle/>
           <a:p>
+            <a:r>
+              <a:rPr lang="en-US" altLang="zh-CN" sz="1600" b="1" dirty="0">
+                <a:latin typeface="等线" panose="02010600030101010101" pitchFamily="2" charset="-122"/>
+                <a:ea typeface="等线" panose="02010600030101010101" pitchFamily="2" charset="-122"/>
+              </a:rPr>
+              <a:t>new</a:t>
+            </a:r>
             <a:endParaRPr lang="zh-CN" altLang="en-US" sz="1600" b="1" dirty="0">
               <a:latin typeface="等线" panose="02010600030101010101" pitchFamily="2" charset="-122"/>
               <a:ea typeface="等线" panose="02010600030101010101" pitchFamily="2" charset="-122"/>
@@ -5920,19 +6614,26 @@
       </p:sp>
       <p:sp>
         <p:nvSpPr>
-          <p:cNvPr id="108" name="文本框 107"/>
+          <p:cNvPr id="135" name="文本框 134"/>
           <p:cNvSpPr txBox="1"/>
           <p:nvPr/>
         </p:nvSpPr>
         <p:spPr>
           <a:xfrm>
-            <a:off x="6730854" y="-15334"/>
-            <a:ext cx="506087" cy="338554"/>
-          </a:xfrm>
-          <a:prstGeom prst="rect">
-            <a:avLst/>
-          </a:prstGeom>
-          <a:noFill/>
+            <a:off x="4716390" y="4358073"/>
+            <a:ext cx="360000" cy="216000"/>
+          </a:xfrm>
+          <a:prstGeom prst="rect">
+            <a:avLst/>
+          </a:prstGeom>
+          <a:solidFill>
+            <a:srgbClr val="FFD966"/>
+          </a:solidFill>
+          <a:ln w="25400">
+            <a:solidFill>
+              <a:schemeClr val="tx1"/>
+            </a:solidFill>
+          </a:ln>
         </p:spPr>
         <p:txBody>
           <a:bodyPr wrap="square" rtlCol="0">
@@ -5940,11 +6641,357 @@
           </a:bodyPr>
           <a:lstStyle/>
           <a:p>
-            <a:r>
-              <a:rPr lang="en-US" altLang="zh-CN" sz="1600" b="1" dirty="0" smtClean="0"/>
-              <a:t>30</a:t>
-            </a:r>
-            <a:endParaRPr lang="zh-CN" altLang="en-US" sz="1600" b="1" dirty="0"/>
+            <a:endParaRPr lang="zh-CN" altLang="en-US" sz="2000" b="1" dirty="0">
+              <a:latin typeface="等线" panose="02010600030101010101" pitchFamily="2" charset="-122"/>
+              <a:ea typeface="等线" panose="02010600030101010101" pitchFamily="2" charset="-122"/>
+            </a:endParaRPr>
+          </a:p>
+        </p:txBody>
+      </p:sp>
+      <p:sp>
+        <p:nvSpPr>
+          <p:cNvPr id="137" name="文本框 136"/>
+          <p:cNvSpPr txBox="1"/>
+          <p:nvPr/>
+        </p:nvSpPr>
+        <p:spPr>
+          <a:xfrm>
+            <a:off x="5073146" y="4358073"/>
+            <a:ext cx="360000" cy="216000"/>
+          </a:xfrm>
+          <a:prstGeom prst="rect">
+            <a:avLst/>
+          </a:prstGeom>
+          <a:solidFill>
+            <a:srgbClr val="ED6D6B"/>
+          </a:solidFill>
+          <a:ln w="25400">
+            <a:solidFill>
+              <a:schemeClr val="tx1"/>
+            </a:solidFill>
+          </a:ln>
+        </p:spPr>
+        <p:txBody>
+          <a:bodyPr wrap="square" rtlCol="0">
+            <a:spAutoFit/>
+          </a:bodyPr>
+          <a:lstStyle/>
+          <a:p>
+            <a:endParaRPr lang="zh-CN" altLang="en-US" sz="2000" b="1" dirty="0">
+              <a:latin typeface="等线" panose="02010600030101010101" pitchFamily="2" charset="-122"/>
+              <a:ea typeface="等线" panose="02010600030101010101" pitchFamily="2" charset="-122"/>
+            </a:endParaRPr>
+          </a:p>
+        </p:txBody>
+      </p:sp>
+      <p:sp>
+        <p:nvSpPr>
+          <p:cNvPr id="138" name="文本框 137"/>
+          <p:cNvSpPr txBox="1"/>
+          <p:nvPr/>
+        </p:nvSpPr>
+        <p:spPr>
+          <a:xfrm>
+            <a:off x="5429907" y="4358073"/>
+            <a:ext cx="360000" cy="216000"/>
+          </a:xfrm>
+          <a:prstGeom prst="rect">
+            <a:avLst/>
+          </a:prstGeom>
+          <a:solidFill>
+            <a:srgbClr val="4B79FB"/>
+          </a:solidFill>
+          <a:ln w="25400">
+            <a:solidFill>
+              <a:schemeClr val="tx1"/>
+            </a:solidFill>
+          </a:ln>
+        </p:spPr>
+        <p:txBody>
+          <a:bodyPr wrap="square" rtlCol="0">
+            <a:spAutoFit/>
+          </a:bodyPr>
+          <a:lstStyle/>
+          <a:p>
+            <a:endParaRPr lang="zh-CN" altLang="en-US" sz="2000" b="1" dirty="0">
+              <a:latin typeface="等线" panose="02010600030101010101" pitchFamily="2" charset="-122"/>
+              <a:ea typeface="等线" panose="02010600030101010101" pitchFamily="2" charset="-122"/>
+            </a:endParaRPr>
+          </a:p>
+        </p:txBody>
+      </p:sp>
+      <p:sp>
+        <p:nvSpPr>
+          <p:cNvPr id="139" name="文本框 138"/>
+          <p:cNvSpPr txBox="1"/>
+          <p:nvPr/>
+        </p:nvSpPr>
+        <p:spPr>
+          <a:xfrm>
+            <a:off x="5794268" y="4358073"/>
+            <a:ext cx="360000" cy="216000"/>
+          </a:xfrm>
+          <a:prstGeom prst="rect">
+            <a:avLst/>
+          </a:prstGeom>
+          <a:solidFill>
+            <a:srgbClr val="50D0C4"/>
+          </a:solidFill>
+          <a:ln w="25400">
+            <a:solidFill>
+              <a:schemeClr val="tx1"/>
+            </a:solidFill>
+          </a:ln>
+        </p:spPr>
+        <p:txBody>
+          <a:bodyPr wrap="square" rtlCol="0">
+            <a:spAutoFit/>
+          </a:bodyPr>
+          <a:lstStyle/>
+          <a:p>
+            <a:endParaRPr lang="zh-CN" altLang="en-US" sz="2000" b="1" dirty="0">
+              <a:latin typeface="等线" panose="02010600030101010101" pitchFamily="2" charset="-122"/>
+              <a:ea typeface="等线" panose="02010600030101010101" pitchFamily="2" charset="-122"/>
+            </a:endParaRPr>
+          </a:p>
+        </p:txBody>
+      </p:sp>
+      <p:sp>
+        <p:nvSpPr>
+          <p:cNvPr id="140" name="文本框 139"/>
+          <p:cNvSpPr txBox="1"/>
+          <p:nvPr/>
+        </p:nvSpPr>
+        <p:spPr>
+          <a:xfrm>
+            <a:off x="6149392" y="4356565"/>
+            <a:ext cx="360000" cy="216000"/>
+          </a:xfrm>
+          <a:prstGeom prst="rect">
+            <a:avLst/>
+          </a:prstGeom>
+          <a:solidFill>
+            <a:srgbClr val="BB71C1"/>
+          </a:solidFill>
+          <a:ln w="25400">
+            <a:solidFill>
+              <a:schemeClr val="tx1"/>
+            </a:solidFill>
+          </a:ln>
+        </p:spPr>
+        <p:txBody>
+          <a:bodyPr wrap="square" rtlCol="0">
+            <a:spAutoFit/>
+          </a:bodyPr>
+          <a:lstStyle/>
+          <a:p>
+            <a:endParaRPr lang="zh-CN" altLang="en-US" sz="2000" b="1" dirty="0">
+              <a:latin typeface="等线" panose="02010600030101010101" pitchFamily="2" charset="-122"/>
+              <a:ea typeface="等线" panose="02010600030101010101" pitchFamily="2" charset="-122"/>
+            </a:endParaRPr>
+          </a:p>
+        </p:txBody>
+      </p:sp>
+      <p:sp>
+        <p:nvSpPr>
+          <p:cNvPr id="141" name="文本框 140"/>
+          <p:cNvSpPr txBox="1"/>
+          <p:nvPr/>
+        </p:nvSpPr>
+        <p:spPr>
+          <a:xfrm>
+            <a:off x="6736536" y="4355528"/>
+            <a:ext cx="360000" cy="216000"/>
+          </a:xfrm>
+          <a:prstGeom prst="rect">
+            <a:avLst/>
+          </a:prstGeom>
+          <a:solidFill>
+            <a:schemeClr val="bg1">
+              <a:lumMod val="65000"/>
+            </a:schemeClr>
+          </a:solidFill>
+          <a:ln w="25400">
+            <a:solidFill>
+              <a:schemeClr val="tx1"/>
+            </a:solidFill>
+          </a:ln>
+        </p:spPr>
+        <p:txBody>
+          <a:bodyPr wrap="square" rtlCol="0">
+            <a:spAutoFit/>
+          </a:bodyPr>
+          <a:lstStyle/>
+          <a:p>
+            <a:endParaRPr lang="zh-CN" altLang="en-US" sz="2000" b="1" dirty="0">
+              <a:latin typeface="等线" panose="02010600030101010101" pitchFamily="2" charset="-122"/>
+              <a:ea typeface="等线" panose="02010600030101010101" pitchFamily="2" charset="-122"/>
+            </a:endParaRPr>
+          </a:p>
+        </p:txBody>
+      </p:sp>
+      <p:sp>
+        <p:nvSpPr>
+          <p:cNvPr id="142" name="文本框 141"/>
+          <p:cNvSpPr txBox="1"/>
+          <p:nvPr/>
+        </p:nvSpPr>
+        <p:spPr>
+          <a:xfrm>
+            <a:off x="7091280" y="4359016"/>
+            <a:ext cx="360000" cy="216000"/>
+          </a:xfrm>
+          <a:prstGeom prst="rect">
+            <a:avLst/>
+          </a:prstGeom>
+          <a:solidFill>
+            <a:srgbClr val="EB6C6B"/>
+          </a:solidFill>
+          <a:ln w="25400">
+            <a:solidFill>
+              <a:schemeClr val="tx1"/>
+            </a:solidFill>
+          </a:ln>
+        </p:spPr>
+        <p:txBody>
+          <a:bodyPr wrap="square" rtlCol="0">
+            <a:spAutoFit/>
+          </a:bodyPr>
+          <a:lstStyle/>
+          <a:p>
+            <a:endParaRPr lang="zh-CN" altLang="en-US" sz="2000" b="1" dirty="0">
+              <a:latin typeface="等线" panose="02010600030101010101" pitchFamily="2" charset="-122"/>
+              <a:ea typeface="等线" panose="02010600030101010101" pitchFamily="2" charset="-122"/>
+            </a:endParaRPr>
+          </a:p>
+        </p:txBody>
+      </p:sp>
+      <p:sp>
+        <p:nvSpPr>
+          <p:cNvPr id="71" name="等腰三角形 70"/>
+          <p:cNvSpPr/>
+          <p:nvPr/>
+        </p:nvSpPr>
+        <p:spPr>
+          <a:xfrm flipV="1">
+            <a:off x="9784279" y="2394696"/>
+            <a:ext cx="189031" cy="173217"/>
+          </a:xfrm>
+          <a:prstGeom prst="triangle">
+            <a:avLst/>
+          </a:prstGeom>
+          <a:solidFill>
+            <a:schemeClr val="tx1"/>
+          </a:solidFill>
+        </p:spPr>
+        <p:style>
+          <a:lnRef idx="2">
+            <a:schemeClr val="accent1">
+              <a:shade val="50000"/>
+            </a:schemeClr>
+          </a:lnRef>
+          <a:fillRef idx="1">
+            <a:schemeClr val="accent1"/>
+          </a:fillRef>
+          <a:effectRef idx="0">
+            <a:schemeClr val="accent1"/>
+          </a:effectRef>
+          <a:fontRef idx="minor">
+            <a:schemeClr val="lt1"/>
+          </a:fontRef>
+        </p:style>
+        <p:txBody>
+          <a:bodyPr rtlCol="0" anchor="ctr"/>
+          <a:lstStyle/>
+          <a:p>
+            <a:pPr algn="ctr"/>
+            <a:endParaRPr lang="zh-CN" altLang="en-US"/>
+          </a:p>
+        </p:txBody>
+      </p:sp>
+      <p:sp>
+        <p:nvSpPr>
+          <p:cNvPr id="143" name="文本框 142"/>
+          <p:cNvSpPr txBox="1"/>
+          <p:nvPr/>
+        </p:nvSpPr>
+        <p:spPr>
+          <a:xfrm>
+            <a:off x="2343910" y="3663392"/>
+            <a:ext cx="2283631" cy="338554"/>
+          </a:xfrm>
+          <a:prstGeom prst="rect">
+            <a:avLst/>
+          </a:prstGeom>
+          <a:solidFill>
+            <a:srgbClr val="E9DDBD"/>
+          </a:solidFill>
+          <a:ln w="38100">
+            <a:solidFill>
+              <a:schemeClr val="tx1"/>
+            </a:solidFill>
+          </a:ln>
+        </p:spPr>
+        <p:txBody>
+          <a:bodyPr wrap="square" rtlCol="0">
+            <a:spAutoFit/>
+          </a:bodyPr>
+          <a:lstStyle/>
+          <a:p>
+            <a:r>
+              <a:rPr lang="en-US" altLang="zh-CN" sz="1600" b="1" dirty="0" smtClean="0">
+                <a:latin typeface="等线" panose="02010600030101010101" pitchFamily="2" charset="-122"/>
+                <a:ea typeface="等线" panose="02010600030101010101" pitchFamily="2" charset="-122"/>
+              </a:rPr>
+              <a:t>search</a:t>
+            </a:r>
+            <a:endParaRPr lang="zh-CN" altLang="en-US" sz="1600" b="1" dirty="0">
+              <a:latin typeface="等线" panose="02010600030101010101" pitchFamily="2" charset="-122"/>
+              <a:ea typeface="等线" panose="02010600030101010101" pitchFamily="2" charset="-122"/>
+            </a:endParaRPr>
+          </a:p>
+        </p:txBody>
+      </p:sp>
+      <p:sp>
+        <p:nvSpPr>
+          <p:cNvPr id="144" name="等腰三角形 143"/>
+          <p:cNvSpPr/>
+          <p:nvPr/>
+        </p:nvSpPr>
+        <p:spPr>
+          <a:xfrm flipV="1">
+            <a:off x="4360303" y="3761642"/>
+            <a:ext cx="189031" cy="173217"/>
+          </a:xfrm>
+          <a:prstGeom prst="triangle">
+            <a:avLst/>
+          </a:prstGeom>
+          <a:solidFill>
+            <a:schemeClr val="tx1"/>
+          </a:solidFill>
+        </p:spPr>
+        <p:style>
+          <a:lnRef idx="2">
+            <a:schemeClr val="accent1">
+              <a:shade val="50000"/>
+            </a:schemeClr>
+          </a:lnRef>
+          <a:fillRef idx="1">
+            <a:schemeClr val="accent1"/>
+          </a:fillRef>
+          <a:effectRef idx="0">
+            <a:schemeClr val="accent1"/>
+          </a:effectRef>
+          <a:fontRef idx="minor">
+            <a:schemeClr val="lt1"/>
+          </a:fontRef>
+        </p:style>
+        <p:txBody>
+          <a:bodyPr rtlCol="0" anchor="ctr"/>
+          <a:lstStyle/>
+          <a:p>
+            <a:pPr algn="ctr"/>
+            <a:endParaRPr lang="zh-CN" altLang="en-US"/>
           </a:p>
         </p:txBody>
       </p:sp>

--- a/designs.pptx
+++ b/designs.pptx
@@ -5,10 +5,12 @@
     <p:sldMasterId id="2147483648" r:id="rId1"/>
   </p:sldMasterIdLst>
   <p:notesMasterIdLst>
-    <p:notesMasterId r:id="rId3"/>
+    <p:notesMasterId r:id="rId5"/>
   </p:notesMasterIdLst>
   <p:sldIdLst>
     <p:sldId id="256" r:id="rId2"/>
+    <p:sldId id="257" r:id="rId3"/>
+    <p:sldId id="258" r:id="rId4"/>
   </p:sldIdLst>
   <p:sldSz cx="12192000" cy="6858000"/>
   <p:notesSz cx="6858000" cy="9144000"/>
@@ -208,7 +210,7 @@
           <a:p>
             <a:fld id="{B081F251-287F-4A0E-BA1B-E8F01A76ABA6}" type="datetimeFigureOut">
               <a:rPr lang="zh-CN" altLang="en-US" smtClean="0"/>
-              <a:t>2020/5/20</a:t>
+              <a:t>2020/5/22</a:t>
             </a:fld>
             <a:endParaRPr lang="zh-CN" altLang="en-US"/>
           </a:p>
@@ -560,6 +562,174 @@
 </p:notes>
 </file>
 
+<file path=ppt/notesSlides/notesSlide2.xml><?xml version="1.0" encoding="utf-8"?>
+<p:notes xmlns:a="http://schemas.openxmlformats.org/drawingml/2006/main" xmlns:r="http://schemas.openxmlformats.org/officeDocument/2006/relationships" xmlns:p="http://schemas.openxmlformats.org/presentationml/2006/main">
+  <p:cSld>
+    <p:spTree>
+      <p:nvGrpSpPr>
+        <p:cNvPr id="1" name=""/>
+        <p:cNvGrpSpPr/>
+        <p:nvPr/>
+      </p:nvGrpSpPr>
+      <p:grpSpPr>
+        <a:xfrm>
+          <a:off x="0" y="0"/>
+          <a:ext cx="0" cy="0"/>
+          <a:chOff x="0" y="0"/>
+          <a:chExt cx="0" cy="0"/>
+        </a:xfrm>
+      </p:grpSpPr>
+      <p:sp>
+        <p:nvSpPr>
+          <p:cNvPr id="2" name="幻灯片图像占位符 1"/>
+          <p:cNvSpPr>
+            <a:spLocks noGrp="1" noRot="1" noChangeAspect="1"/>
+          </p:cNvSpPr>
+          <p:nvPr>
+            <p:ph type="sldImg"/>
+          </p:nvPr>
+        </p:nvSpPr>
+        <p:spPr/>
+      </p:sp>
+      <p:sp>
+        <p:nvSpPr>
+          <p:cNvPr id="3" name="备注占位符 2"/>
+          <p:cNvSpPr>
+            <a:spLocks noGrp="1"/>
+          </p:cNvSpPr>
+          <p:nvPr>
+            <p:ph type="body" idx="1"/>
+          </p:nvPr>
+        </p:nvSpPr>
+        <p:spPr/>
+        <p:txBody>
+          <a:bodyPr/>
+          <a:lstStyle/>
+          <a:p>
+            <a:endParaRPr lang="zh-CN" altLang="en-US" dirty="0"/>
+          </a:p>
+        </p:txBody>
+      </p:sp>
+      <p:sp>
+        <p:nvSpPr>
+          <p:cNvPr id="4" name="灯片编号占位符 3"/>
+          <p:cNvSpPr>
+            <a:spLocks noGrp="1"/>
+          </p:cNvSpPr>
+          <p:nvPr>
+            <p:ph type="sldNum" sz="quarter" idx="10"/>
+          </p:nvPr>
+        </p:nvSpPr>
+        <p:spPr/>
+        <p:txBody>
+          <a:bodyPr/>
+          <a:lstStyle/>
+          <a:p>
+            <a:fld id="{987163E7-44BE-405C-B3B3-1E40AB6C8BCE}" type="slidenum">
+              <a:rPr lang="zh-CN" altLang="en-US" smtClean="0"/>
+              <a:t>2</a:t>
+            </a:fld>
+            <a:endParaRPr lang="zh-CN" altLang="en-US"/>
+          </a:p>
+        </p:txBody>
+      </p:sp>
+    </p:spTree>
+    <p:extLst>
+      <p:ext uri="{BB962C8B-B14F-4D97-AF65-F5344CB8AC3E}">
+        <p14:creationId xmlns:p14="http://schemas.microsoft.com/office/powerpoint/2010/main" val="2277833163"/>
+      </p:ext>
+    </p:extLst>
+  </p:cSld>
+  <p:clrMapOvr>
+    <a:masterClrMapping/>
+  </p:clrMapOvr>
+</p:notes>
+</file>
+
+<file path=ppt/notesSlides/notesSlide3.xml><?xml version="1.0" encoding="utf-8"?>
+<p:notes xmlns:a="http://schemas.openxmlformats.org/drawingml/2006/main" xmlns:r="http://schemas.openxmlformats.org/officeDocument/2006/relationships" xmlns:p="http://schemas.openxmlformats.org/presentationml/2006/main">
+  <p:cSld>
+    <p:spTree>
+      <p:nvGrpSpPr>
+        <p:cNvPr id="1" name=""/>
+        <p:cNvGrpSpPr/>
+        <p:nvPr/>
+      </p:nvGrpSpPr>
+      <p:grpSpPr>
+        <a:xfrm>
+          <a:off x="0" y="0"/>
+          <a:ext cx="0" cy="0"/>
+          <a:chOff x="0" y="0"/>
+          <a:chExt cx="0" cy="0"/>
+        </a:xfrm>
+      </p:grpSpPr>
+      <p:sp>
+        <p:nvSpPr>
+          <p:cNvPr id="2" name="幻灯片图像占位符 1"/>
+          <p:cNvSpPr>
+            <a:spLocks noGrp="1" noRot="1" noChangeAspect="1"/>
+          </p:cNvSpPr>
+          <p:nvPr>
+            <p:ph type="sldImg"/>
+          </p:nvPr>
+        </p:nvSpPr>
+        <p:spPr/>
+      </p:sp>
+      <p:sp>
+        <p:nvSpPr>
+          <p:cNvPr id="3" name="备注占位符 2"/>
+          <p:cNvSpPr>
+            <a:spLocks noGrp="1"/>
+          </p:cNvSpPr>
+          <p:nvPr>
+            <p:ph type="body" idx="1"/>
+          </p:nvPr>
+        </p:nvSpPr>
+        <p:spPr/>
+        <p:txBody>
+          <a:bodyPr/>
+          <a:lstStyle/>
+          <a:p>
+            <a:endParaRPr lang="en-US" altLang="zh-CN" baseline="0" dirty="0" smtClean="0"/>
+          </a:p>
+        </p:txBody>
+      </p:sp>
+      <p:sp>
+        <p:nvSpPr>
+          <p:cNvPr id="4" name="灯片编号占位符 3"/>
+          <p:cNvSpPr>
+            <a:spLocks noGrp="1"/>
+          </p:cNvSpPr>
+          <p:nvPr>
+            <p:ph type="sldNum" sz="quarter" idx="10"/>
+          </p:nvPr>
+        </p:nvSpPr>
+        <p:spPr/>
+        <p:txBody>
+          <a:bodyPr/>
+          <a:lstStyle/>
+          <a:p>
+            <a:fld id="{987163E7-44BE-405C-B3B3-1E40AB6C8BCE}" type="slidenum">
+              <a:rPr lang="zh-CN" altLang="en-US" smtClean="0"/>
+              <a:t>3</a:t>
+            </a:fld>
+            <a:endParaRPr lang="zh-CN" altLang="en-US"/>
+          </a:p>
+        </p:txBody>
+      </p:sp>
+    </p:spTree>
+    <p:extLst>
+      <p:ext uri="{BB962C8B-B14F-4D97-AF65-F5344CB8AC3E}">
+        <p14:creationId xmlns:p14="http://schemas.microsoft.com/office/powerpoint/2010/main" val="1135002241"/>
+      </p:ext>
+    </p:extLst>
+  </p:cSld>
+  <p:clrMapOvr>
+    <a:masterClrMapping/>
+  </p:clrMapOvr>
+</p:notes>
+</file>
+
 <file path=ppt/slideLayouts/slideLayout1.xml><?xml version="1.0" encoding="utf-8"?>
 <p:sldLayout xmlns:a="http://schemas.openxmlformats.org/drawingml/2006/main" xmlns:r="http://schemas.openxmlformats.org/officeDocument/2006/relationships" xmlns:p="http://schemas.openxmlformats.org/presentationml/2006/main" preserve="1" userDrawn="1">
   <p:cSld name="标题幻灯片">
@@ -699,7 +869,7 @@
           <a:p>
             <a:fld id="{B2EFA2B7-A435-48B5-BA90-ABFC4143719D}" type="datetimeFigureOut">
               <a:rPr lang="zh-CN" altLang="en-US" smtClean="0"/>
-              <a:t>2020/5/20</a:t>
+              <a:t>2020/5/22</a:t>
             </a:fld>
             <a:endParaRPr lang="zh-CN" altLang="en-US"/>
           </a:p>
@@ -879,7 +1049,7 @@
           <a:p>
             <a:fld id="{B2EFA2B7-A435-48B5-BA90-ABFC4143719D}" type="datetimeFigureOut">
               <a:rPr lang="zh-CN" altLang="en-US" smtClean="0"/>
-              <a:t>2020/5/20</a:t>
+              <a:t>2020/5/22</a:t>
             </a:fld>
             <a:endParaRPr lang="zh-CN" altLang="en-US"/>
           </a:p>
@@ -1155,7 +1325,7 @@
           <a:p>
             <a:fld id="{B2EFA2B7-A435-48B5-BA90-ABFC4143719D}" type="datetimeFigureOut">
               <a:rPr lang="zh-CN" altLang="en-US" smtClean="0"/>
-              <a:t>2020/5/20</a:t>
+              <a:t>2020/5/22</a:t>
             </a:fld>
             <a:endParaRPr lang="zh-CN" altLang="en-US"/>
           </a:p>
@@ -1387,7 +1557,7 @@
           <a:p>
             <a:fld id="{B2EFA2B7-A435-48B5-BA90-ABFC4143719D}" type="datetimeFigureOut">
               <a:rPr lang="zh-CN" altLang="en-US" smtClean="0"/>
-              <a:t>2020/5/20</a:t>
+              <a:t>2020/5/22</a:t>
             </a:fld>
             <a:endParaRPr lang="zh-CN" altLang="en-US"/>
           </a:p>
@@ -1754,7 +1924,7 @@
           <a:p>
             <a:fld id="{B2EFA2B7-A435-48B5-BA90-ABFC4143719D}" type="datetimeFigureOut">
               <a:rPr lang="zh-CN" altLang="en-US" smtClean="0"/>
-              <a:t>2020/5/20</a:t>
+              <a:t>2020/5/22</a:t>
             </a:fld>
             <a:endParaRPr lang="zh-CN" altLang="en-US"/>
           </a:p>
@@ -1872,7 +2042,7 @@
           <a:p>
             <a:fld id="{B2EFA2B7-A435-48B5-BA90-ABFC4143719D}" type="datetimeFigureOut">
               <a:rPr lang="zh-CN" altLang="en-US" smtClean="0"/>
-              <a:t>2020/5/20</a:t>
+              <a:t>2020/5/22</a:t>
             </a:fld>
             <a:endParaRPr lang="zh-CN" altLang="en-US"/>
           </a:p>
@@ -1967,7 +2137,7 @@
           <a:p>
             <a:fld id="{B2EFA2B7-A435-48B5-BA90-ABFC4143719D}" type="datetimeFigureOut">
               <a:rPr lang="zh-CN" altLang="en-US" smtClean="0"/>
-              <a:t>2020/5/20</a:t>
+              <a:t>2020/5/22</a:t>
             </a:fld>
             <a:endParaRPr lang="zh-CN" altLang="en-US"/>
           </a:p>
@@ -2244,7 +2414,7 @@
           <a:p>
             <a:fld id="{B2EFA2B7-A435-48B5-BA90-ABFC4143719D}" type="datetimeFigureOut">
               <a:rPr lang="zh-CN" altLang="en-US" smtClean="0"/>
-              <a:t>2020/5/20</a:t>
+              <a:t>2020/5/22</a:t>
             </a:fld>
             <a:endParaRPr lang="zh-CN" altLang="en-US"/>
           </a:p>
@@ -2497,7 +2667,7 @@
           <a:p>
             <a:fld id="{B2EFA2B7-A435-48B5-BA90-ABFC4143719D}" type="datetimeFigureOut">
               <a:rPr lang="zh-CN" altLang="en-US" smtClean="0"/>
-              <a:t>2020/5/20</a:t>
+              <a:t>2020/5/22</a:t>
             </a:fld>
             <a:endParaRPr lang="zh-CN" altLang="en-US"/>
           </a:p>
@@ -2710,7 +2880,7 @@
           <a:p>
             <a:fld id="{B2EFA2B7-A435-48B5-BA90-ABFC4143719D}" type="datetimeFigureOut">
               <a:rPr lang="zh-CN" altLang="en-US" smtClean="0"/>
-              <a:t>2020/5/20</a:t>
+              <a:t>2020/5/22</a:t>
             </a:fld>
             <a:endParaRPr lang="zh-CN" altLang="en-US"/>
           </a:p>
@@ -3650,7 +3820,7 @@
         </p:nvSpPr>
         <p:spPr>
           <a:xfrm>
-            <a:off x="421393" y="1314727"/>
+            <a:off x="392704" y="1671901"/>
             <a:ext cx="1379272" cy="400110"/>
           </a:xfrm>
           <a:prstGeom prst="rect">
@@ -3693,7 +3863,7 @@
         </p:nvSpPr>
         <p:spPr>
           <a:xfrm>
-            <a:off x="421393" y="1849907"/>
+            <a:off x="392704" y="2207081"/>
             <a:ext cx="1379272" cy="400110"/>
           </a:xfrm>
           <a:prstGeom prst="rect">
@@ -3736,7 +3906,7 @@
         </p:nvSpPr>
         <p:spPr>
           <a:xfrm>
-            <a:off x="421393" y="2374777"/>
+            <a:off x="392704" y="2731951"/>
             <a:ext cx="1379272" cy="400110"/>
           </a:xfrm>
           <a:prstGeom prst="rect">
@@ -3779,7 +3949,7 @@
         </p:nvSpPr>
         <p:spPr>
           <a:xfrm>
-            <a:off x="421393" y="2899647"/>
+            <a:off x="392704" y="3256821"/>
             <a:ext cx="1379272" cy="400110"/>
           </a:xfrm>
           <a:prstGeom prst="rect">
@@ -3805,7 +3975,7 @@
                 <a:latin typeface="等线" panose="02010600030101010101" pitchFamily="2" charset="-122"/>
                 <a:ea typeface="等线" panose="02010600030101010101" pitchFamily="2" charset="-122"/>
               </a:rPr>
-              <a:t>events</a:t>
+              <a:t>event</a:t>
             </a:r>
             <a:endParaRPr lang="zh-CN" altLang="en-US" sz="2000" b="1" dirty="0">
               <a:latin typeface="等线" panose="02010600030101010101" pitchFamily="2" charset="-122"/>
@@ -4154,7 +4324,7 @@
         </p:nvSpPr>
         <p:spPr>
           <a:xfrm>
-            <a:off x="421393" y="3444868"/>
+            <a:off x="392704" y="3802042"/>
             <a:ext cx="1379272" cy="400110"/>
           </a:xfrm>
           <a:prstGeom prst="rect">
@@ -4650,8 +4820,8 @@
         </p:nvCxnSpPr>
         <p:spPr>
           <a:xfrm flipV="1">
-            <a:off x="1800665" y="814828"/>
-            <a:ext cx="617949" cy="1235134"/>
+            <a:off x="1771976" y="814828"/>
+            <a:ext cx="646638" cy="1592308"/>
           </a:xfrm>
           <a:prstGeom prst="curvedConnector3">
             <a:avLst/>
@@ -4921,7 +5091,7 @@
         </p:nvSpPr>
         <p:spPr>
           <a:xfrm>
-            <a:off x="46079" y="557424"/>
+            <a:off x="46079" y="543776"/>
             <a:ext cx="864000" cy="369332"/>
           </a:xfrm>
           <a:prstGeom prst="rect">
@@ -6023,7 +6193,7 @@
         </p:nvSpPr>
         <p:spPr>
           <a:xfrm>
-            <a:off x="921658" y="557424"/>
+            <a:off x="921658" y="543776"/>
             <a:ext cx="864000" cy="369332"/>
           </a:xfrm>
           <a:prstGeom prst="rect">
@@ -6461,14 +6631,7 @@
                 <a:latin typeface="等线" panose="02010600030101010101" pitchFamily="2" charset="-122"/>
                 <a:ea typeface="等线" panose="02010600030101010101" pitchFamily="2" charset="-122"/>
               </a:rPr>
-              <a:t>200</a:t>
-            </a:r>
-            <a:r>
-              <a:rPr lang="en-US" altLang="zh-CN" sz="1600" b="1" dirty="0" smtClean="0">
-                <a:latin typeface="等线" panose="02010600030101010101" pitchFamily="2" charset="-122"/>
-                <a:ea typeface="等线" panose="02010600030101010101" pitchFamily="2" charset="-122"/>
-              </a:rPr>
-              <a:t>0</a:t>
+              <a:t>2000</a:t>
             </a:r>
             <a:endParaRPr lang="zh-CN" altLang="en-US" sz="1600" b="1" dirty="0">
               <a:latin typeface="等线" panose="02010600030101010101" pitchFamily="2" charset="-122"/>
@@ -6995,6 +7158,100 @@
           </a:p>
         </p:txBody>
       </p:sp>
+      <p:sp>
+        <p:nvSpPr>
+          <p:cNvPr id="96" name="文本框 95"/>
+          <p:cNvSpPr txBox="1"/>
+          <p:nvPr/>
+        </p:nvSpPr>
+        <p:spPr>
+          <a:xfrm>
+            <a:off x="46884" y="926390"/>
+            <a:ext cx="864000" cy="369332"/>
+          </a:xfrm>
+          <a:prstGeom prst="rect">
+            <a:avLst/>
+          </a:prstGeom>
+          <a:solidFill>
+            <a:srgbClr val="AFABAB"/>
+          </a:solidFill>
+          <a:ln w="25400">
+            <a:solidFill>
+              <a:schemeClr val="tx1"/>
+            </a:solidFill>
+          </a:ln>
+        </p:spPr>
+        <p:txBody>
+          <a:bodyPr wrap="square" rtlCol="0">
+            <a:spAutoFit/>
+          </a:bodyPr>
+          <a:lstStyle>
+            <a:defPPr>
+              <a:defRPr lang="zh-CN"/>
+            </a:defPPr>
+            <a:lvl1pPr algn="ctr">
+              <a:defRPr sz="2000" b="1">
+                <a:latin typeface="等线" panose="02010600030101010101" pitchFamily="2" charset="-122"/>
+                <a:ea typeface="等线" panose="02010600030101010101" pitchFamily="2" charset="-122"/>
+              </a:defRPr>
+            </a:lvl1pPr>
+          </a:lstStyle>
+          <a:p>
+            <a:r>
+              <a:rPr lang="en-US" altLang="zh-CN" sz="1800" dirty="0" smtClean="0"/>
+              <a:t>REND</a:t>
+            </a:r>
+            <a:endParaRPr lang="zh-CN" altLang="en-US" sz="1800" dirty="0"/>
+          </a:p>
+        </p:txBody>
+      </p:sp>
+      <p:sp>
+        <p:nvSpPr>
+          <p:cNvPr id="98" name="文本框 97"/>
+          <p:cNvSpPr txBox="1"/>
+          <p:nvPr/>
+        </p:nvSpPr>
+        <p:spPr>
+          <a:xfrm>
+            <a:off x="922463" y="926390"/>
+            <a:ext cx="864000" cy="369332"/>
+          </a:xfrm>
+          <a:prstGeom prst="rect">
+            <a:avLst/>
+          </a:prstGeom>
+          <a:solidFill>
+            <a:srgbClr val="AFABAB"/>
+          </a:solidFill>
+          <a:ln w="25400">
+            <a:solidFill>
+              <a:schemeClr val="tx1"/>
+            </a:solidFill>
+          </a:ln>
+        </p:spPr>
+        <p:txBody>
+          <a:bodyPr wrap="square" rtlCol="0">
+            <a:spAutoFit/>
+          </a:bodyPr>
+          <a:lstStyle>
+            <a:defPPr>
+              <a:defRPr lang="zh-CN"/>
+            </a:defPPr>
+            <a:lvl1pPr algn="ctr">
+              <a:defRPr sz="2000" b="1">
+                <a:latin typeface="等线" panose="02010600030101010101" pitchFamily="2" charset="-122"/>
+                <a:ea typeface="等线" panose="02010600030101010101" pitchFamily="2" charset="-122"/>
+              </a:defRPr>
+            </a:lvl1pPr>
+          </a:lstStyle>
+          <a:p>
+            <a:r>
+              <a:rPr lang="en-US" altLang="zh-CN" sz="1800" dirty="0" smtClean="0"/>
+              <a:t>PREV</a:t>
+            </a:r>
+            <a:endParaRPr lang="zh-CN" altLang="en-US" sz="1800" dirty="0"/>
+          </a:p>
+        </p:txBody>
+      </p:sp>
     </p:spTree>
     <p:extLst>
       <p:ext uri="{BB962C8B-B14F-4D97-AF65-F5344CB8AC3E}">
@@ -7005,6 +7262,8321 @@
   <p:clrMapOvr>
     <a:masterClrMapping/>
   </p:clrMapOvr>
+  <p:timing>
+    <p:tnLst>
+      <p:par>
+        <p:cTn id="1" dur="indefinite" restart="never" nodeType="tmRoot"/>
+      </p:par>
+    </p:tnLst>
+  </p:timing>
+</p:sld>
+</file>
+
+<file path=ppt/slides/slide2.xml><?xml version="1.0" encoding="utf-8"?>
+<p:sld xmlns:a="http://schemas.openxmlformats.org/drawingml/2006/main" xmlns:r="http://schemas.openxmlformats.org/officeDocument/2006/relationships" xmlns:p="http://schemas.openxmlformats.org/presentationml/2006/main">
+  <p:cSld>
+    <p:bg>
+      <p:bgPr>
+        <a:blipFill dpi="0" rotWithShape="1">
+          <a:blip r:embed="rId3">
+            <a:lum/>
+          </a:blip>
+          <a:srcRect/>
+          <a:stretch>
+            <a:fillRect/>
+          </a:stretch>
+        </a:blipFill>
+        <a:effectLst/>
+      </p:bgPr>
+    </p:bg>
+    <p:spTree>
+      <p:nvGrpSpPr>
+        <p:cNvPr id="1" name=""/>
+        <p:cNvGrpSpPr/>
+        <p:nvPr/>
+      </p:nvGrpSpPr>
+      <p:grpSpPr>
+        <a:xfrm>
+          <a:off x="0" y="0"/>
+          <a:ext cx="0" cy="0"/>
+          <a:chOff x="0" y="0"/>
+          <a:chExt cx="0" cy="0"/>
+        </a:xfrm>
+      </p:grpSpPr>
+      <p:sp>
+        <p:nvSpPr>
+          <p:cNvPr id="104" name="矩形 103"/>
+          <p:cNvSpPr/>
+          <p:nvPr/>
+        </p:nvSpPr>
+        <p:spPr>
+          <a:xfrm>
+            <a:off x="4512484" y="643517"/>
+            <a:ext cx="1685773" cy="2033743"/>
+          </a:xfrm>
+          <a:prstGeom prst="rect">
+            <a:avLst/>
+          </a:prstGeom>
+          <a:solidFill>
+            <a:schemeClr val="accent4">
+              <a:lumMod val="20000"/>
+              <a:lumOff val="80000"/>
+              <a:alpha val="46000"/>
+            </a:schemeClr>
+          </a:solidFill>
+          <a:ln>
+            <a:solidFill>
+              <a:schemeClr val="tx1"/>
+            </a:solidFill>
+          </a:ln>
+        </p:spPr>
+        <p:style>
+          <a:lnRef idx="2">
+            <a:schemeClr val="accent1">
+              <a:shade val="50000"/>
+            </a:schemeClr>
+          </a:lnRef>
+          <a:fillRef idx="1">
+            <a:schemeClr val="accent1"/>
+          </a:fillRef>
+          <a:effectRef idx="0">
+            <a:schemeClr val="accent1"/>
+          </a:effectRef>
+          <a:fontRef idx="minor">
+            <a:schemeClr val="lt1"/>
+          </a:fontRef>
+        </p:style>
+        <p:txBody>
+          <a:bodyPr rtlCol="0" anchor="ctr"/>
+          <a:lstStyle/>
+          <a:p>
+            <a:pPr algn="ctr"/>
+            <a:endParaRPr lang="zh-CN" altLang="en-US"/>
+          </a:p>
+        </p:txBody>
+      </p:sp>
+      <p:sp>
+        <p:nvSpPr>
+          <p:cNvPr id="146" name="文本框 145"/>
+          <p:cNvSpPr txBox="1"/>
+          <p:nvPr/>
+        </p:nvSpPr>
+        <p:spPr>
+          <a:xfrm>
+            <a:off x="4525763" y="1265157"/>
+            <a:ext cx="1564001" cy="338554"/>
+          </a:xfrm>
+          <a:prstGeom prst="rect">
+            <a:avLst/>
+          </a:prstGeom>
+          <a:solidFill>
+            <a:srgbClr val="66FF66"/>
+          </a:solidFill>
+          <a:ln w="50800">
+            <a:solidFill>
+              <a:schemeClr val="tx1"/>
+            </a:solidFill>
+          </a:ln>
+        </p:spPr>
+        <p:txBody>
+          <a:bodyPr wrap="square" rtlCol="0">
+            <a:spAutoFit/>
+          </a:bodyPr>
+          <a:lstStyle/>
+          <a:p>
+            <a:r>
+              <a:rPr lang="en-US" altLang="zh-CN" sz="1600" b="1" dirty="0" err="1" smtClean="0">
+                <a:latin typeface="等线" panose="02010600030101010101" pitchFamily="2" charset="-122"/>
+                <a:ea typeface="等线" panose="02010600030101010101" pitchFamily="2" charset="-122"/>
+              </a:rPr>
+              <a:t>anim</a:t>
+            </a:r>
+            <a:endParaRPr lang="zh-CN" altLang="en-US" sz="1600" b="1" dirty="0">
+              <a:latin typeface="等线" panose="02010600030101010101" pitchFamily="2" charset="-122"/>
+              <a:ea typeface="等线" panose="02010600030101010101" pitchFamily="2" charset="-122"/>
+            </a:endParaRPr>
+          </a:p>
+        </p:txBody>
+      </p:sp>
+      <p:sp>
+        <p:nvSpPr>
+          <p:cNvPr id="147" name="文本框 146"/>
+          <p:cNvSpPr txBox="1"/>
+          <p:nvPr/>
+        </p:nvSpPr>
+        <p:spPr>
+          <a:xfrm>
+            <a:off x="4525851" y="926603"/>
+            <a:ext cx="1681978" cy="338554"/>
+          </a:xfrm>
+          <a:prstGeom prst="rect">
+            <a:avLst/>
+          </a:prstGeom>
+          <a:solidFill>
+            <a:srgbClr val="ECE9DD"/>
+          </a:solidFill>
+          <a:ln w="25400">
+            <a:solidFill>
+              <a:schemeClr val="tx1"/>
+            </a:solidFill>
+          </a:ln>
+        </p:spPr>
+        <p:txBody>
+          <a:bodyPr wrap="square" rtlCol="0">
+            <a:spAutoFit/>
+          </a:bodyPr>
+          <a:lstStyle/>
+          <a:p>
+            <a:r>
+              <a:rPr lang="en-US" altLang="zh-CN" sz="1600" b="1" dirty="0" smtClean="0">
+                <a:latin typeface="等线" panose="02010600030101010101" pitchFamily="2" charset="-122"/>
+                <a:ea typeface="等线" panose="02010600030101010101" pitchFamily="2" charset="-122"/>
+              </a:rPr>
+              <a:t>scale</a:t>
+            </a:r>
+            <a:endParaRPr lang="zh-CN" altLang="en-US" sz="1600" b="1" dirty="0">
+              <a:latin typeface="等线" panose="02010600030101010101" pitchFamily="2" charset="-122"/>
+              <a:ea typeface="等线" panose="02010600030101010101" pitchFamily="2" charset="-122"/>
+            </a:endParaRPr>
+          </a:p>
+        </p:txBody>
+      </p:sp>
+      <p:sp>
+        <p:nvSpPr>
+          <p:cNvPr id="148" name="文本框 147"/>
+          <p:cNvSpPr txBox="1"/>
+          <p:nvPr/>
+        </p:nvSpPr>
+        <p:spPr>
+          <a:xfrm>
+            <a:off x="4528974" y="587876"/>
+            <a:ext cx="1681978" cy="338554"/>
+          </a:xfrm>
+          <a:prstGeom prst="rect">
+            <a:avLst/>
+          </a:prstGeom>
+          <a:solidFill>
+            <a:srgbClr val="ECE9DD"/>
+          </a:solidFill>
+          <a:ln w="25400">
+            <a:solidFill>
+              <a:schemeClr val="tx1"/>
+            </a:solidFill>
+          </a:ln>
+        </p:spPr>
+        <p:txBody>
+          <a:bodyPr wrap="square" rtlCol="0">
+            <a:spAutoFit/>
+          </a:bodyPr>
+          <a:lstStyle/>
+          <a:p>
+            <a:r>
+              <a:rPr lang="en-US" altLang="zh-CN" sz="1600" b="1" dirty="0" smtClean="0">
+                <a:latin typeface="等线" panose="02010600030101010101" pitchFamily="2" charset="-122"/>
+                <a:ea typeface="等线" panose="02010600030101010101" pitchFamily="2" charset="-122"/>
+              </a:rPr>
+              <a:t>rot</a:t>
+            </a:r>
+            <a:endParaRPr lang="zh-CN" altLang="en-US" sz="1600" b="1" dirty="0">
+              <a:latin typeface="等线" panose="02010600030101010101" pitchFamily="2" charset="-122"/>
+              <a:ea typeface="等线" panose="02010600030101010101" pitchFamily="2" charset="-122"/>
+            </a:endParaRPr>
+          </a:p>
+        </p:txBody>
+      </p:sp>
+      <p:sp>
+        <p:nvSpPr>
+          <p:cNvPr id="149" name="文本框 148"/>
+          <p:cNvSpPr txBox="1"/>
+          <p:nvPr/>
+        </p:nvSpPr>
+        <p:spPr>
+          <a:xfrm>
+            <a:off x="4530151" y="2292348"/>
+            <a:ext cx="1681978" cy="338554"/>
+          </a:xfrm>
+          <a:prstGeom prst="rect">
+            <a:avLst/>
+          </a:prstGeom>
+          <a:solidFill>
+            <a:srgbClr val="ECE9DD"/>
+          </a:solidFill>
+          <a:ln w="25400">
+            <a:solidFill>
+              <a:schemeClr val="tx1"/>
+            </a:solidFill>
+          </a:ln>
+        </p:spPr>
+        <p:txBody>
+          <a:bodyPr wrap="square" rtlCol="0">
+            <a:spAutoFit/>
+          </a:bodyPr>
+          <a:lstStyle/>
+          <a:p>
+            <a:r>
+              <a:rPr lang="en-US" altLang="zh-CN" sz="1600" b="1" dirty="0" smtClean="0">
+                <a:latin typeface="等线" panose="02010600030101010101" pitchFamily="2" charset="-122"/>
+                <a:ea typeface="等线" panose="02010600030101010101" pitchFamily="2" charset="-122"/>
+              </a:rPr>
+              <a:t>waypoint</a:t>
+            </a:r>
+            <a:endParaRPr lang="zh-CN" altLang="en-US" sz="1600" b="1" dirty="0">
+              <a:latin typeface="等线" panose="02010600030101010101" pitchFamily="2" charset="-122"/>
+              <a:ea typeface="等线" panose="02010600030101010101" pitchFamily="2" charset="-122"/>
+            </a:endParaRPr>
+          </a:p>
+        </p:txBody>
+      </p:sp>
+      <p:sp>
+        <p:nvSpPr>
+          <p:cNvPr id="150" name="文本框 149"/>
+          <p:cNvSpPr txBox="1"/>
+          <p:nvPr/>
+        </p:nvSpPr>
+        <p:spPr>
+          <a:xfrm>
+            <a:off x="4530239" y="1953794"/>
+            <a:ext cx="1681978" cy="338554"/>
+          </a:xfrm>
+          <a:prstGeom prst="rect">
+            <a:avLst/>
+          </a:prstGeom>
+          <a:solidFill>
+            <a:srgbClr val="ECE9DD"/>
+          </a:solidFill>
+          <a:ln w="25400">
+            <a:solidFill>
+              <a:schemeClr val="tx1"/>
+            </a:solidFill>
+          </a:ln>
+        </p:spPr>
+        <p:txBody>
+          <a:bodyPr wrap="square" rtlCol="0">
+            <a:spAutoFit/>
+          </a:bodyPr>
+          <a:lstStyle/>
+          <a:p>
+            <a:r>
+              <a:rPr lang="en-US" altLang="zh-CN" sz="1600" b="1" dirty="0" err="1" smtClean="0">
+                <a:latin typeface="等线" panose="02010600030101010101" pitchFamily="2" charset="-122"/>
+                <a:ea typeface="等线" panose="02010600030101010101" pitchFamily="2" charset="-122"/>
+              </a:rPr>
+              <a:t>speek</a:t>
+            </a:r>
+            <a:endParaRPr lang="zh-CN" altLang="en-US" sz="1600" b="1" dirty="0">
+              <a:latin typeface="等线" panose="02010600030101010101" pitchFamily="2" charset="-122"/>
+              <a:ea typeface="等线" panose="02010600030101010101" pitchFamily="2" charset="-122"/>
+            </a:endParaRPr>
+          </a:p>
+        </p:txBody>
+      </p:sp>
+      <p:sp>
+        <p:nvSpPr>
+          <p:cNvPr id="151" name="文本框 150"/>
+          <p:cNvSpPr txBox="1"/>
+          <p:nvPr/>
+        </p:nvSpPr>
+        <p:spPr>
+          <a:xfrm>
+            <a:off x="4533362" y="1615067"/>
+            <a:ext cx="1681978" cy="338554"/>
+          </a:xfrm>
+          <a:prstGeom prst="rect">
+            <a:avLst/>
+          </a:prstGeom>
+          <a:solidFill>
+            <a:srgbClr val="ECE9DD"/>
+          </a:solidFill>
+          <a:ln w="25400">
+            <a:solidFill>
+              <a:schemeClr val="tx1"/>
+            </a:solidFill>
+          </a:ln>
+        </p:spPr>
+        <p:txBody>
+          <a:bodyPr wrap="square" rtlCol="0">
+            <a:spAutoFit/>
+          </a:bodyPr>
+          <a:lstStyle/>
+          <a:p>
+            <a:r>
+              <a:rPr lang="en-US" altLang="zh-CN" sz="1600" b="1" dirty="0" smtClean="0">
+                <a:latin typeface="等线" panose="02010600030101010101" pitchFamily="2" charset="-122"/>
+                <a:ea typeface="等线" panose="02010600030101010101" pitchFamily="2" charset="-122"/>
+              </a:rPr>
+              <a:t>weapon</a:t>
+            </a:r>
+            <a:endParaRPr lang="zh-CN" altLang="en-US" sz="1600" b="1" dirty="0">
+              <a:latin typeface="等线" panose="02010600030101010101" pitchFamily="2" charset="-122"/>
+              <a:ea typeface="等线" panose="02010600030101010101" pitchFamily="2" charset="-122"/>
+            </a:endParaRPr>
+          </a:p>
+        </p:txBody>
+      </p:sp>
+      <p:sp>
+        <p:nvSpPr>
+          <p:cNvPr id="72" name="矩形 71"/>
+          <p:cNvSpPr/>
+          <p:nvPr/>
+        </p:nvSpPr>
+        <p:spPr>
+          <a:xfrm>
+            <a:off x="1971367" y="654551"/>
+            <a:ext cx="2146738" cy="2022709"/>
+          </a:xfrm>
+          <a:prstGeom prst="rect">
+            <a:avLst/>
+          </a:prstGeom>
+          <a:solidFill>
+            <a:schemeClr val="accent4">
+              <a:lumMod val="20000"/>
+              <a:lumOff val="80000"/>
+              <a:alpha val="46000"/>
+            </a:schemeClr>
+          </a:solidFill>
+          <a:ln>
+            <a:solidFill>
+              <a:schemeClr val="tx1"/>
+            </a:solidFill>
+          </a:ln>
+        </p:spPr>
+        <p:style>
+          <a:lnRef idx="2">
+            <a:schemeClr val="accent1">
+              <a:shade val="50000"/>
+            </a:schemeClr>
+          </a:lnRef>
+          <a:fillRef idx="1">
+            <a:schemeClr val="accent1"/>
+          </a:fillRef>
+          <a:effectRef idx="0">
+            <a:schemeClr val="accent1"/>
+          </a:effectRef>
+          <a:fontRef idx="minor">
+            <a:schemeClr val="lt1"/>
+          </a:fontRef>
+        </p:style>
+        <p:txBody>
+          <a:bodyPr rtlCol="0" anchor="ctr"/>
+          <a:lstStyle/>
+          <a:p>
+            <a:pPr algn="ctr"/>
+            <a:endParaRPr lang="zh-CN" altLang="en-US"/>
+          </a:p>
+        </p:txBody>
+      </p:sp>
+      <p:sp>
+        <p:nvSpPr>
+          <p:cNvPr id="132" name="文本框 131"/>
+          <p:cNvSpPr txBox="1"/>
+          <p:nvPr/>
+        </p:nvSpPr>
+        <p:spPr>
+          <a:xfrm>
+            <a:off x="1980004" y="487556"/>
+            <a:ext cx="1991347" cy="338554"/>
+          </a:xfrm>
+          <a:prstGeom prst="rect">
+            <a:avLst/>
+          </a:prstGeom>
+          <a:solidFill>
+            <a:srgbClr val="ED6D6B"/>
+          </a:solidFill>
+          <a:ln w="25400">
+            <a:solidFill>
+              <a:schemeClr val="tx1"/>
+            </a:solidFill>
+          </a:ln>
+        </p:spPr>
+        <p:txBody>
+          <a:bodyPr wrap="square" rtlCol="0">
+            <a:spAutoFit/>
+          </a:bodyPr>
+          <a:lstStyle/>
+          <a:p>
+            <a:r>
+              <a:rPr lang="en-US" altLang="zh-CN" sz="1600" b="1" dirty="0" smtClean="0">
+                <a:latin typeface="等线" panose="02010600030101010101" pitchFamily="2" charset="-122"/>
+                <a:ea typeface="等线" panose="02010600030101010101" pitchFamily="2" charset="-122"/>
+              </a:rPr>
+              <a:t>ped_02</a:t>
+            </a:r>
+            <a:endParaRPr lang="zh-CN" altLang="en-US" sz="1600" b="1" dirty="0">
+              <a:latin typeface="等线" panose="02010600030101010101" pitchFamily="2" charset="-122"/>
+              <a:ea typeface="等线" panose="02010600030101010101" pitchFamily="2" charset="-122"/>
+            </a:endParaRPr>
+          </a:p>
+        </p:txBody>
+      </p:sp>
+      <p:sp>
+        <p:nvSpPr>
+          <p:cNvPr id="123" name="文本框 122"/>
+          <p:cNvSpPr txBox="1"/>
+          <p:nvPr/>
+        </p:nvSpPr>
+        <p:spPr>
+          <a:xfrm>
+            <a:off x="1982900" y="1503264"/>
+            <a:ext cx="1991347" cy="338554"/>
+          </a:xfrm>
+          <a:prstGeom prst="rect">
+            <a:avLst/>
+          </a:prstGeom>
+          <a:solidFill>
+            <a:srgbClr val="66FF66"/>
+          </a:solidFill>
+          <a:ln w="50800">
+            <a:solidFill>
+              <a:schemeClr val="tx1"/>
+            </a:solidFill>
+          </a:ln>
+        </p:spPr>
+        <p:txBody>
+          <a:bodyPr wrap="square" rtlCol="0">
+            <a:spAutoFit/>
+          </a:bodyPr>
+          <a:lstStyle/>
+          <a:p>
+            <a:r>
+              <a:rPr lang="en-US" altLang="zh-CN" sz="1600" b="1" dirty="0" smtClean="0">
+                <a:latin typeface="等线" panose="02010600030101010101" pitchFamily="2" charset="-122"/>
+                <a:ea typeface="等线" panose="02010600030101010101" pitchFamily="2" charset="-122"/>
+              </a:rPr>
+              <a:t>ped_05</a:t>
+            </a:r>
+            <a:endParaRPr lang="zh-CN" altLang="en-US" sz="1600" b="1" dirty="0">
+              <a:latin typeface="等线" panose="02010600030101010101" pitchFamily="2" charset="-122"/>
+              <a:ea typeface="等线" panose="02010600030101010101" pitchFamily="2" charset="-122"/>
+            </a:endParaRPr>
+          </a:p>
+        </p:txBody>
+      </p:sp>
+      <p:sp>
+        <p:nvSpPr>
+          <p:cNvPr id="114" name="文本框 113"/>
+          <p:cNvSpPr txBox="1"/>
+          <p:nvPr/>
+        </p:nvSpPr>
+        <p:spPr>
+          <a:xfrm>
+            <a:off x="11001039" y="22705"/>
+            <a:ext cx="864000" cy="216000"/>
+          </a:xfrm>
+          <a:prstGeom prst="rect">
+            <a:avLst/>
+          </a:prstGeom>
+          <a:solidFill>
+            <a:schemeClr val="bg1"/>
+          </a:solidFill>
+          <a:ln w="12700">
+            <a:noFill/>
+          </a:ln>
+        </p:spPr>
+        <p:txBody>
+          <a:bodyPr wrap="square" rtlCol="0">
+            <a:spAutoFit/>
+          </a:bodyPr>
+          <a:lstStyle/>
+          <a:p>
+            <a:endParaRPr lang="zh-CN" altLang="en-US" sz="1600" b="1" dirty="0">
+              <a:latin typeface="等线" panose="02010600030101010101" pitchFamily="2" charset="-122"/>
+              <a:ea typeface="等线" panose="02010600030101010101" pitchFamily="2" charset="-122"/>
+            </a:endParaRPr>
+          </a:p>
+        </p:txBody>
+      </p:sp>
+      <p:sp>
+        <p:nvSpPr>
+          <p:cNvPr id="111" name="文本框 110"/>
+          <p:cNvSpPr txBox="1"/>
+          <p:nvPr/>
+        </p:nvSpPr>
+        <p:spPr>
+          <a:xfrm>
+            <a:off x="6767347" y="31159"/>
+            <a:ext cx="864000" cy="216000"/>
+          </a:xfrm>
+          <a:prstGeom prst="rect">
+            <a:avLst/>
+          </a:prstGeom>
+          <a:solidFill>
+            <a:schemeClr val="tx1"/>
+          </a:solidFill>
+          <a:ln w="12700">
+            <a:noFill/>
+          </a:ln>
+        </p:spPr>
+        <p:txBody>
+          <a:bodyPr wrap="square" rtlCol="0">
+            <a:spAutoFit/>
+          </a:bodyPr>
+          <a:lstStyle/>
+          <a:p>
+            <a:endParaRPr lang="zh-CN" altLang="en-US" sz="1600" b="1" dirty="0">
+              <a:latin typeface="等线" panose="02010600030101010101" pitchFamily="2" charset="-122"/>
+              <a:ea typeface="等线" panose="02010600030101010101" pitchFamily="2" charset="-122"/>
+            </a:endParaRPr>
+          </a:p>
+        </p:txBody>
+      </p:sp>
+      <p:sp>
+        <p:nvSpPr>
+          <p:cNvPr id="77" name="文本框 76"/>
+          <p:cNvSpPr txBox="1"/>
+          <p:nvPr/>
+        </p:nvSpPr>
+        <p:spPr>
+          <a:xfrm>
+            <a:off x="6709269" y="-27119"/>
+            <a:ext cx="506087" cy="338554"/>
+          </a:xfrm>
+          <a:prstGeom prst="rect">
+            <a:avLst/>
+          </a:prstGeom>
+          <a:noFill/>
+          <a:ln>
+            <a:noFill/>
+          </a:ln>
+        </p:spPr>
+        <p:txBody>
+          <a:bodyPr wrap="square" rtlCol="0">
+            <a:spAutoFit/>
+          </a:bodyPr>
+          <a:lstStyle/>
+          <a:p>
+            <a:pPr algn="r"/>
+            <a:r>
+              <a:rPr lang="en-US" altLang="zh-CN" sz="1600" b="1" dirty="0" smtClean="0">
+                <a:solidFill>
+                  <a:srgbClr val="66FF66"/>
+                </a:solidFill>
+              </a:rPr>
+              <a:t>315</a:t>
+            </a:r>
+            <a:endParaRPr lang="zh-CN" altLang="en-US" sz="1600" b="1" dirty="0">
+              <a:solidFill>
+                <a:srgbClr val="66FF66"/>
+              </a:solidFill>
+            </a:endParaRPr>
+          </a:p>
+        </p:txBody>
+      </p:sp>
+      <p:sp>
+        <p:nvSpPr>
+          <p:cNvPr id="64" name="矩形 63"/>
+          <p:cNvSpPr/>
+          <p:nvPr/>
+        </p:nvSpPr>
+        <p:spPr>
+          <a:xfrm>
+            <a:off x="6782937" y="302459"/>
+            <a:ext cx="5097308" cy="1872287"/>
+          </a:xfrm>
+          <a:prstGeom prst="rect">
+            <a:avLst/>
+          </a:prstGeom>
+          <a:solidFill>
+            <a:schemeClr val="accent4">
+              <a:lumMod val="20000"/>
+              <a:lumOff val="80000"/>
+              <a:alpha val="46000"/>
+            </a:schemeClr>
+          </a:solidFill>
+          <a:ln>
+            <a:solidFill>
+              <a:schemeClr val="tx1"/>
+            </a:solidFill>
+          </a:ln>
+        </p:spPr>
+        <p:style>
+          <a:lnRef idx="2">
+            <a:schemeClr val="accent1">
+              <a:shade val="50000"/>
+            </a:schemeClr>
+          </a:lnRef>
+          <a:fillRef idx="1">
+            <a:schemeClr val="accent1"/>
+          </a:fillRef>
+          <a:effectRef idx="0">
+            <a:schemeClr val="accent1"/>
+          </a:effectRef>
+          <a:fontRef idx="minor">
+            <a:schemeClr val="lt1"/>
+          </a:fontRef>
+        </p:style>
+        <p:txBody>
+          <a:bodyPr rtlCol="0" anchor="ctr"/>
+          <a:lstStyle/>
+          <a:p>
+            <a:pPr algn="ctr"/>
+            <a:endParaRPr lang="zh-CN" altLang="en-US" dirty="0"/>
+          </a:p>
+        </p:txBody>
+      </p:sp>
+      <p:sp>
+        <p:nvSpPr>
+          <p:cNvPr id="5" name="矩形 4"/>
+          <p:cNvSpPr/>
+          <p:nvPr/>
+        </p:nvSpPr>
+        <p:spPr>
+          <a:xfrm>
+            <a:off x="2482343" y="4665645"/>
+            <a:ext cx="8508444" cy="1960393"/>
+          </a:xfrm>
+          <a:prstGeom prst="rect">
+            <a:avLst/>
+          </a:prstGeom>
+          <a:solidFill>
+            <a:schemeClr val="accent4">
+              <a:lumMod val="20000"/>
+              <a:lumOff val="80000"/>
+              <a:alpha val="46000"/>
+            </a:schemeClr>
+          </a:solidFill>
+          <a:ln>
+            <a:solidFill>
+              <a:schemeClr val="tx1"/>
+            </a:solidFill>
+          </a:ln>
+        </p:spPr>
+        <p:style>
+          <a:lnRef idx="2">
+            <a:schemeClr val="accent1">
+              <a:shade val="50000"/>
+            </a:schemeClr>
+          </a:lnRef>
+          <a:fillRef idx="1">
+            <a:schemeClr val="accent1"/>
+          </a:fillRef>
+          <a:effectRef idx="0">
+            <a:schemeClr val="accent1"/>
+          </a:effectRef>
+          <a:fontRef idx="minor">
+            <a:schemeClr val="lt1"/>
+          </a:fontRef>
+        </p:style>
+        <p:txBody>
+          <a:bodyPr rtlCol="0" anchor="ctr"/>
+          <a:lstStyle/>
+          <a:p>
+            <a:pPr algn="ctr"/>
+            <a:endParaRPr lang="zh-CN" altLang="en-US"/>
+          </a:p>
+        </p:txBody>
+      </p:sp>
+      <p:sp>
+        <p:nvSpPr>
+          <p:cNvPr id="6" name="矩形 5"/>
+          <p:cNvSpPr/>
+          <p:nvPr/>
+        </p:nvSpPr>
+        <p:spPr>
+          <a:xfrm>
+            <a:off x="2762918" y="4915415"/>
+            <a:ext cx="2341344" cy="108000"/>
+          </a:xfrm>
+          <a:prstGeom prst="rect">
+            <a:avLst/>
+          </a:prstGeom>
+          <a:solidFill>
+            <a:srgbClr val="EC5656"/>
+          </a:solidFill>
+          <a:ln>
+            <a:solidFill>
+              <a:schemeClr val="tx1"/>
+            </a:solidFill>
+          </a:ln>
+        </p:spPr>
+        <p:style>
+          <a:lnRef idx="2">
+            <a:schemeClr val="accent1">
+              <a:shade val="50000"/>
+            </a:schemeClr>
+          </a:lnRef>
+          <a:fillRef idx="1">
+            <a:schemeClr val="accent1"/>
+          </a:fillRef>
+          <a:effectRef idx="0">
+            <a:schemeClr val="accent1"/>
+          </a:effectRef>
+          <a:fontRef idx="minor">
+            <a:schemeClr val="lt1"/>
+          </a:fontRef>
+        </p:style>
+        <p:txBody>
+          <a:bodyPr rtlCol="0" anchor="ctr"/>
+          <a:lstStyle/>
+          <a:p>
+            <a:pPr algn="ctr"/>
+            <a:endParaRPr lang="zh-CN" altLang="en-US"/>
+          </a:p>
+        </p:txBody>
+      </p:sp>
+      <p:sp>
+        <p:nvSpPr>
+          <p:cNvPr id="7" name="矩形 6"/>
+          <p:cNvSpPr/>
+          <p:nvPr/>
+        </p:nvSpPr>
+        <p:spPr>
+          <a:xfrm>
+            <a:off x="3499847" y="5104138"/>
+            <a:ext cx="3319976" cy="108000"/>
+          </a:xfrm>
+          <a:prstGeom prst="rect">
+            <a:avLst/>
+          </a:prstGeom>
+          <a:solidFill>
+            <a:srgbClr val="4B79FB"/>
+          </a:solidFill>
+          <a:ln>
+            <a:solidFill>
+              <a:schemeClr val="tx1"/>
+            </a:solidFill>
+          </a:ln>
+        </p:spPr>
+        <p:style>
+          <a:lnRef idx="2">
+            <a:schemeClr val="accent1">
+              <a:shade val="50000"/>
+            </a:schemeClr>
+          </a:lnRef>
+          <a:fillRef idx="1">
+            <a:schemeClr val="accent1"/>
+          </a:fillRef>
+          <a:effectRef idx="0">
+            <a:schemeClr val="accent1"/>
+          </a:effectRef>
+          <a:fontRef idx="minor">
+            <a:schemeClr val="lt1"/>
+          </a:fontRef>
+        </p:style>
+        <p:txBody>
+          <a:bodyPr rtlCol="0" anchor="ctr"/>
+          <a:lstStyle/>
+          <a:p>
+            <a:pPr algn="ctr"/>
+            <a:endParaRPr lang="zh-CN" altLang="en-US"/>
+          </a:p>
+        </p:txBody>
+      </p:sp>
+      <p:sp>
+        <p:nvSpPr>
+          <p:cNvPr id="8" name="矩形 7"/>
+          <p:cNvSpPr/>
+          <p:nvPr/>
+        </p:nvSpPr>
+        <p:spPr>
+          <a:xfrm>
+            <a:off x="2482343" y="5993664"/>
+            <a:ext cx="2472519" cy="108000"/>
+          </a:xfrm>
+          <a:prstGeom prst="rect">
+            <a:avLst/>
+          </a:prstGeom>
+          <a:solidFill>
+            <a:schemeClr val="accent4">
+              <a:lumMod val="60000"/>
+              <a:lumOff val="40000"/>
+            </a:schemeClr>
+          </a:solidFill>
+          <a:ln>
+            <a:solidFill>
+              <a:schemeClr val="tx1"/>
+            </a:solidFill>
+          </a:ln>
+        </p:spPr>
+        <p:style>
+          <a:lnRef idx="2">
+            <a:schemeClr val="accent1">
+              <a:shade val="50000"/>
+            </a:schemeClr>
+          </a:lnRef>
+          <a:fillRef idx="1">
+            <a:schemeClr val="accent1"/>
+          </a:fillRef>
+          <a:effectRef idx="0">
+            <a:schemeClr val="accent1"/>
+          </a:effectRef>
+          <a:fontRef idx="minor">
+            <a:schemeClr val="lt1"/>
+          </a:fontRef>
+        </p:style>
+        <p:txBody>
+          <a:bodyPr rtlCol="0" anchor="ctr"/>
+          <a:lstStyle/>
+          <a:p>
+            <a:pPr algn="ctr"/>
+            <a:endParaRPr lang="zh-CN" altLang="en-US"/>
+          </a:p>
+        </p:txBody>
+      </p:sp>
+      <p:sp>
+        <p:nvSpPr>
+          <p:cNvPr id="9" name="矩形 8"/>
+          <p:cNvSpPr/>
+          <p:nvPr/>
+        </p:nvSpPr>
+        <p:spPr>
+          <a:xfrm>
+            <a:off x="3139710" y="5542631"/>
+            <a:ext cx="3319976" cy="108000"/>
+          </a:xfrm>
+          <a:prstGeom prst="rect">
+            <a:avLst/>
+          </a:prstGeom>
+          <a:solidFill>
+            <a:srgbClr val="50D0C4"/>
+          </a:solidFill>
+          <a:ln>
+            <a:solidFill>
+              <a:schemeClr val="tx1"/>
+            </a:solidFill>
+          </a:ln>
+        </p:spPr>
+        <p:style>
+          <a:lnRef idx="2">
+            <a:schemeClr val="accent1">
+              <a:shade val="50000"/>
+            </a:schemeClr>
+          </a:lnRef>
+          <a:fillRef idx="1">
+            <a:schemeClr val="accent1"/>
+          </a:fillRef>
+          <a:effectRef idx="0">
+            <a:schemeClr val="accent1"/>
+          </a:effectRef>
+          <a:fontRef idx="minor">
+            <a:schemeClr val="lt1"/>
+          </a:fontRef>
+        </p:style>
+        <p:txBody>
+          <a:bodyPr rtlCol="0" anchor="ctr"/>
+          <a:lstStyle/>
+          <a:p>
+            <a:pPr algn="ctr"/>
+            <a:endParaRPr lang="zh-CN" altLang="en-US"/>
+          </a:p>
+        </p:txBody>
+      </p:sp>
+      <p:sp>
+        <p:nvSpPr>
+          <p:cNvPr id="16" name="文本框 15"/>
+          <p:cNvSpPr txBox="1"/>
+          <p:nvPr/>
+        </p:nvSpPr>
+        <p:spPr>
+          <a:xfrm>
+            <a:off x="133592" y="1894163"/>
+            <a:ext cx="1379272" cy="400110"/>
+          </a:xfrm>
+          <a:prstGeom prst="rect">
+            <a:avLst/>
+          </a:prstGeom>
+          <a:solidFill>
+            <a:srgbClr val="66FF66"/>
+          </a:solidFill>
+          <a:ln w="25400">
+            <a:solidFill>
+              <a:schemeClr val="tx1"/>
+            </a:solidFill>
+          </a:ln>
+        </p:spPr>
+        <p:txBody>
+          <a:bodyPr wrap="square" rtlCol="0">
+            <a:spAutoFit/>
+          </a:bodyPr>
+          <a:lstStyle/>
+          <a:p>
+            <a:r>
+              <a:rPr lang="en-US" altLang="zh-CN" sz="2000" b="1" dirty="0" err="1" smtClean="0">
+                <a:latin typeface="等线" panose="02010600030101010101" pitchFamily="2" charset="-122"/>
+                <a:ea typeface="等线" panose="02010600030101010101" pitchFamily="2" charset="-122"/>
+              </a:rPr>
+              <a:t>ped</a:t>
+            </a:r>
+            <a:endParaRPr lang="zh-CN" altLang="en-US" sz="2000" b="1" dirty="0">
+              <a:latin typeface="等线" panose="02010600030101010101" pitchFamily="2" charset="-122"/>
+              <a:ea typeface="等线" panose="02010600030101010101" pitchFamily="2" charset="-122"/>
+            </a:endParaRPr>
+          </a:p>
+        </p:txBody>
+      </p:sp>
+      <p:sp>
+        <p:nvSpPr>
+          <p:cNvPr id="19" name="矩形 18"/>
+          <p:cNvSpPr/>
+          <p:nvPr/>
+        </p:nvSpPr>
+        <p:spPr>
+          <a:xfrm>
+            <a:off x="3830707" y="5751645"/>
+            <a:ext cx="4014865" cy="108000"/>
+          </a:xfrm>
+          <a:prstGeom prst="rect">
+            <a:avLst/>
+          </a:prstGeom>
+          <a:solidFill>
+            <a:schemeClr val="bg1">
+              <a:lumMod val="65000"/>
+            </a:schemeClr>
+          </a:solidFill>
+          <a:ln>
+            <a:solidFill>
+              <a:schemeClr val="tx1"/>
+            </a:solidFill>
+          </a:ln>
+        </p:spPr>
+        <p:style>
+          <a:lnRef idx="2">
+            <a:schemeClr val="accent1">
+              <a:shade val="50000"/>
+            </a:schemeClr>
+          </a:lnRef>
+          <a:fillRef idx="1">
+            <a:schemeClr val="accent1"/>
+          </a:fillRef>
+          <a:effectRef idx="0">
+            <a:schemeClr val="accent1"/>
+          </a:effectRef>
+          <a:fontRef idx="minor">
+            <a:schemeClr val="lt1"/>
+          </a:fontRef>
+        </p:style>
+        <p:txBody>
+          <a:bodyPr rtlCol="0" anchor="ctr"/>
+          <a:lstStyle/>
+          <a:p>
+            <a:pPr algn="ctr"/>
+            <a:endParaRPr lang="zh-CN" altLang="en-US"/>
+          </a:p>
+        </p:txBody>
+      </p:sp>
+      <p:sp>
+        <p:nvSpPr>
+          <p:cNvPr id="21" name="矩形 20"/>
+          <p:cNvSpPr/>
+          <p:nvPr/>
+        </p:nvSpPr>
+        <p:spPr>
+          <a:xfrm>
+            <a:off x="4138516" y="5325376"/>
+            <a:ext cx="2958319" cy="108000"/>
+          </a:xfrm>
+          <a:prstGeom prst="rect">
+            <a:avLst/>
+          </a:prstGeom>
+          <a:solidFill>
+            <a:srgbClr val="66FF66"/>
+          </a:solidFill>
+          <a:ln w="25400">
+            <a:solidFill>
+              <a:schemeClr val="tx1"/>
+            </a:solidFill>
+          </a:ln>
+        </p:spPr>
+        <p:style>
+          <a:lnRef idx="2">
+            <a:schemeClr val="accent1">
+              <a:shade val="50000"/>
+            </a:schemeClr>
+          </a:lnRef>
+          <a:fillRef idx="1">
+            <a:schemeClr val="accent1"/>
+          </a:fillRef>
+          <a:effectRef idx="0">
+            <a:schemeClr val="accent1"/>
+          </a:effectRef>
+          <a:fontRef idx="minor">
+            <a:schemeClr val="lt1"/>
+          </a:fontRef>
+        </p:style>
+        <p:txBody>
+          <a:bodyPr rtlCol="0" anchor="ctr"/>
+          <a:lstStyle/>
+          <a:p>
+            <a:pPr algn="ctr"/>
+            <a:endParaRPr lang="zh-CN" altLang="en-US"/>
+          </a:p>
+        </p:txBody>
+      </p:sp>
+      <p:sp>
+        <p:nvSpPr>
+          <p:cNvPr id="22" name="矩形 21"/>
+          <p:cNvSpPr/>
+          <p:nvPr/>
+        </p:nvSpPr>
+        <p:spPr>
+          <a:xfrm>
+            <a:off x="4818382" y="6193916"/>
+            <a:ext cx="5963349" cy="108000"/>
+          </a:xfrm>
+          <a:prstGeom prst="rect">
+            <a:avLst/>
+          </a:prstGeom>
+          <a:solidFill>
+            <a:schemeClr val="accent4">
+              <a:lumMod val="60000"/>
+              <a:lumOff val="40000"/>
+            </a:schemeClr>
+          </a:solidFill>
+          <a:ln>
+            <a:solidFill>
+              <a:schemeClr val="tx1"/>
+            </a:solidFill>
+          </a:ln>
+        </p:spPr>
+        <p:style>
+          <a:lnRef idx="2">
+            <a:schemeClr val="accent1">
+              <a:shade val="50000"/>
+            </a:schemeClr>
+          </a:lnRef>
+          <a:fillRef idx="1">
+            <a:schemeClr val="accent1"/>
+          </a:fillRef>
+          <a:effectRef idx="0">
+            <a:schemeClr val="accent1"/>
+          </a:effectRef>
+          <a:fontRef idx="minor">
+            <a:schemeClr val="lt1"/>
+          </a:fontRef>
+        </p:style>
+        <p:txBody>
+          <a:bodyPr rtlCol="0" anchor="ctr"/>
+          <a:lstStyle/>
+          <a:p>
+            <a:pPr algn="ctr"/>
+            <a:endParaRPr lang="zh-CN" altLang="en-US"/>
+          </a:p>
+        </p:txBody>
+      </p:sp>
+      <p:sp>
+        <p:nvSpPr>
+          <p:cNvPr id="24" name="矩形 23"/>
+          <p:cNvSpPr/>
+          <p:nvPr/>
+        </p:nvSpPr>
+        <p:spPr>
+          <a:xfrm>
+            <a:off x="10768082" y="4679293"/>
+            <a:ext cx="222705" cy="1727257"/>
+          </a:xfrm>
+          <a:prstGeom prst="rect">
+            <a:avLst/>
+          </a:prstGeom>
+          <a:solidFill>
+            <a:srgbClr val="57564D"/>
+          </a:solidFill>
+          <a:ln>
+            <a:noFill/>
+          </a:ln>
+        </p:spPr>
+        <p:style>
+          <a:lnRef idx="2">
+            <a:schemeClr val="accent1">
+              <a:shade val="50000"/>
+            </a:schemeClr>
+          </a:lnRef>
+          <a:fillRef idx="1">
+            <a:schemeClr val="accent1"/>
+          </a:fillRef>
+          <a:effectRef idx="0">
+            <a:schemeClr val="accent1"/>
+          </a:effectRef>
+          <a:fontRef idx="minor">
+            <a:schemeClr val="lt1"/>
+          </a:fontRef>
+        </p:style>
+        <p:txBody>
+          <a:bodyPr rtlCol="0" anchor="ctr"/>
+          <a:lstStyle/>
+          <a:p>
+            <a:pPr algn="ctr"/>
+            <a:endParaRPr lang="zh-CN" altLang="en-US"/>
+          </a:p>
+        </p:txBody>
+      </p:sp>
+      <p:sp>
+        <p:nvSpPr>
+          <p:cNvPr id="23" name="圆角矩形 22"/>
+          <p:cNvSpPr/>
+          <p:nvPr/>
+        </p:nvSpPr>
+        <p:spPr>
+          <a:xfrm>
+            <a:off x="10768083" y="5006992"/>
+            <a:ext cx="222704" cy="744653"/>
+          </a:xfrm>
+          <a:prstGeom prst="roundRect">
+            <a:avLst/>
+          </a:prstGeom>
+          <a:solidFill>
+            <a:schemeClr val="bg1">
+              <a:lumMod val="85000"/>
+            </a:schemeClr>
+          </a:solidFill>
+          <a:ln w="12700"/>
+        </p:spPr>
+        <p:style>
+          <a:lnRef idx="2">
+            <a:schemeClr val="accent1">
+              <a:shade val="50000"/>
+            </a:schemeClr>
+          </a:lnRef>
+          <a:fillRef idx="1">
+            <a:schemeClr val="accent1"/>
+          </a:fillRef>
+          <a:effectRef idx="0">
+            <a:schemeClr val="accent1"/>
+          </a:effectRef>
+          <a:fontRef idx="minor">
+            <a:schemeClr val="lt1"/>
+          </a:fontRef>
+        </p:style>
+        <p:txBody>
+          <a:bodyPr rtlCol="0" anchor="ctr"/>
+          <a:lstStyle/>
+          <a:p>
+            <a:pPr algn="ctr"/>
+            <a:endParaRPr lang="zh-CN" altLang="en-US"/>
+          </a:p>
+        </p:txBody>
+      </p:sp>
+      <p:sp>
+        <p:nvSpPr>
+          <p:cNvPr id="25" name="上下箭头 24"/>
+          <p:cNvSpPr/>
+          <p:nvPr/>
+        </p:nvSpPr>
+        <p:spPr>
+          <a:xfrm>
+            <a:off x="11128220" y="5027588"/>
+            <a:ext cx="234179" cy="1186838"/>
+          </a:xfrm>
+          <a:prstGeom prst="upDownArrow">
+            <a:avLst/>
+          </a:prstGeom>
+          <a:solidFill>
+            <a:srgbClr val="D9D9D9"/>
+          </a:solidFill>
+          <a:ln cmpd="sng">
+            <a:prstDash val="solid"/>
+          </a:ln>
+        </p:spPr>
+        <p:style>
+          <a:lnRef idx="2">
+            <a:schemeClr val="accent1">
+              <a:shade val="50000"/>
+            </a:schemeClr>
+          </a:lnRef>
+          <a:fillRef idx="1">
+            <a:schemeClr val="accent1"/>
+          </a:fillRef>
+          <a:effectRef idx="0">
+            <a:schemeClr val="accent1"/>
+          </a:effectRef>
+          <a:fontRef idx="minor">
+            <a:schemeClr val="lt1"/>
+          </a:fontRef>
+        </p:style>
+        <p:txBody>
+          <a:bodyPr rtlCol="0" anchor="ctr"/>
+          <a:lstStyle/>
+          <a:p>
+            <a:pPr algn="ctr"/>
+            <a:endParaRPr lang="zh-CN" altLang="en-US"/>
+          </a:p>
+        </p:txBody>
+      </p:sp>
+      <p:sp>
+        <p:nvSpPr>
+          <p:cNvPr id="28" name="文本框 27"/>
+          <p:cNvSpPr txBox="1"/>
+          <p:nvPr/>
+        </p:nvSpPr>
+        <p:spPr>
+          <a:xfrm>
+            <a:off x="1982901" y="318459"/>
+            <a:ext cx="2154935" cy="338554"/>
+          </a:xfrm>
+          <a:prstGeom prst="rect">
+            <a:avLst/>
+          </a:prstGeom>
+          <a:solidFill>
+            <a:srgbClr val="66FF66"/>
+          </a:solidFill>
+          <a:ln w="25400">
+            <a:solidFill>
+              <a:schemeClr val="tx1"/>
+            </a:solidFill>
+          </a:ln>
+        </p:spPr>
+        <p:txBody>
+          <a:bodyPr wrap="square" rtlCol="0">
+            <a:spAutoFit/>
+          </a:bodyPr>
+          <a:lstStyle/>
+          <a:p>
+            <a:r>
+              <a:rPr lang="en-US" altLang="zh-CN" sz="1600" b="1" dirty="0" smtClean="0">
+                <a:latin typeface="等线" panose="02010600030101010101" pitchFamily="2" charset="-122"/>
+                <a:ea typeface="等线" panose="02010600030101010101" pitchFamily="2" charset="-122"/>
+              </a:rPr>
+              <a:t>ped_04</a:t>
+            </a:r>
+            <a:endParaRPr lang="zh-CN" altLang="en-US" sz="1600" b="1" dirty="0">
+              <a:latin typeface="等线" panose="02010600030101010101" pitchFamily="2" charset="-122"/>
+              <a:ea typeface="等线" panose="02010600030101010101" pitchFamily="2" charset="-122"/>
+            </a:endParaRPr>
+          </a:p>
+        </p:txBody>
+      </p:sp>
+      <p:sp>
+        <p:nvSpPr>
+          <p:cNvPr id="31" name="矩形 30"/>
+          <p:cNvSpPr/>
+          <p:nvPr/>
+        </p:nvSpPr>
+        <p:spPr>
+          <a:xfrm>
+            <a:off x="5384837" y="4679293"/>
+            <a:ext cx="36000" cy="1738800"/>
+          </a:xfrm>
+          <a:prstGeom prst="rect">
+            <a:avLst/>
+          </a:prstGeom>
+          <a:solidFill>
+            <a:srgbClr val="66FF66"/>
+          </a:solidFill>
+          <a:ln>
+            <a:noFill/>
+          </a:ln>
+        </p:spPr>
+        <p:style>
+          <a:lnRef idx="2">
+            <a:schemeClr val="accent1">
+              <a:shade val="50000"/>
+            </a:schemeClr>
+          </a:lnRef>
+          <a:fillRef idx="1">
+            <a:schemeClr val="accent1"/>
+          </a:fillRef>
+          <a:effectRef idx="0">
+            <a:schemeClr val="accent1"/>
+          </a:effectRef>
+          <a:fontRef idx="minor">
+            <a:schemeClr val="lt1"/>
+          </a:fontRef>
+        </p:style>
+        <p:txBody>
+          <a:bodyPr rtlCol="0" anchor="ctr"/>
+          <a:lstStyle/>
+          <a:p>
+            <a:pPr algn="ctr"/>
+            <a:endParaRPr lang="zh-CN" altLang="en-US"/>
+          </a:p>
+        </p:txBody>
+      </p:sp>
+      <p:sp>
+        <p:nvSpPr>
+          <p:cNvPr id="52" name="矩形 51"/>
+          <p:cNvSpPr/>
+          <p:nvPr/>
+        </p:nvSpPr>
+        <p:spPr>
+          <a:xfrm>
+            <a:off x="2495991" y="6410038"/>
+            <a:ext cx="8285740" cy="216000"/>
+          </a:xfrm>
+          <a:prstGeom prst="rect">
+            <a:avLst/>
+          </a:prstGeom>
+          <a:solidFill>
+            <a:srgbClr val="57564D"/>
+          </a:solidFill>
+          <a:ln>
+            <a:noFill/>
+          </a:ln>
+        </p:spPr>
+        <p:style>
+          <a:lnRef idx="2">
+            <a:schemeClr val="accent1">
+              <a:shade val="50000"/>
+            </a:schemeClr>
+          </a:lnRef>
+          <a:fillRef idx="1">
+            <a:schemeClr val="accent1"/>
+          </a:fillRef>
+          <a:effectRef idx="0">
+            <a:schemeClr val="accent1"/>
+          </a:effectRef>
+          <a:fontRef idx="minor">
+            <a:schemeClr val="lt1"/>
+          </a:fontRef>
+        </p:style>
+        <p:txBody>
+          <a:bodyPr rtlCol="0" anchor="ctr"/>
+          <a:lstStyle/>
+          <a:p>
+            <a:pPr algn="ctr"/>
+            <a:endParaRPr lang="zh-CN" altLang="en-US"/>
+          </a:p>
+        </p:txBody>
+      </p:sp>
+      <p:sp>
+        <p:nvSpPr>
+          <p:cNvPr id="53" name="圆角矩形 52"/>
+          <p:cNvSpPr/>
+          <p:nvPr/>
+        </p:nvSpPr>
+        <p:spPr>
+          <a:xfrm flipH="1">
+            <a:off x="4708293" y="6417872"/>
+            <a:ext cx="3137278" cy="215142"/>
+          </a:xfrm>
+          <a:prstGeom prst="roundRect">
+            <a:avLst/>
+          </a:prstGeom>
+          <a:solidFill>
+            <a:schemeClr val="bg1">
+              <a:lumMod val="85000"/>
+            </a:schemeClr>
+          </a:solidFill>
+          <a:ln w="12700"/>
+        </p:spPr>
+        <p:style>
+          <a:lnRef idx="2">
+            <a:schemeClr val="accent1">
+              <a:shade val="50000"/>
+            </a:schemeClr>
+          </a:lnRef>
+          <a:fillRef idx="1">
+            <a:schemeClr val="accent1"/>
+          </a:fillRef>
+          <a:effectRef idx="0">
+            <a:schemeClr val="accent1"/>
+          </a:effectRef>
+          <a:fontRef idx="minor">
+            <a:schemeClr val="lt1"/>
+          </a:fontRef>
+        </p:style>
+        <p:txBody>
+          <a:bodyPr rtlCol="0" anchor="ctr"/>
+          <a:lstStyle/>
+          <a:p>
+            <a:pPr algn="ctr"/>
+            <a:endParaRPr lang="zh-CN" altLang="en-US"/>
+          </a:p>
+        </p:txBody>
+      </p:sp>
+      <p:sp>
+        <p:nvSpPr>
+          <p:cNvPr id="55" name="左右箭头 54"/>
+          <p:cNvSpPr/>
+          <p:nvPr/>
+        </p:nvSpPr>
+        <p:spPr>
+          <a:xfrm>
+            <a:off x="4975444" y="6675098"/>
+            <a:ext cx="3678164" cy="174929"/>
+          </a:xfrm>
+          <a:prstGeom prst="leftRightArrow">
+            <a:avLst/>
+          </a:prstGeom>
+          <a:solidFill>
+            <a:srgbClr val="D9D9D9"/>
+          </a:solidFill>
+          <a:ln>
+            <a:solidFill>
+              <a:srgbClr val="D9D9D9"/>
+            </a:solidFill>
+          </a:ln>
+        </p:spPr>
+        <p:style>
+          <a:lnRef idx="2">
+            <a:schemeClr val="accent1">
+              <a:shade val="50000"/>
+            </a:schemeClr>
+          </a:lnRef>
+          <a:fillRef idx="1">
+            <a:schemeClr val="accent1"/>
+          </a:fillRef>
+          <a:effectRef idx="0">
+            <a:schemeClr val="accent1"/>
+          </a:effectRef>
+          <a:fontRef idx="minor">
+            <a:schemeClr val="lt1"/>
+          </a:fontRef>
+        </p:style>
+        <p:txBody>
+          <a:bodyPr rtlCol="0" anchor="ctr"/>
+          <a:lstStyle/>
+          <a:p>
+            <a:pPr algn="ctr"/>
+            <a:endParaRPr lang="zh-CN" altLang="en-US"/>
+          </a:p>
+        </p:txBody>
+      </p:sp>
+      <p:sp>
+        <p:nvSpPr>
+          <p:cNvPr id="56" name="矩形 55"/>
+          <p:cNvSpPr/>
+          <p:nvPr/>
+        </p:nvSpPr>
+        <p:spPr>
+          <a:xfrm flipH="1" flipV="1">
+            <a:off x="10768082" y="5307376"/>
+            <a:ext cx="216000" cy="36000"/>
+          </a:xfrm>
+          <a:prstGeom prst="rect">
+            <a:avLst/>
+          </a:prstGeom>
+          <a:solidFill>
+            <a:srgbClr val="66FF66"/>
+          </a:solidFill>
+          <a:ln>
+            <a:solidFill>
+              <a:schemeClr val="tx1"/>
+            </a:solidFill>
+          </a:ln>
+        </p:spPr>
+        <p:style>
+          <a:lnRef idx="2">
+            <a:schemeClr val="accent1">
+              <a:shade val="50000"/>
+            </a:schemeClr>
+          </a:lnRef>
+          <a:fillRef idx="1">
+            <a:schemeClr val="accent1"/>
+          </a:fillRef>
+          <a:effectRef idx="0">
+            <a:schemeClr val="accent1"/>
+          </a:effectRef>
+          <a:fontRef idx="minor">
+            <a:schemeClr val="lt1"/>
+          </a:fontRef>
+        </p:style>
+        <p:txBody>
+          <a:bodyPr rtlCol="0" anchor="ctr"/>
+          <a:lstStyle/>
+          <a:p>
+            <a:pPr algn="ctr"/>
+            <a:endParaRPr lang="zh-CN" altLang="en-US"/>
+          </a:p>
+        </p:txBody>
+      </p:sp>
+      <p:sp>
+        <p:nvSpPr>
+          <p:cNvPr id="57" name="矩形 56"/>
+          <p:cNvSpPr/>
+          <p:nvPr/>
+        </p:nvSpPr>
+        <p:spPr>
+          <a:xfrm flipH="1">
+            <a:off x="5719411" y="6413526"/>
+            <a:ext cx="36000" cy="216000"/>
+          </a:xfrm>
+          <a:prstGeom prst="rect">
+            <a:avLst/>
+          </a:prstGeom>
+          <a:solidFill>
+            <a:srgbClr val="66FF66"/>
+          </a:solidFill>
+          <a:ln>
+            <a:solidFill>
+              <a:schemeClr val="tx1"/>
+            </a:solidFill>
+          </a:ln>
+        </p:spPr>
+        <p:style>
+          <a:lnRef idx="2">
+            <a:schemeClr val="accent1">
+              <a:shade val="50000"/>
+            </a:schemeClr>
+          </a:lnRef>
+          <a:fillRef idx="1">
+            <a:schemeClr val="accent1"/>
+          </a:fillRef>
+          <a:effectRef idx="0">
+            <a:schemeClr val="accent1"/>
+          </a:effectRef>
+          <a:fontRef idx="minor">
+            <a:schemeClr val="lt1"/>
+          </a:fontRef>
+        </p:style>
+        <p:txBody>
+          <a:bodyPr rtlCol="0" anchor="ctr"/>
+          <a:lstStyle/>
+          <a:p>
+            <a:pPr algn="ctr"/>
+            <a:endParaRPr lang="zh-CN" altLang="en-US"/>
+          </a:p>
+        </p:txBody>
+      </p:sp>
+      <p:sp>
+        <p:nvSpPr>
+          <p:cNvPr id="67" name="矩形 66"/>
+          <p:cNvSpPr/>
+          <p:nvPr/>
+        </p:nvSpPr>
+        <p:spPr>
+          <a:xfrm>
+            <a:off x="6800878" y="2035725"/>
+            <a:ext cx="4906513" cy="144000"/>
+          </a:xfrm>
+          <a:prstGeom prst="rect">
+            <a:avLst/>
+          </a:prstGeom>
+          <a:solidFill>
+            <a:srgbClr val="57564D"/>
+          </a:solidFill>
+          <a:ln>
+            <a:noFill/>
+          </a:ln>
+        </p:spPr>
+        <p:style>
+          <a:lnRef idx="2">
+            <a:schemeClr val="accent1">
+              <a:shade val="50000"/>
+            </a:schemeClr>
+          </a:lnRef>
+          <a:fillRef idx="1">
+            <a:schemeClr val="accent1"/>
+          </a:fillRef>
+          <a:effectRef idx="0">
+            <a:schemeClr val="accent1"/>
+          </a:effectRef>
+          <a:fontRef idx="minor">
+            <a:schemeClr val="lt1"/>
+          </a:fontRef>
+        </p:style>
+        <p:txBody>
+          <a:bodyPr rtlCol="0" anchor="ctr"/>
+          <a:lstStyle/>
+          <a:p>
+            <a:pPr algn="ctr"/>
+            <a:endParaRPr lang="zh-CN" altLang="en-US"/>
+          </a:p>
+        </p:txBody>
+      </p:sp>
+      <p:sp>
+        <p:nvSpPr>
+          <p:cNvPr id="68" name="圆角矩形 67"/>
+          <p:cNvSpPr/>
+          <p:nvPr/>
+        </p:nvSpPr>
+        <p:spPr>
+          <a:xfrm flipH="1">
+            <a:off x="7395718" y="2026466"/>
+            <a:ext cx="2412000" cy="144000"/>
+          </a:xfrm>
+          <a:prstGeom prst="roundRect">
+            <a:avLst/>
+          </a:prstGeom>
+          <a:solidFill>
+            <a:schemeClr val="bg1">
+              <a:lumMod val="85000"/>
+            </a:schemeClr>
+          </a:solidFill>
+          <a:ln w="12700"/>
+        </p:spPr>
+        <p:style>
+          <a:lnRef idx="2">
+            <a:schemeClr val="accent1">
+              <a:shade val="50000"/>
+            </a:schemeClr>
+          </a:lnRef>
+          <a:fillRef idx="1">
+            <a:schemeClr val="accent1"/>
+          </a:fillRef>
+          <a:effectRef idx="0">
+            <a:schemeClr val="accent1"/>
+          </a:effectRef>
+          <a:fontRef idx="minor">
+            <a:schemeClr val="lt1"/>
+          </a:fontRef>
+        </p:style>
+        <p:txBody>
+          <a:bodyPr rtlCol="0" anchor="ctr"/>
+          <a:lstStyle/>
+          <a:p>
+            <a:pPr algn="ctr"/>
+            <a:endParaRPr lang="zh-CN" altLang="en-US"/>
+          </a:p>
+        </p:txBody>
+      </p:sp>
+      <p:sp>
+        <p:nvSpPr>
+          <p:cNvPr id="70" name="矩形 69"/>
+          <p:cNvSpPr/>
+          <p:nvPr/>
+        </p:nvSpPr>
+        <p:spPr>
+          <a:xfrm flipH="1">
+            <a:off x="8339530" y="2026400"/>
+            <a:ext cx="36000" cy="144000"/>
+          </a:xfrm>
+          <a:prstGeom prst="rect">
+            <a:avLst/>
+          </a:prstGeom>
+          <a:solidFill>
+            <a:srgbClr val="66FF66"/>
+          </a:solidFill>
+          <a:ln>
+            <a:solidFill>
+              <a:schemeClr val="tx1"/>
+            </a:solidFill>
+          </a:ln>
+        </p:spPr>
+        <p:style>
+          <a:lnRef idx="2">
+            <a:schemeClr val="accent1">
+              <a:shade val="50000"/>
+            </a:schemeClr>
+          </a:lnRef>
+          <a:fillRef idx="1">
+            <a:schemeClr val="accent1"/>
+          </a:fillRef>
+          <a:effectRef idx="0">
+            <a:schemeClr val="accent1"/>
+          </a:effectRef>
+          <a:fontRef idx="minor">
+            <a:schemeClr val="lt1"/>
+          </a:fontRef>
+        </p:style>
+        <p:txBody>
+          <a:bodyPr rtlCol="0" anchor="ctr"/>
+          <a:lstStyle/>
+          <a:p>
+            <a:pPr algn="ctr"/>
+            <a:endParaRPr lang="zh-CN" altLang="en-US"/>
+          </a:p>
+        </p:txBody>
+      </p:sp>
+      <p:sp>
+        <p:nvSpPr>
+          <p:cNvPr id="87" name="矩形 86"/>
+          <p:cNvSpPr/>
+          <p:nvPr/>
+        </p:nvSpPr>
+        <p:spPr>
+          <a:xfrm>
+            <a:off x="3984002" y="639619"/>
+            <a:ext cx="158789" cy="2036521"/>
+          </a:xfrm>
+          <a:prstGeom prst="rect">
+            <a:avLst/>
+          </a:prstGeom>
+          <a:solidFill>
+            <a:srgbClr val="57564D"/>
+          </a:solidFill>
+          <a:ln>
+            <a:noFill/>
+          </a:ln>
+        </p:spPr>
+        <p:style>
+          <a:lnRef idx="2">
+            <a:schemeClr val="accent1">
+              <a:shade val="50000"/>
+            </a:schemeClr>
+          </a:lnRef>
+          <a:fillRef idx="1">
+            <a:schemeClr val="accent1"/>
+          </a:fillRef>
+          <a:effectRef idx="0">
+            <a:schemeClr val="accent1"/>
+          </a:effectRef>
+          <a:fontRef idx="minor">
+            <a:schemeClr val="lt1"/>
+          </a:fontRef>
+        </p:style>
+        <p:txBody>
+          <a:bodyPr rtlCol="0" anchor="ctr"/>
+          <a:lstStyle/>
+          <a:p>
+            <a:pPr algn="ctr"/>
+            <a:endParaRPr lang="zh-CN" altLang="en-US"/>
+          </a:p>
+        </p:txBody>
+      </p:sp>
+      <p:sp>
+        <p:nvSpPr>
+          <p:cNvPr id="73" name="圆角矩形 72"/>
+          <p:cNvSpPr/>
+          <p:nvPr/>
+        </p:nvSpPr>
+        <p:spPr>
+          <a:xfrm>
+            <a:off x="3980781" y="1074206"/>
+            <a:ext cx="144000" cy="1445489"/>
+          </a:xfrm>
+          <a:prstGeom prst="roundRect">
+            <a:avLst/>
+          </a:prstGeom>
+          <a:solidFill>
+            <a:schemeClr val="bg1">
+              <a:lumMod val="85000"/>
+            </a:schemeClr>
+          </a:solidFill>
+          <a:ln w="12700"/>
+        </p:spPr>
+        <p:style>
+          <a:lnRef idx="2">
+            <a:schemeClr val="accent1">
+              <a:shade val="50000"/>
+            </a:schemeClr>
+          </a:lnRef>
+          <a:fillRef idx="1">
+            <a:schemeClr val="accent1"/>
+          </a:fillRef>
+          <a:effectRef idx="0">
+            <a:schemeClr val="accent1"/>
+          </a:effectRef>
+          <a:fontRef idx="minor">
+            <a:schemeClr val="lt1"/>
+          </a:fontRef>
+        </p:style>
+        <p:txBody>
+          <a:bodyPr rtlCol="0" anchor="ctr"/>
+          <a:lstStyle/>
+          <a:p>
+            <a:pPr algn="ctr"/>
+            <a:endParaRPr lang="zh-CN" altLang="en-US"/>
+          </a:p>
+        </p:txBody>
+      </p:sp>
+      <p:sp>
+        <p:nvSpPr>
+          <p:cNvPr id="92" name="文本框 91"/>
+          <p:cNvSpPr txBox="1"/>
+          <p:nvPr/>
+        </p:nvSpPr>
+        <p:spPr>
+          <a:xfrm>
+            <a:off x="6872785" y="541740"/>
+            <a:ext cx="864000" cy="108000"/>
+          </a:xfrm>
+          <a:prstGeom prst="rect">
+            <a:avLst/>
+          </a:prstGeom>
+          <a:solidFill>
+            <a:srgbClr val="E9DDBD"/>
+          </a:solidFill>
+          <a:ln w="12700">
+            <a:solidFill>
+              <a:schemeClr val="tx1"/>
+            </a:solidFill>
+          </a:ln>
+        </p:spPr>
+        <p:txBody>
+          <a:bodyPr wrap="square" rtlCol="0">
+            <a:spAutoFit/>
+          </a:bodyPr>
+          <a:lstStyle/>
+          <a:p>
+            <a:endParaRPr lang="zh-CN" altLang="en-US" sz="1600" b="1" dirty="0">
+              <a:latin typeface="等线" panose="02010600030101010101" pitchFamily="2" charset="-122"/>
+              <a:ea typeface="等线" panose="02010600030101010101" pitchFamily="2" charset="-122"/>
+            </a:endParaRPr>
+          </a:p>
+        </p:txBody>
+      </p:sp>
+      <p:sp>
+        <p:nvSpPr>
+          <p:cNvPr id="93" name="文本框 92"/>
+          <p:cNvSpPr txBox="1"/>
+          <p:nvPr/>
+        </p:nvSpPr>
+        <p:spPr>
+          <a:xfrm>
+            <a:off x="7724215" y="830674"/>
+            <a:ext cx="1152000" cy="108000"/>
+          </a:xfrm>
+          <a:prstGeom prst="rect">
+            <a:avLst/>
+          </a:prstGeom>
+          <a:solidFill>
+            <a:srgbClr val="E9DDBD"/>
+          </a:solidFill>
+          <a:ln w="12700">
+            <a:solidFill>
+              <a:schemeClr val="tx1"/>
+            </a:solidFill>
+          </a:ln>
+        </p:spPr>
+        <p:txBody>
+          <a:bodyPr wrap="square" rtlCol="0">
+            <a:spAutoFit/>
+          </a:bodyPr>
+          <a:lstStyle/>
+          <a:p>
+            <a:endParaRPr lang="zh-CN" altLang="en-US" sz="1600" b="1" dirty="0">
+              <a:latin typeface="等线" panose="02010600030101010101" pitchFamily="2" charset="-122"/>
+              <a:ea typeface="等线" panose="02010600030101010101" pitchFamily="2" charset="-122"/>
+            </a:endParaRPr>
+          </a:p>
+        </p:txBody>
+      </p:sp>
+      <p:sp>
+        <p:nvSpPr>
+          <p:cNvPr id="94" name="文本框 93"/>
+          <p:cNvSpPr txBox="1"/>
+          <p:nvPr/>
+        </p:nvSpPr>
+        <p:spPr>
+          <a:xfrm>
+            <a:off x="8801126" y="547393"/>
+            <a:ext cx="432000" cy="108000"/>
+          </a:xfrm>
+          <a:prstGeom prst="rect">
+            <a:avLst/>
+          </a:prstGeom>
+          <a:solidFill>
+            <a:srgbClr val="66FF66"/>
+          </a:solidFill>
+          <a:ln w="12700">
+            <a:solidFill>
+              <a:schemeClr val="tx1"/>
+            </a:solidFill>
+          </a:ln>
+        </p:spPr>
+        <p:txBody>
+          <a:bodyPr wrap="square" rtlCol="0">
+            <a:spAutoFit/>
+          </a:bodyPr>
+          <a:lstStyle/>
+          <a:p>
+            <a:endParaRPr lang="zh-CN" altLang="en-US" sz="1600" b="1" dirty="0">
+              <a:latin typeface="等线" panose="02010600030101010101" pitchFamily="2" charset="-122"/>
+              <a:ea typeface="等线" panose="02010600030101010101" pitchFamily="2" charset="-122"/>
+            </a:endParaRPr>
+          </a:p>
+        </p:txBody>
+      </p:sp>
+      <p:sp>
+        <p:nvSpPr>
+          <p:cNvPr id="95" name="文本框 94"/>
+          <p:cNvSpPr txBox="1"/>
+          <p:nvPr/>
+        </p:nvSpPr>
+        <p:spPr>
+          <a:xfrm>
+            <a:off x="9462172" y="1212017"/>
+            <a:ext cx="864000" cy="108000"/>
+          </a:xfrm>
+          <a:prstGeom prst="rect">
+            <a:avLst/>
+          </a:prstGeom>
+          <a:solidFill>
+            <a:srgbClr val="E9DDBD"/>
+          </a:solidFill>
+          <a:ln w="12700">
+            <a:solidFill>
+              <a:schemeClr val="tx1"/>
+            </a:solidFill>
+          </a:ln>
+        </p:spPr>
+        <p:txBody>
+          <a:bodyPr wrap="square" rtlCol="0">
+            <a:spAutoFit/>
+          </a:bodyPr>
+          <a:lstStyle/>
+          <a:p>
+            <a:endParaRPr lang="zh-CN" altLang="en-US" sz="1600" b="1" dirty="0">
+              <a:latin typeface="等线" panose="02010600030101010101" pitchFamily="2" charset="-122"/>
+              <a:ea typeface="等线" panose="02010600030101010101" pitchFamily="2" charset="-122"/>
+            </a:endParaRPr>
+          </a:p>
+        </p:txBody>
+      </p:sp>
+      <p:sp>
+        <p:nvSpPr>
+          <p:cNvPr id="97" name="文本框 96"/>
+          <p:cNvSpPr txBox="1"/>
+          <p:nvPr/>
+        </p:nvSpPr>
+        <p:spPr>
+          <a:xfrm>
+            <a:off x="10326172" y="828882"/>
+            <a:ext cx="540000" cy="108000"/>
+          </a:xfrm>
+          <a:prstGeom prst="rect">
+            <a:avLst/>
+          </a:prstGeom>
+          <a:solidFill>
+            <a:srgbClr val="E9DDBD"/>
+          </a:solidFill>
+          <a:ln w="12700">
+            <a:solidFill>
+              <a:schemeClr val="tx1"/>
+            </a:solidFill>
+          </a:ln>
+        </p:spPr>
+        <p:txBody>
+          <a:bodyPr wrap="square" rtlCol="0">
+            <a:spAutoFit/>
+          </a:bodyPr>
+          <a:lstStyle/>
+          <a:p>
+            <a:endParaRPr lang="zh-CN" altLang="en-US" sz="1600" b="1" dirty="0">
+              <a:latin typeface="等线" panose="02010600030101010101" pitchFamily="2" charset="-122"/>
+              <a:ea typeface="等线" panose="02010600030101010101" pitchFamily="2" charset="-122"/>
+            </a:endParaRPr>
+          </a:p>
+        </p:txBody>
+      </p:sp>
+      <p:sp>
+        <p:nvSpPr>
+          <p:cNvPr id="88" name="矩形 87"/>
+          <p:cNvSpPr/>
+          <p:nvPr/>
+        </p:nvSpPr>
+        <p:spPr>
+          <a:xfrm>
+            <a:off x="8930359" y="316107"/>
+            <a:ext cx="36000" cy="1720800"/>
+          </a:xfrm>
+          <a:prstGeom prst="rect">
+            <a:avLst/>
+          </a:prstGeom>
+          <a:solidFill>
+            <a:srgbClr val="66FF66"/>
+          </a:solidFill>
+          <a:ln>
+            <a:noFill/>
+          </a:ln>
+        </p:spPr>
+        <p:style>
+          <a:lnRef idx="2">
+            <a:schemeClr val="accent1">
+              <a:shade val="50000"/>
+            </a:schemeClr>
+          </a:lnRef>
+          <a:fillRef idx="1">
+            <a:schemeClr val="accent1"/>
+          </a:fillRef>
+          <a:effectRef idx="0">
+            <a:schemeClr val="accent1"/>
+          </a:effectRef>
+          <a:fontRef idx="minor">
+            <a:schemeClr val="lt1"/>
+          </a:fontRef>
+        </p:style>
+        <p:txBody>
+          <a:bodyPr rtlCol="0" anchor="ctr"/>
+          <a:lstStyle/>
+          <a:p>
+            <a:pPr algn="ctr"/>
+            <a:endParaRPr lang="zh-CN" altLang="en-US"/>
+          </a:p>
+        </p:txBody>
+      </p:sp>
+      <p:sp>
+        <p:nvSpPr>
+          <p:cNvPr id="99" name="文本框 98"/>
+          <p:cNvSpPr txBox="1"/>
+          <p:nvPr/>
+        </p:nvSpPr>
+        <p:spPr>
+          <a:xfrm>
+            <a:off x="6791347" y="2295810"/>
+            <a:ext cx="3277963" cy="338554"/>
+          </a:xfrm>
+          <a:prstGeom prst="rect">
+            <a:avLst/>
+          </a:prstGeom>
+          <a:solidFill>
+            <a:srgbClr val="66FF66"/>
+          </a:solidFill>
+          <a:ln w="38100">
+            <a:solidFill>
+              <a:schemeClr val="tx1"/>
+            </a:solidFill>
+          </a:ln>
+        </p:spPr>
+        <p:txBody>
+          <a:bodyPr wrap="square" rtlCol="0">
+            <a:spAutoFit/>
+          </a:bodyPr>
+          <a:lstStyle/>
+          <a:p>
+            <a:r>
+              <a:rPr lang="en-US" altLang="zh-CN" sz="1600" b="1" dirty="0" smtClean="0">
+                <a:latin typeface="等线" panose="02010600030101010101" pitchFamily="2" charset="-122"/>
+                <a:ea typeface="等线" panose="02010600030101010101" pitchFamily="2" charset="-122"/>
+              </a:rPr>
+              <a:t>walk</a:t>
+            </a:r>
+            <a:endParaRPr lang="zh-CN" altLang="en-US" sz="1600" b="1" dirty="0">
+              <a:latin typeface="等线" panose="02010600030101010101" pitchFamily="2" charset="-122"/>
+              <a:ea typeface="等线" panose="02010600030101010101" pitchFamily="2" charset="-122"/>
+            </a:endParaRPr>
+          </a:p>
+        </p:txBody>
+      </p:sp>
+      <p:sp>
+        <p:nvSpPr>
+          <p:cNvPr id="105" name="文本框 104"/>
+          <p:cNvSpPr txBox="1"/>
+          <p:nvPr/>
+        </p:nvSpPr>
+        <p:spPr>
+          <a:xfrm>
+            <a:off x="4641080" y="2895901"/>
+            <a:ext cx="697367" cy="338554"/>
+          </a:xfrm>
+          <a:prstGeom prst="rect">
+            <a:avLst/>
+          </a:prstGeom>
+          <a:solidFill>
+            <a:schemeClr val="bg1">
+              <a:lumMod val="95000"/>
+            </a:schemeClr>
+          </a:solidFill>
+          <a:ln w="12700">
+            <a:solidFill>
+              <a:schemeClr val="tx1"/>
+            </a:solidFill>
+          </a:ln>
+        </p:spPr>
+        <p:txBody>
+          <a:bodyPr wrap="square" rtlCol="0">
+            <a:spAutoFit/>
+          </a:bodyPr>
+          <a:lstStyle/>
+          <a:p>
+            <a:pPr algn="r"/>
+            <a:r>
+              <a:rPr lang="en-US" altLang="zh-CN" sz="1600" b="1" dirty="0">
+                <a:latin typeface="等线" panose="02010600030101010101" pitchFamily="2" charset="-122"/>
+                <a:ea typeface="等线" panose="02010600030101010101" pitchFamily="2" charset="-122"/>
+              </a:rPr>
+              <a:t>2</a:t>
+            </a:r>
+            <a:r>
+              <a:rPr lang="en-US" altLang="zh-CN" sz="1600" b="1" dirty="0" smtClean="0">
+                <a:latin typeface="等线" panose="02010600030101010101" pitchFamily="2" charset="-122"/>
+                <a:ea typeface="等线" panose="02010600030101010101" pitchFamily="2" charset="-122"/>
+              </a:rPr>
+              <a:t>00</a:t>
+            </a:r>
+            <a:endParaRPr lang="zh-CN" altLang="en-US" sz="1600" b="1" dirty="0">
+              <a:latin typeface="等线" panose="02010600030101010101" pitchFamily="2" charset="-122"/>
+              <a:ea typeface="等线" panose="02010600030101010101" pitchFamily="2" charset="-122"/>
+            </a:endParaRPr>
+          </a:p>
+        </p:txBody>
+      </p:sp>
+      <p:sp>
+        <p:nvSpPr>
+          <p:cNvPr id="106" name="文本框 105"/>
+          <p:cNvSpPr txBox="1"/>
+          <p:nvPr/>
+        </p:nvSpPr>
+        <p:spPr>
+          <a:xfrm>
+            <a:off x="5338447" y="2899993"/>
+            <a:ext cx="697367" cy="338554"/>
+          </a:xfrm>
+          <a:prstGeom prst="rect">
+            <a:avLst/>
+          </a:prstGeom>
+          <a:solidFill>
+            <a:schemeClr val="bg1">
+              <a:lumMod val="95000"/>
+            </a:schemeClr>
+          </a:solidFill>
+          <a:ln w="12700">
+            <a:solidFill>
+              <a:schemeClr val="tx1"/>
+            </a:solidFill>
+          </a:ln>
+        </p:spPr>
+        <p:txBody>
+          <a:bodyPr wrap="square" rtlCol="0">
+            <a:spAutoFit/>
+          </a:bodyPr>
+          <a:lstStyle/>
+          <a:p>
+            <a:pPr algn="r"/>
+            <a:r>
+              <a:rPr lang="en-US" altLang="zh-CN" sz="1600" b="1" dirty="0" smtClean="0">
+                <a:latin typeface="等线" panose="02010600030101010101" pitchFamily="2" charset="-122"/>
+                <a:ea typeface="等线" panose="02010600030101010101" pitchFamily="2" charset="-122"/>
+              </a:rPr>
+              <a:t>1200</a:t>
+            </a:r>
+            <a:endParaRPr lang="zh-CN" altLang="en-US" sz="1600" b="1" dirty="0">
+              <a:latin typeface="等线" panose="02010600030101010101" pitchFamily="2" charset="-122"/>
+              <a:ea typeface="等线" panose="02010600030101010101" pitchFamily="2" charset="-122"/>
+            </a:endParaRPr>
+          </a:p>
+        </p:txBody>
+      </p:sp>
+      <p:sp>
+        <p:nvSpPr>
+          <p:cNvPr id="107" name="文本框 106"/>
+          <p:cNvSpPr txBox="1"/>
+          <p:nvPr/>
+        </p:nvSpPr>
+        <p:spPr>
+          <a:xfrm>
+            <a:off x="10717310" y="11616"/>
+            <a:ext cx="216000" cy="216000"/>
+          </a:xfrm>
+          <a:prstGeom prst="rect">
+            <a:avLst/>
+          </a:prstGeom>
+          <a:solidFill>
+            <a:srgbClr val="E9DDBD"/>
+          </a:solidFill>
+          <a:ln w="12700">
+            <a:solidFill>
+              <a:schemeClr val="tx1"/>
+            </a:solidFill>
+          </a:ln>
+        </p:spPr>
+        <p:txBody>
+          <a:bodyPr wrap="square" rtlCol="0">
+            <a:spAutoFit/>
+          </a:bodyPr>
+          <a:lstStyle/>
+          <a:p>
+            <a:endParaRPr lang="zh-CN" altLang="en-US" sz="1600" b="1" dirty="0">
+              <a:latin typeface="等线" panose="02010600030101010101" pitchFamily="2" charset="-122"/>
+              <a:ea typeface="等线" panose="02010600030101010101" pitchFamily="2" charset="-122"/>
+            </a:endParaRPr>
+          </a:p>
+        </p:txBody>
+      </p:sp>
+      <p:sp>
+        <p:nvSpPr>
+          <p:cNvPr id="108" name="文本框 107"/>
+          <p:cNvSpPr txBox="1"/>
+          <p:nvPr/>
+        </p:nvSpPr>
+        <p:spPr>
+          <a:xfrm>
+            <a:off x="11405181" y="-50686"/>
+            <a:ext cx="506087" cy="338554"/>
+          </a:xfrm>
+          <a:prstGeom prst="rect">
+            <a:avLst/>
+          </a:prstGeom>
+          <a:noFill/>
+        </p:spPr>
+        <p:txBody>
+          <a:bodyPr wrap="square" rtlCol="0">
+            <a:spAutoFit/>
+          </a:bodyPr>
+          <a:lstStyle/>
+          <a:p>
+            <a:pPr algn="r"/>
+            <a:r>
+              <a:rPr lang="en-US" altLang="zh-CN" sz="1600" b="1" dirty="0" smtClean="0"/>
+              <a:t>30</a:t>
+            </a:r>
+            <a:endParaRPr lang="zh-CN" altLang="en-US" sz="1600" b="1" dirty="0"/>
+          </a:p>
+        </p:txBody>
+      </p:sp>
+      <p:sp>
+        <p:nvSpPr>
+          <p:cNvPr id="75" name="文本框 74"/>
+          <p:cNvSpPr txBox="1"/>
+          <p:nvPr/>
+        </p:nvSpPr>
+        <p:spPr>
+          <a:xfrm>
+            <a:off x="10866172" y="1525807"/>
+            <a:ext cx="864000" cy="108000"/>
+          </a:xfrm>
+          <a:prstGeom prst="rect">
+            <a:avLst/>
+          </a:prstGeom>
+          <a:solidFill>
+            <a:srgbClr val="E9DDBD"/>
+          </a:solidFill>
+          <a:ln w="12700">
+            <a:solidFill>
+              <a:schemeClr val="tx1"/>
+            </a:solidFill>
+          </a:ln>
+        </p:spPr>
+        <p:txBody>
+          <a:bodyPr wrap="square" rtlCol="0">
+            <a:spAutoFit/>
+          </a:bodyPr>
+          <a:lstStyle/>
+          <a:p>
+            <a:endParaRPr lang="zh-CN" altLang="en-US" sz="1600" b="1" dirty="0">
+              <a:latin typeface="等线" panose="02010600030101010101" pitchFamily="2" charset="-122"/>
+              <a:ea typeface="等线" panose="02010600030101010101" pitchFamily="2" charset="-122"/>
+            </a:endParaRPr>
+          </a:p>
+        </p:txBody>
+      </p:sp>
+      <p:sp>
+        <p:nvSpPr>
+          <p:cNvPr id="102" name="矩形 101"/>
+          <p:cNvSpPr/>
+          <p:nvPr/>
+        </p:nvSpPr>
+        <p:spPr>
+          <a:xfrm>
+            <a:off x="11721039" y="316107"/>
+            <a:ext cx="146556" cy="1705971"/>
+          </a:xfrm>
+          <a:prstGeom prst="rect">
+            <a:avLst/>
+          </a:prstGeom>
+          <a:solidFill>
+            <a:srgbClr val="57564D"/>
+          </a:solidFill>
+          <a:ln>
+            <a:noFill/>
+          </a:ln>
+        </p:spPr>
+        <p:style>
+          <a:lnRef idx="2">
+            <a:schemeClr val="accent1">
+              <a:shade val="50000"/>
+            </a:schemeClr>
+          </a:lnRef>
+          <a:fillRef idx="1">
+            <a:schemeClr val="accent1"/>
+          </a:fillRef>
+          <a:effectRef idx="0">
+            <a:schemeClr val="accent1"/>
+          </a:effectRef>
+          <a:fontRef idx="minor">
+            <a:schemeClr val="lt1"/>
+          </a:fontRef>
+        </p:style>
+        <p:txBody>
+          <a:bodyPr rtlCol="0" anchor="ctr"/>
+          <a:lstStyle/>
+          <a:p>
+            <a:pPr algn="ctr"/>
+            <a:endParaRPr lang="zh-CN" altLang="en-US"/>
+          </a:p>
+        </p:txBody>
+      </p:sp>
+      <p:sp>
+        <p:nvSpPr>
+          <p:cNvPr id="109" name="圆角矩形 108"/>
+          <p:cNvSpPr/>
+          <p:nvPr/>
+        </p:nvSpPr>
+        <p:spPr>
+          <a:xfrm>
+            <a:off x="11728121" y="318459"/>
+            <a:ext cx="138405" cy="1201781"/>
+          </a:xfrm>
+          <a:prstGeom prst="roundRect">
+            <a:avLst/>
+          </a:prstGeom>
+          <a:solidFill>
+            <a:schemeClr val="bg1">
+              <a:lumMod val="85000"/>
+            </a:schemeClr>
+          </a:solidFill>
+          <a:ln w="12700"/>
+        </p:spPr>
+        <p:style>
+          <a:lnRef idx="2">
+            <a:schemeClr val="accent1">
+              <a:shade val="50000"/>
+            </a:schemeClr>
+          </a:lnRef>
+          <a:fillRef idx="1">
+            <a:schemeClr val="accent1"/>
+          </a:fillRef>
+          <a:effectRef idx="0">
+            <a:schemeClr val="accent1"/>
+          </a:effectRef>
+          <a:fontRef idx="minor">
+            <a:schemeClr val="lt1"/>
+          </a:fontRef>
+        </p:style>
+        <p:txBody>
+          <a:bodyPr rtlCol="0" anchor="ctr"/>
+          <a:lstStyle/>
+          <a:p>
+            <a:pPr algn="ctr"/>
+            <a:endParaRPr lang="zh-CN" altLang="en-US"/>
+          </a:p>
+        </p:txBody>
+      </p:sp>
+      <p:sp>
+        <p:nvSpPr>
+          <p:cNvPr id="110" name="矩形 109"/>
+          <p:cNvSpPr/>
+          <p:nvPr/>
+        </p:nvSpPr>
+        <p:spPr>
+          <a:xfrm flipH="1" flipV="1">
+            <a:off x="11721039" y="377058"/>
+            <a:ext cx="144000" cy="144000"/>
+          </a:xfrm>
+          <a:prstGeom prst="rect">
+            <a:avLst/>
+          </a:prstGeom>
+          <a:solidFill>
+            <a:srgbClr val="66FF66"/>
+          </a:solidFill>
+          <a:ln>
+            <a:solidFill>
+              <a:schemeClr val="tx1"/>
+            </a:solidFill>
+          </a:ln>
+        </p:spPr>
+        <p:style>
+          <a:lnRef idx="2">
+            <a:schemeClr val="accent1">
+              <a:shade val="50000"/>
+            </a:schemeClr>
+          </a:lnRef>
+          <a:fillRef idx="1">
+            <a:schemeClr val="accent1"/>
+          </a:fillRef>
+          <a:effectRef idx="0">
+            <a:schemeClr val="accent1"/>
+          </a:effectRef>
+          <a:fontRef idx="minor">
+            <a:schemeClr val="lt1"/>
+          </a:fontRef>
+        </p:style>
+        <p:txBody>
+          <a:bodyPr rtlCol="0" anchor="ctr"/>
+          <a:lstStyle/>
+          <a:p>
+            <a:pPr algn="ctr"/>
+            <a:endParaRPr lang="zh-CN" altLang="en-US"/>
+          </a:p>
+        </p:txBody>
+      </p:sp>
+      <p:sp>
+        <p:nvSpPr>
+          <p:cNvPr id="112" name="文本框 111"/>
+          <p:cNvSpPr txBox="1"/>
+          <p:nvPr/>
+        </p:nvSpPr>
+        <p:spPr>
+          <a:xfrm>
+            <a:off x="2495991" y="4390994"/>
+            <a:ext cx="864000" cy="216000"/>
+          </a:xfrm>
+          <a:prstGeom prst="rect">
+            <a:avLst/>
+          </a:prstGeom>
+          <a:solidFill>
+            <a:schemeClr val="tx1"/>
+          </a:solidFill>
+          <a:ln w="12700">
+            <a:noFill/>
+          </a:ln>
+        </p:spPr>
+        <p:txBody>
+          <a:bodyPr wrap="square" rtlCol="0">
+            <a:spAutoFit/>
+          </a:bodyPr>
+          <a:lstStyle/>
+          <a:p>
+            <a:endParaRPr lang="zh-CN" altLang="en-US" sz="1600" b="1" dirty="0">
+              <a:latin typeface="等线" panose="02010600030101010101" pitchFamily="2" charset="-122"/>
+              <a:ea typeface="等线" panose="02010600030101010101" pitchFamily="2" charset="-122"/>
+            </a:endParaRPr>
+          </a:p>
+        </p:txBody>
+      </p:sp>
+      <p:sp>
+        <p:nvSpPr>
+          <p:cNvPr id="113" name="文本框 112"/>
+          <p:cNvSpPr txBox="1"/>
+          <p:nvPr/>
+        </p:nvSpPr>
+        <p:spPr>
+          <a:xfrm>
+            <a:off x="2437913" y="4332698"/>
+            <a:ext cx="701797" cy="338554"/>
+          </a:xfrm>
+          <a:prstGeom prst="rect">
+            <a:avLst/>
+          </a:prstGeom>
+          <a:noFill/>
+          <a:ln>
+            <a:noFill/>
+          </a:ln>
+        </p:spPr>
+        <p:txBody>
+          <a:bodyPr wrap="square" rtlCol="0">
+            <a:spAutoFit/>
+          </a:bodyPr>
+          <a:lstStyle/>
+          <a:p>
+            <a:r>
+              <a:rPr lang="en-US" altLang="zh-CN" sz="1600" b="1" dirty="0" smtClean="0">
+                <a:solidFill>
+                  <a:srgbClr val="66FF66"/>
+                </a:solidFill>
+              </a:rPr>
+              <a:t>1210</a:t>
+            </a:r>
+            <a:endParaRPr lang="zh-CN" altLang="en-US" sz="1600" b="1" dirty="0">
+              <a:solidFill>
+                <a:srgbClr val="66FF66"/>
+              </a:solidFill>
+            </a:endParaRPr>
+          </a:p>
+        </p:txBody>
+      </p:sp>
+      <p:sp>
+        <p:nvSpPr>
+          <p:cNvPr id="120" name="文本框 119"/>
+          <p:cNvSpPr txBox="1"/>
+          <p:nvPr/>
+        </p:nvSpPr>
+        <p:spPr>
+          <a:xfrm>
+            <a:off x="10069310" y="4404216"/>
+            <a:ext cx="864000" cy="216000"/>
+          </a:xfrm>
+          <a:prstGeom prst="rect">
+            <a:avLst/>
+          </a:prstGeom>
+          <a:solidFill>
+            <a:schemeClr val="bg1"/>
+          </a:solidFill>
+          <a:ln w="12700">
+            <a:noFill/>
+          </a:ln>
+        </p:spPr>
+        <p:txBody>
+          <a:bodyPr wrap="square" rtlCol="0">
+            <a:spAutoFit/>
+          </a:bodyPr>
+          <a:lstStyle/>
+          <a:p>
+            <a:endParaRPr lang="zh-CN" altLang="en-US" sz="1600" b="1" dirty="0">
+              <a:latin typeface="等线" panose="02010600030101010101" pitchFamily="2" charset="-122"/>
+              <a:ea typeface="等线" panose="02010600030101010101" pitchFamily="2" charset="-122"/>
+            </a:endParaRPr>
+          </a:p>
+        </p:txBody>
+      </p:sp>
+      <p:sp>
+        <p:nvSpPr>
+          <p:cNvPr id="121" name="文本框 120"/>
+          <p:cNvSpPr txBox="1"/>
+          <p:nvPr/>
+        </p:nvSpPr>
+        <p:spPr>
+          <a:xfrm>
+            <a:off x="9253310" y="4393127"/>
+            <a:ext cx="720000" cy="216000"/>
+          </a:xfrm>
+          <a:prstGeom prst="rect">
+            <a:avLst/>
+          </a:prstGeom>
+          <a:solidFill>
+            <a:srgbClr val="E9DDBD"/>
+          </a:solidFill>
+          <a:ln w="12700">
+            <a:solidFill>
+              <a:schemeClr val="tx1"/>
+            </a:solidFill>
+          </a:ln>
+        </p:spPr>
+        <p:txBody>
+          <a:bodyPr wrap="square" rtlCol="0">
+            <a:spAutoFit/>
+          </a:bodyPr>
+          <a:lstStyle/>
+          <a:p>
+            <a:endParaRPr lang="zh-CN" altLang="en-US" sz="1600" b="1" dirty="0">
+              <a:latin typeface="等线" panose="02010600030101010101" pitchFamily="2" charset="-122"/>
+              <a:ea typeface="等线" panose="02010600030101010101" pitchFamily="2" charset="-122"/>
+            </a:endParaRPr>
+          </a:p>
+        </p:txBody>
+      </p:sp>
+      <p:sp>
+        <p:nvSpPr>
+          <p:cNvPr id="122" name="文本框 121"/>
+          <p:cNvSpPr txBox="1"/>
+          <p:nvPr/>
+        </p:nvSpPr>
+        <p:spPr>
+          <a:xfrm>
+            <a:off x="10473452" y="4330825"/>
+            <a:ext cx="506087" cy="338554"/>
+          </a:xfrm>
+          <a:prstGeom prst="rect">
+            <a:avLst/>
+          </a:prstGeom>
+          <a:noFill/>
+        </p:spPr>
+        <p:txBody>
+          <a:bodyPr wrap="square" rtlCol="0">
+            <a:spAutoFit/>
+          </a:bodyPr>
+          <a:lstStyle/>
+          <a:p>
+            <a:pPr algn="r"/>
+            <a:r>
+              <a:rPr lang="en-US" altLang="zh-CN" sz="1600" b="1" dirty="0" smtClean="0"/>
+              <a:t>300</a:t>
+            </a:r>
+            <a:endParaRPr lang="zh-CN" altLang="en-US" sz="1600" b="1" dirty="0"/>
+          </a:p>
+        </p:txBody>
+      </p:sp>
+      <p:sp>
+        <p:nvSpPr>
+          <p:cNvPr id="125" name="文本框 124"/>
+          <p:cNvSpPr txBox="1"/>
+          <p:nvPr/>
+        </p:nvSpPr>
+        <p:spPr>
+          <a:xfrm>
+            <a:off x="2529360" y="2927030"/>
+            <a:ext cx="697367" cy="338554"/>
+          </a:xfrm>
+          <a:prstGeom prst="rect">
+            <a:avLst/>
+          </a:prstGeom>
+          <a:solidFill>
+            <a:schemeClr val="bg1">
+              <a:lumMod val="95000"/>
+            </a:schemeClr>
+          </a:solidFill>
+          <a:ln w="12700">
+            <a:solidFill>
+              <a:schemeClr val="tx1"/>
+            </a:solidFill>
+          </a:ln>
+        </p:spPr>
+        <p:txBody>
+          <a:bodyPr wrap="square" rtlCol="0">
+            <a:spAutoFit/>
+          </a:bodyPr>
+          <a:lstStyle/>
+          <a:p>
+            <a:pPr algn="r"/>
+            <a:r>
+              <a:rPr lang="en-US" altLang="zh-CN" sz="1600" b="1" dirty="0" smtClean="0">
+                <a:latin typeface="等线" panose="02010600030101010101" pitchFamily="2" charset="-122"/>
+                <a:ea typeface="等线" panose="02010600030101010101" pitchFamily="2" charset="-122"/>
+              </a:rPr>
+              <a:t>600</a:t>
+            </a:r>
+            <a:endParaRPr lang="zh-CN" altLang="en-US" sz="1600" b="1" dirty="0">
+              <a:latin typeface="等线" panose="02010600030101010101" pitchFamily="2" charset="-122"/>
+              <a:ea typeface="等线" panose="02010600030101010101" pitchFamily="2" charset="-122"/>
+            </a:endParaRPr>
+          </a:p>
+        </p:txBody>
+      </p:sp>
+      <p:sp>
+        <p:nvSpPr>
+          <p:cNvPr id="126" name="文本框 125"/>
+          <p:cNvSpPr txBox="1"/>
+          <p:nvPr/>
+        </p:nvSpPr>
+        <p:spPr>
+          <a:xfrm>
+            <a:off x="3239806" y="2917106"/>
+            <a:ext cx="697367" cy="338554"/>
+          </a:xfrm>
+          <a:prstGeom prst="rect">
+            <a:avLst/>
+          </a:prstGeom>
+          <a:solidFill>
+            <a:schemeClr val="bg1">
+              <a:lumMod val="95000"/>
+            </a:schemeClr>
+          </a:solidFill>
+          <a:ln w="12700">
+            <a:solidFill>
+              <a:schemeClr val="tx1"/>
+            </a:solidFill>
+          </a:ln>
+        </p:spPr>
+        <p:txBody>
+          <a:bodyPr wrap="square" rtlCol="0">
+            <a:spAutoFit/>
+          </a:bodyPr>
+          <a:lstStyle/>
+          <a:p>
+            <a:pPr algn="r"/>
+            <a:r>
+              <a:rPr lang="en-US" altLang="zh-CN" sz="1600" b="1" dirty="0" smtClean="0">
+                <a:latin typeface="等线" panose="02010600030101010101" pitchFamily="2" charset="-122"/>
+                <a:ea typeface="等线" panose="02010600030101010101" pitchFamily="2" charset="-122"/>
+              </a:rPr>
+              <a:t>2000</a:t>
+            </a:r>
+            <a:endParaRPr lang="zh-CN" altLang="en-US" sz="1600" b="1" dirty="0">
+              <a:latin typeface="等线" panose="02010600030101010101" pitchFamily="2" charset="-122"/>
+              <a:ea typeface="等线" panose="02010600030101010101" pitchFamily="2" charset="-122"/>
+            </a:endParaRPr>
+          </a:p>
+        </p:txBody>
+      </p:sp>
+      <p:sp>
+        <p:nvSpPr>
+          <p:cNvPr id="127" name="文本框 126"/>
+          <p:cNvSpPr txBox="1"/>
+          <p:nvPr/>
+        </p:nvSpPr>
+        <p:spPr>
+          <a:xfrm>
+            <a:off x="6782937" y="2798034"/>
+            <a:ext cx="697367" cy="338554"/>
+          </a:xfrm>
+          <a:prstGeom prst="rect">
+            <a:avLst/>
+          </a:prstGeom>
+          <a:solidFill>
+            <a:schemeClr val="bg1">
+              <a:lumMod val="95000"/>
+            </a:schemeClr>
+          </a:solidFill>
+          <a:ln w="12700">
+            <a:solidFill>
+              <a:schemeClr val="tx1"/>
+            </a:solidFill>
+          </a:ln>
+        </p:spPr>
+        <p:txBody>
+          <a:bodyPr wrap="square" rtlCol="0">
+            <a:spAutoFit/>
+          </a:bodyPr>
+          <a:lstStyle/>
+          <a:p>
+            <a:pPr algn="r"/>
+            <a:r>
+              <a:rPr lang="en-US" altLang="zh-CN" sz="1600" b="1" dirty="0" smtClean="0">
+                <a:latin typeface="等线" panose="02010600030101010101" pitchFamily="2" charset="-122"/>
+                <a:ea typeface="等线" panose="02010600030101010101" pitchFamily="2" charset="-122"/>
+              </a:rPr>
+              <a:t>300</a:t>
+            </a:r>
+            <a:endParaRPr lang="zh-CN" altLang="en-US" sz="1600" b="1" dirty="0">
+              <a:latin typeface="等线" panose="02010600030101010101" pitchFamily="2" charset="-122"/>
+              <a:ea typeface="等线" panose="02010600030101010101" pitchFamily="2" charset="-122"/>
+            </a:endParaRPr>
+          </a:p>
+        </p:txBody>
+      </p:sp>
+      <p:sp>
+        <p:nvSpPr>
+          <p:cNvPr id="128" name="文本框 127"/>
+          <p:cNvSpPr txBox="1"/>
+          <p:nvPr/>
+        </p:nvSpPr>
+        <p:spPr>
+          <a:xfrm>
+            <a:off x="7480304" y="2802126"/>
+            <a:ext cx="697367" cy="338554"/>
+          </a:xfrm>
+          <a:prstGeom prst="rect">
+            <a:avLst/>
+          </a:prstGeom>
+          <a:solidFill>
+            <a:schemeClr val="bg1">
+              <a:lumMod val="95000"/>
+            </a:schemeClr>
+          </a:solidFill>
+          <a:ln w="12700">
+            <a:solidFill>
+              <a:schemeClr val="tx1"/>
+            </a:solidFill>
+          </a:ln>
+        </p:spPr>
+        <p:txBody>
+          <a:bodyPr wrap="square" rtlCol="0">
+            <a:spAutoFit/>
+          </a:bodyPr>
+          <a:lstStyle/>
+          <a:p>
+            <a:pPr algn="r"/>
+            <a:r>
+              <a:rPr lang="en-US" altLang="zh-CN" sz="1600" b="1" dirty="0" smtClean="0">
+                <a:latin typeface="等线" panose="02010600030101010101" pitchFamily="2" charset="-122"/>
+                <a:ea typeface="等线" panose="02010600030101010101" pitchFamily="2" charset="-122"/>
+              </a:rPr>
+              <a:t>360</a:t>
+            </a:r>
+            <a:endParaRPr lang="zh-CN" altLang="en-US" sz="1600" b="1" dirty="0">
+              <a:latin typeface="等线" panose="02010600030101010101" pitchFamily="2" charset="-122"/>
+              <a:ea typeface="等线" panose="02010600030101010101" pitchFamily="2" charset="-122"/>
+            </a:endParaRPr>
+          </a:p>
+        </p:txBody>
+      </p:sp>
+      <p:sp>
+        <p:nvSpPr>
+          <p:cNvPr id="135" name="文本框 134"/>
+          <p:cNvSpPr txBox="1"/>
+          <p:nvPr/>
+        </p:nvSpPr>
+        <p:spPr>
+          <a:xfrm>
+            <a:off x="4716390" y="4358073"/>
+            <a:ext cx="360000" cy="216000"/>
+          </a:xfrm>
+          <a:prstGeom prst="rect">
+            <a:avLst/>
+          </a:prstGeom>
+          <a:solidFill>
+            <a:srgbClr val="FFD966"/>
+          </a:solidFill>
+          <a:ln w="25400">
+            <a:solidFill>
+              <a:schemeClr val="tx1"/>
+            </a:solidFill>
+          </a:ln>
+        </p:spPr>
+        <p:txBody>
+          <a:bodyPr wrap="square" rtlCol="0">
+            <a:spAutoFit/>
+          </a:bodyPr>
+          <a:lstStyle/>
+          <a:p>
+            <a:endParaRPr lang="zh-CN" altLang="en-US" sz="2000" b="1" dirty="0">
+              <a:latin typeface="等线" panose="02010600030101010101" pitchFamily="2" charset="-122"/>
+              <a:ea typeface="等线" panose="02010600030101010101" pitchFamily="2" charset="-122"/>
+            </a:endParaRPr>
+          </a:p>
+        </p:txBody>
+      </p:sp>
+      <p:sp>
+        <p:nvSpPr>
+          <p:cNvPr id="137" name="文本框 136"/>
+          <p:cNvSpPr txBox="1"/>
+          <p:nvPr/>
+        </p:nvSpPr>
+        <p:spPr>
+          <a:xfrm>
+            <a:off x="5073146" y="4358073"/>
+            <a:ext cx="360000" cy="216000"/>
+          </a:xfrm>
+          <a:prstGeom prst="rect">
+            <a:avLst/>
+          </a:prstGeom>
+          <a:solidFill>
+            <a:srgbClr val="ED6D6B"/>
+          </a:solidFill>
+          <a:ln w="25400">
+            <a:solidFill>
+              <a:schemeClr val="tx1"/>
+            </a:solidFill>
+          </a:ln>
+        </p:spPr>
+        <p:txBody>
+          <a:bodyPr wrap="square" rtlCol="0">
+            <a:spAutoFit/>
+          </a:bodyPr>
+          <a:lstStyle/>
+          <a:p>
+            <a:endParaRPr lang="zh-CN" altLang="en-US" sz="2000" b="1" dirty="0">
+              <a:latin typeface="等线" panose="02010600030101010101" pitchFamily="2" charset="-122"/>
+              <a:ea typeface="等线" panose="02010600030101010101" pitchFamily="2" charset="-122"/>
+            </a:endParaRPr>
+          </a:p>
+        </p:txBody>
+      </p:sp>
+      <p:sp>
+        <p:nvSpPr>
+          <p:cNvPr id="138" name="文本框 137"/>
+          <p:cNvSpPr txBox="1"/>
+          <p:nvPr/>
+        </p:nvSpPr>
+        <p:spPr>
+          <a:xfrm>
+            <a:off x="5429907" y="4358073"/>
+            <a:ext cx="360000" cy="216000"/>
+          </a:xfrm>
+          <a:prstGeom prst="rect">
+            <a:avLst/>
+          </a:prstGeom>
+          <a:solidFill>
+            <a:srgbClr val="4B79FB"/>
+          </a:solidFill>
+          <a:ln w="25400">
+            <a:solidFill>
+              <a:schemeClr val="tx1"/>
+            </a:solidFill>
+          </a:ln>
+        </p:spPr>
+        <p:txBody>
+          <a:bodyPr wrap="square" rtlCol="0">
+            <a:spAutoFit/>
+          </a:bodyPr>
+          <a:lstStyle/>
+          <a:p>
+            <a:endParaRPr lang="zh-CN" altLang="en-US" sz="2000" b="1" dirty="0">
+              <a:latin typeface="等线" panose="02010600030101010101" pitchFamily="2" charset="-122"/>
+              <a:ea typeface="等线" panose="02010600030101010101" pitchFamily="2" charset="-122"/>
+            </a:endParaRPr>
+          </a:p>
+        </p:txBody>
+      </p:sp>
+      <p:sp>
+        <p:nvSpPr>
+          <p:cNvPr id="139" name="文本框 138"/>
+          <p:cNvSpPr txBox="1"/>
+          <p:nvPr/>
+        </p:nvSpPr>
+        <p:spPr>
+          <a:xfrm>
+            <a:off x="5794268" y="4358073"/>
+            <a:ext cx="360000" cy="216000"/>
+          </a:xfrm>
+          <a:prstGeom prst="rect">
+            <a:avLst/>
+          </a:prstGeom>
+          <a:solidFill>
+            <a:srgbClr val="50D0C4"/>
+          </a:solidFill>
+          <a:ln w="25400">
+            <a:solidFill>
+              <a:schemeClr val="tx1"/>
+            </a:solidFill>
+          </a:ln>
+        </p:spPr>
+        <p:txBody>
+          <a:bodyPr wrap="square" rtlCol="0">
+            <a:spAutoFit/>
+          </a:bodyPr>
+          <a:lstStyle/>
+          <a:p>
+            <a:endParaRPr lang="zh-CN" altLang="en-US" sz="2000" b="1" dirty="0">
+              <a:latin typeface="等线" panose="02010600030101010101" pitchFamily="2" charset="-122"/>
+              <a:ea typeface="等线" panose="02010600030101010101" pitchFamily="2" charset="-122"/>
+            </a:endParaRPr>
+          </a:p>
+        </p:txBody>
+      </p:sp>
+      <p:sp>
+        <p:nvSpPr>
+          <p:cNvPr id="140" name="文本框 139"/>
+          <p:cNvSpPr txBox="1"/>
+          <p:nvPr/>
+        </p:nvSpPr>
+        <p:spPr>
+          <a:xfrm>
+            <a:off x="6149392" y="4356565"/>
+            <a:ext cx="360000" cy="216000"/>
+          </a:xfrm>
+          <a:prstGeom prst="rect">
+            <a:avLst/>
+          </a:prstGeom>
+          <a:solidFill>
+            <a:srgbClr val="BB71C1"/>
+          </a:solidFill>
+          <a:ln w="25400">
+            <a:solidFill>
+              <a:schemeClr val="tx1"/>
+            </a:solidFill>
+          </a:ln>
+        </p:spPr>
+        <p:txBody>
+          <a:bodyPr wrap="square" rtlCol="0">
+            <a:spAutoFit/>
+          </a:bodyPr>
+          <a:lstStyle/>
+          <a:p>
+            <a:endParaRPr lang="zh-CN" altLang="en-US" sz="2000" b="1" dirty="0">
+              <a:latin typeface="等线" panose="02010600030101010101" pitchFamily="2" charset="-122"/>
+              <a:ea typeface="等线" panose="02010600030101010101" pitchFamily="2" charset="-122"/>
+            </a:endParaRPr>
+          </a:p>
+        </p:txBody>
+      </p:sp>
+      <p:sp>
+        <p:nvSpPr>
+          <p:cNvPr id="141" name="文本框 140"/>
+          <p:cNvSpPr txBox="1"/>
+          <p:nvPr/>
+        </p:nvSpPr>
+        <p:spPr>
+          <a:xfrm>
+            <a:off x="6736536" y="4355528"/>
+            <a:ext cx="360000" cy="216000"/>
+          </a:xfrm>
+          <a:prstGeom prst="rect">
+            <a:avLst/>
+          </a:prstGeom>
+          <a:solidFill>
+            <a:schemeClr val="bg1">
+              <a:lumMod val="65000"/>
+            </a:schemeClr>
+          </a:solidFill>
+          <a:ln w="25400">
+            <a:solidFill>
+              <a:schemeClr val="tx1"/>
+            </a:solidFill>
+          </a:ln>
+        </p:spPr>
+        <p:txBody>
+          <a:bodyPr wrap="square" rtlCol="0">
+            <a:spAutoFit/>
+          </a:bodyPr>
+          <a:lstStyle/>
+          <a:p>
+            <a:endParaRPr lang="zh-CN" altLang="en-US" sz="2000" b="1" dirty="0">
+              <a:latin typeface="等线" panose="02010600030101010101" pitchFamily="2" charset="-122"/>
+              <a:ea typeface="等线" panose="02010600030101010101" pitchFamily="2" charset="-122"/>
+            </a:endParaRPr>
+          </a:p>
+        </p:txBody>
+      </p:sp>
+      <p:sp>
+        <p:nvSpPr>
+          <p:cNvPr id="142" name="文本框 141"/>
+          <p:cNvSpPr txBox="1"/>
+          <p:nvPr/>
+        </p:nvSpPr>
+        <p:spPr>
+          <a:xfrm>
+            <a:off x="7091280" y="4359016"/>
+            <a:ext cx="360000" cy="216000"/>
+          </a:xfrm>
+          <a:prstGeom prst="rect">
+            <a:avLst/>
+          </a:prstGeom>
+          <a:solidFill>
+            <a:srgbClr val="EB6C6B"/>
+          </a:solidFill>
+          <a:ln w="25400">
+            <a:solidFill>
+              <a:schemeClr val="tx1"/>
+            </a:solidFill>
+          </a:ln>
+        </p:spPr>
+        <p:txBody>
+          <a:bodyPr wrap="square" rtlCol="0">
+            <a:spAutoFit/>
+          </a:bodyPr>
+          <a:lstStyle/>
+          <a:p>
+            <a:endParaRPr lang="zh-CN" altLang="en-US" sz="2000" b="1" dirty="0">
+              <a:latin typeface="等线" panose="02010600030101010101" pitchFamily="2" charset="-122"/>
+              <a:ea typeface="等线" panose="02010600030101010101" pitchFamily="2" charset="-122"/>
+            </a:endParaRPr>
+          </a:p>
+        </p:txBody>
+      </p:sp>
+      <p:sp>
+        <p:nvSpPr>
+          <p:cNvPr id="71" name="等腰三角形 70"/>
+          <p:cNvSpPr/>
+          <p:nvPr/>
+        </p:nvSpPr>
+        <p:spPr>
+          <a:xfrm flipV="1">
+            <a:off x="9784279" y="2394696"/>
+            <a:ext cx="189031" cy="173217"/>
+          </a:xfrm>
+          <a:prstGeom prst="triangle">
+            <a:avLst/>
+          </a:prstGeom>
+          <a:solidFill>
+            <a:schemeClr val="tx1"/>
+          </a:solidFill>
+        </p:spPr>
+        <p:style>
+          <a:lnRef idx="2">
+            <a:schemeClr val="accent1">
+              <a:shade val="50000"/>
+            </a:schemeClr>
+          </a:lnRef>
+          <a:fillRef idx="1">
+            <a:schemeClr val="accent1"/>
+          </a:fillRef>
+          <a:effectRef idx="0">
+            <a:schemeClr val="accent1"/>
+          </a:effectRef>
+          <a:fontRef idx="minor">
+            <a:schemeClr val="lt1"/>
+          </a:fontRef>
+        </p:style>
+        <p:txBody>
+          <a:bodyPr rtlCol="0" anchor="ctr"/>
+          <a:lstStyle/>
+          <a:p>
+            <a:pPr algn="ctr"/>
+            <a:endParaRPr lang="zh-CN" altLang="en-US"/>
+          </a:p>
+        </p:txBody>
+      </p:sp>
+      <p:sp>
+        <p:nvSpPr>
+          <p:cNvPr id="143" name="文本框 142"/>
+          <p:cNvSpPr txBox="1"/>
+          <p:nvPr/>
+        </p:nvSpPr>
+        <p:spPr>
+          <a:xfrm>
+            <a:off x="46079" y="3236795"/>
+            <a:ext cx="1739579" cy="338554"/>
+          </a:xfrm>
+          <a:prstGeom prst="rect">
+            <a:avLst/>
+          </a:prstGeom>
+          <a:solidFill>
+            <a:srgbClr val="E9DDBD"/>
+          </a:solidFill>
+          <a:ln w="38100">
+            <a:solidFill>
+              <a:schemeClr val="tx1"/>
+            </a:solidFill>
+          </a:ln>
+        </p:spPr>
+        <p:txBody>
+          <a:bodyPr wrap="square" rtlCol="0">
+            <a:spAutoFit/>
+          </a:bodyPr>
+          <a:lstStyle/>
+          <a:p>
+            <a:r>
+              <a:rPr lang="en-US" altLang="zh-CN" sz="1600" b="1" dirty="0" smtClean="0">
+                <a:latin typeface="等线" panose="02010600030101010101" pitchFamily="2" charset="-122"/>
+                <a:ea typeface="等线" panose="02010600030101010101" pitchFamily="2" charset="-122"/>
+              </a:rPr>
+              <a:t>search</a:t>
+            </a:r>
+            <a:endParaRPr lang="zh-CN" altLang="en-US" sz="1600" b="1" dirty="0">
+              <a:latin typeface="等线" panose="02010600030101010101" pitchFamily="2" charset="-122"/>
+              <a:ea typeface="等线" panose="02010600030101010101" pitchFamily="2" charset="-122"/>
+            </a:endParaRPr>
+          </a:p>
+        </p:txBody>
+      </p:sp>
+      <p:sp>
+        <p:nvSpPr>
+          <p:cNvPr id="144" name="等腰三角形 143"/>
+          <p:cNvSpPr/>
+          <p:nvPr/>
+        </p:nvSpPr>
+        <p:spPr>
+          <a:xfrm flipV="1">
+            <a:off x="1512864" y="3370075"/>
+            <a:ext cx="189031" cy="173217"/>
+          </a:xfrm>
+          <a:prstGeom prst="triangle">
+            <a:avLst/>
+          </a:prstGeom>
+          <a:solidFill>
+            <a:schemeClr val="tx1"/>
+          </a:solidFill>
+        </p:spPr>
+        <p:style>
+          <a:lnRef idx="2">
+            <a:schemeClr val="accent1">
+              <a:shade val="50000"/>
+            </a:schemeClr>
+          </a:lnRef>
+          <a:fillRef idx="1">
+            <a:schemeClr val="accent1"/>
+          </a:fillRef>
+          <a:effectRef idx="0">
+            <a:schemeClr val="accent1"/>
+          </a:effectRef>
+          <a:fontRef idx="minor">
+            <a:schemeClr val="lt1"/>
+          </a:fontRef>
+        </p:style>
+        <p:txBody>
+          <a:bodyPr rtlCol="0" anchor="ctr"/>
+          <a:lstStyle/>
+          <a:p>
+            <a:pPr algn="ctr"/>
+            <a:endParaRPr lang="zh-CN" altLang="en-US"/>
+          </a:p>
+        </p:txBody>
+      </p:sp>
+      <p:sp>
+        <p:nvSpPr>
+          <p:cNvPr id="3" name="加号 2"/>
+          <p:cNvSpPr/>
+          <p:nvPr/>
+        </p:nvSpPr>
+        <p:spPr>
+          <a:xfrm>
+            <a:off x="1567008" y="1965699"/>
+            <a:ext cx="308974" cy="266402"/>
+          </a:xfrm>
+          <a:prstGeom prst="mathPlus">
+            <a:avLst/>
+          </a:prstGeom>
+          <a:solidFill>
+            <a:schemeClr val="bg1"/>
+          </a:solidFill>
+          <a:ln>
+            <a:solidFill>
+              <a:schemeClr val="tx1"/>
+            </a:solidFill>
+          </a:ln>
+        </p:spPr>
+        <p:style>
+          <a:lnRef idx="2">
+            <a:schemeClr val="accent1">
+              <a:shade val="50000"/>
+            </a:schemeClr>
+          </a:lnRef>
+          <a:fillRef idx="1">
+            <a:schemeClr val="accent1"/>
+          </a:fillRef>
+          <a:effectRef idx="0">
+            <a:schemeClr val="accent1"/>
+          </a:effectRef>
+          <a:fontRef idx="minor">
+            <a:schemeClr val="lt1"/>
+          </a:fontRef>
+        </p:style>
+        <p:txBody>
+          <a:bodyPr rtlCol="0" anchor="ctr"/>
+          <a:lstStyle/>
+          <a:p>
+            <a:pPr algn="ctr"/>
+            <a:endParaRPr lang="zh-CN" altLang="en-US"/>
+          </a:p>
+        </p:txBody>
+      </p:sp>
+      <p:sp>
+        <p:nvSpPr>
+          <p:cNvPr id="96" name="等腰三角形 95"/>
+          <p:cNvSpPr/>
+          <p:nvPr/>
+        </p:nvSpPr>
+        <p:spPr>
+          <a:xfrm flipV="1">
+            <a:off x="3874505" y="402136"/>
+            <a:ext cx="189031" cy="173217"/>
+          </a:xfrm>
+          <a:prstGeom prst="triangle">
+            <a:avLst/>
+          </a:prstGeom>
+          <a:solidFill>
+            <a:srgbClr val="FFFF00"/>
+          </a:solidFill>
+        </p:spPr>
+        <p:style>
+          <a:lnRef idx="2">
+            <a:schemeClr val="accent1">
+              <a:shade val="50000"/>
+            </a:schemeClr>
+          </a:lnRef>
+          <a:fillRef idx="1">
+            <a:schemeClr val="accent1"/>
+          </a:fillRef>
+          <a:effectRef idx="0">
+            <a:schemeClr val="accent1"/>
+          </a:effectRef>
+          <a:fontRef idx="minor">
+            <a:schemeClr val="lt1"/>
+          </a:fontRef>
+        </p:style>
+        <p:txBody>
+          <a:bodyPr rtlCol="0" anchor="ctr"/>
+          <a:lstStyle/>
+          <a:p>
+            <a:pPr algn="ctr"/>
+            <a:endParaRPr lang="zh-CN" altLang="en-US"/>
+          </a:p>
+        </p:txBody>
+      </p:sp>
+      <p:sp>
+        <p:nvSpPr>
+          <p:cNvPr id="101" name="加号 100"/>
+          <p:cNvSpPr/>
+          <p:nvPr/>
+        </p:nvSpPr>
+        <p:spPr>
+          <a:xfrm>
+            <a:off x="10171685" y="2320578"/>
+            <a:ext cx="308974" cy="266402"/>
+          </a:xfrm>
+          <a:prstGeom prst="mathPlus">
+            <a:avLst/>
+          </a:prstGeom>
+          <a:solidFill>
+            <a:schemeClr val="bg1"/>
+          </a:solidFill>
+          <a:ln>
+            <a:solidFill>
+              <a:schemeClr val="tx1"/>
+            </a:solidFill>
+          </a:ln>
+        </p:spPr>
+        <p:style>
+          <a:lnRef idx="2">
+            <a:schemeClr val="accent1">
+              <a:shade val="50000"/>
+            </a:schemeClr>
+          </a:lnRef>
+          <a:fillRef idx="1">
+            <a:schemeClr val="accent1"/>
+          </a:fillRef>
+          <a:effectRef idx="0">
+            <a:schemeClr val="accent1"/>
+          </a:effectRef>
+          <a:fontRef idx="minor">
+            <a:schemeClr val="lt1"/>
+          </a:fontRef>
+        </p:style>
+        <p:txBody>
+          <a:bodyPr rtlCol="0" anchor="ctr"/>
+          <a:lstStyle/>
+          <a:p>
+            <a:pPr algn="ctr"/>
+            <a:endParaRPr lang="zh-CN" altLang="en-US"/>
+          </a:p>
+        </p:txBody>
+      </p:sp>
+      <p:sp>
+        <p:nvSpPr>
+          <p:cNvPr id="103" name="等腰三角形 102"/>
+          <p:cNvSpPr/>
+          <p:nvPr/>
+        </p:nvSpPr>
+        <p:spPr>
+          <a:xfrm flipV="1">
+            <a:off x="1227003" y="2016784"/>
+            <a:ext cx="189031" cy="173217"/>
+          </a:xfrm>
+          <a:prstGeom prst="triangle">
+            <a:avLst/>
+          </a:prstGeom>
+          <a:solidFill>
+            <a:schemeClr val="tx1"/>
+          </a:solidFill>
+        </p:spPr>
+        <p:style>
+          <a:lnRef idx="2">
+            <a:schemeClr val="accent1">
+              <a:shade val="50000"/>
+            </a:schemeClr>
+          </a:lnRef>
+          <a:fillRef idx="1">
+            <a:schemeClr val="accent1"/>
+          </a:fillRef>
+          <a:effectRef idx="0">
+            <a:schemeClr val="accent1"/>
+          </a:effectRef>
+          <a:fontRef idx="minor">
+            <a:schemeClr val="lt1"/>
+          </a:fontRef>
+        </p:style>
+        <p:txBody>
+          <a:bodyPr rtlCol="0" anchor="ctr"/>
+          <a:lstStyle/>
+          <a:p>
+            <a:pPr algn="ctr"/>
+            <a:endParaRPr lang="zh-CN" altLang="en-US"/>
+          </a:p>
+        </p:txBody>
+      </p:sp>
+      <p:sp>
+        <p:nvSpPr>
+          <p:cNvPr id="115" name="文本框 114"/>
+          <p:cNvSpPr txBox="1"/>
+          <p:nvPr/>
+        </p:nvSpPr>
+        <p:spPr>
+          <a:xfrm>
+            <a:off x="4524019" y="321073"/>
+            <a:ext cx="1681978" cy="338554"/>
+          </a:xfrm>
+          <a:prstGeom prst="rect">
+            <a:avLst/>
+          </a:prstGeom>
+          <a:solidFill>
+            <a:srgbClr val="66FF66"/>
+          </a:solidFill>
+          <a:ln w="25400">
+            <a:solidFill>
+              <a:schemeClr val="tx1"/>
+            </a:solidFill>
+          </a:ln>
+        </p:spPr>
+        <p:txBody>
+          <a:bodyPr wrap="square" rtlCol="0">
+            <a:spAutoFit/>
+          </a:bodyPr>
+          <a:lstStyle/>
+          <a:p>
+            <a:r>
+              <a:rPr lang="en-US" altLang="zh-CN" sz="1600" b="1" dirty="0" err="1" smtClean="0">
+                <a:latin typeface="等线" panose="02010600030101010101" pitchFamily="2" charset="-122"/>
+                <a:ea typeface="等线" panose="02010600030101010101" pitchFamily="2" charset="-122"/>
+              </a:rPr>
+              <a:t>anim</a:t>
+            </a:r>
+            <a:endParaRPr lang="zh-CN" altLang="en-US" sz="1600" b="1" dirty="0">
+              <a:latin typeface="等线" panose="02010600030101010101" pitchFamily="2" charset="-122"/>
+              <a:ea typeface="等线" panose="02010600030101010101" pitchFamily="2" charset="-122"/>
+            </a:endParaRPr>
+          </a:p>
+        </p:txBody>
+      </p:sp>
+      <p:sp>
+        <p:nvSpPr>
+          <p:cNvPr id="118" name="等腰三角形 117"/>
+          <p:cNvSpPr/>
+          <p:nvPr/>
+        </p:nvSpPr>
+        <p:spPr>
+          <a:xfrm flipV="1">
+            <a:off x="5946380" y="390988"/>
+            <a:ext cx="189031" cy="173217"/>
+          </a:xfrm>
+          <a:prstGeom prst="triangle">
+            <a:avLst/>
+          </a:prstGeom>
+          <a:solidFill>
+            <a:srgbClr val="FFFF00"/>
+          </a:solidFill>
+        </p:spPr>
+        <p:style>
+          <a:lnRef idx="2">
+            <a:schemeClr val="accent1">
+              <a:shade val="50000"/>
+            </a:schemeClr>
+          </a:lnRef>
+          <a:fillRef idx="1">
+            <a:schemeClr val="accent1"/>
+          </a:fillRef>
+          <a:effectRef idx="0">
+            <a:schemeClr val="accent1"/>
+          </a:effectRef>
+          <a:fontRef idx="minor">
+            <a:schemeClr val="lt1"/>
+          </a:fontRef>
+        </p:style>
+        <p:txBody>
+          <a:bodyPr rtlCol="0" anchor="ctr"/>
+          <a:lstStyle/>
+          <a:p>
+            <a:pPr algn="ctr"/>
+            <a:endParaRPr lang="zh-CN" altLang="en-US"/>
+          </a:p>
+        </p:txBody>
+      </p:sp>
+      <p:sp>
+        <p:nvSpPr>
+          <p:cNvPr id="119" name="矩形 118"/>
+          <p:cNvSpPr/>
+          <p:nvPr/>
+        </p:nvSpPr>
+        <p:spPr>
+          <a:xfrm>
+            <a:off x="6090833" y="658784"/>
+            <a:ext cx="127863" cy="2020601"/>
+          </a:xfrm>
+          <a:prstGeom prst="rect">
+            <a:avLst/>
+          </a:prstGeom>
+          <a:solidFill>
+            <a:srgbClr val="57564D"/>
+          </a:solidFill>
+          <a:ln>
+            <a:noFill/>
+          </a:ln>
+        </p:spPr>
+        <p:style>
+          <a:lnRef idx="2">
+            <a:schemeClr val="accent1">
+              <a:shade val="50000"/>
+            </a:schemeClr>
+          </a:lnRef>
+          <a:fillRef idx="1">
+            <a:schemeClr val="accent1"/>
+          </a:fillRef>
+          <a:effectRef idx="0">
+            <a:schemeClr val="accent1"/>
+          </a:effectRef>
+          <a:fontRef idx="minor">
+            <a:schemeClr val="lt1"/>
+          </a:fontRef>
+        </p:style>
+        <p:txBody>
+          <a:bodyPr rtlCol="0" anchor="ctr"/>
+          <a:lstStyle/>
+          <a:p>
+            <a:pPr algn="ctr"/>
+            <a:endParaRPr lang="zh-CN" altLang="en-US"/>
+          </a:p>
+        </p:txBody>
+      </p:sp>
+      <p:sp>
+        <p:nvSpPr>
+          <p:cNvPr id="116" name="圆角矩形 115"/>
+          <p:cNvSpPr/>
+          <p:nvPr/>
+        </p:nvSpPr>
+        <p:spPr>
+          <a:xfrm>
+            <a:off x="6084335" y="1066418"/>
+            <a:ext cx="144000" cy="1096310"/>
+          </a:xfrm>
+          <a:prstGeom prst="roundRect">
+            <a:avLst/>
+          </a:prstGeom>
+          <a:solidFill>
+            <a:schemeClr val="bg1">
+              <a:lumMod val="85000"/>
+            </a:schemeClr>
+          </a:solidFill>
+          <a:ln w="12700"/>
+        </p:spPr>
+        <p:style>
+          <a:lnRef idx="2">
+            <a:schemeClr val="accent1">
+              <a:shade val="50000"/>
+            </a:schemeClr>
+          </a:lnRef>
+          <a:fillRef idx="1">
+            <a:schemeClr val="accent1"/>
+          </a:fillRef>
+          <a:effectRef idx="0">
+            <a:schemeClr val="accent1"/>
+          </a:effectRef>
+          <a:fontRef idx="minor">
+            <a:schemeClr val="lt1"/>
+          </a:fontRef>
+        </p:style>
+        <p:txBody>
+          <a:bodyPr rtlCol="0" anchor="ctr"/>
+          <a:lstStyle/>
+          <a:p>
+            <a:pPr algn="ctr"/>
+            <a:endParaRPr lang="zh-CN" altLang="en-US"/>
+          </a:p>
+        </p:txBody>
+      </p:sp>
+      <p:sp>
+        <p:nvSpPr>
+          <p:cNvPr id="117" name="矩形 116"/>
+          <p:cNvSpPr/>
+          <p:nvPr/>
+        </p:nvSpPr>
+        <p:spPr>
+          <a:xfrm flipH="1" flipV="1">
+            <a:off x="6084335" y="1366801"/>
+            <a:ext cx="144000" cy="252000"/>
+          </a:xfrm>
+          <a:prstGeom prst="rect">
+            <a:avLst/>
+          </a:prstGeom>
+          <a:solidFill>
+            <a:srgbClr val="66FF66"/>
+          </a:solidFill>
+          <a:ln>
+            <a:solidFill>
+              <a:schemeClr val="tx1"/>
+            </a:solidFill>
+          </a:ln>
+        </p:spPr>
+        <p:style>
+          <a:lnRef idx="2">
+            <a:schemeClr val="accent1">
+              <a:shade val="50000"/>
+            </a:schemeClr>
+          </a:lnRef>
+          <a:fillRef idx="1">
+            <a:schemeClr val="accent1"/>
+          </a:fillRef>
+          <a:effectRef idx="0">
+            <a:schemeClr val="accent1"/>
+          </a:effectRef>
+          <a:fontRef idx="minor">
+            <a:schemeClr val="lt1"/>
+          </a:fontRef>
+        </p:style>
+        <p:txBody>
+          <a:bodyPr rtlCol="0" anchor="ctr"/>
+          <a:lstStyle/>
+          <a:p>
+            <a:pPr algn="ctr"/>
+            <a:endParaRPr lang="zh-CN" altLang="en-US"/>
+          </a:p>
+        </p:txBody>
+      </p:sp>
+      <p:sp>
+        <p:nvSpPr>
+          <p:cNvPr id="124" name="矩形 123"/>
+          <p:cNvSpPr/>
+          <p:nvPr/>
+        </p:nvSpPr>
+        <p:spPr>
+          <a:xfrm flipH="1" flipV="1">
+            <a:off x="3984322" y="1635211"/>
+            <a:ext cx="144000" cy="252000"/>
+          </a:xfrm>
+          <a:prstGeom prst="rect">
+            <a:avLst/>
+          </a:prstGeom>
+          <a:solidFill>
+            <a:srgbClr val="66FF66"/>
+          </a:solidFill>
+          <a:ln>
+            <a:solidFill>
+              <a:schemeClr val="tx1"/>
+            </a:solidFill>
+          </a:ln>
+        </p:spPr>
+        <p:style>
+          <a:lnRef idx="2">
+            <a:schemeClr val="accent1">
+              <a:shade val="50000"/>
+            </a:schemeClr>
+          </a:lnRef>
+          <a:fillRef idx="1">
+            <a:schemeClr val="accent1"/>
+          </a:fillRef>
+          <a:effectRef idx="0">
+            <a:schemeClr val="accent1"/>
+          </a:effectRef>
+          <a:fontRef idx="minor">
+            <a:schemeClr val="lt1"/>
+          </a:fontRef>
+        </p:style>
+        <p:txBody>
+          <a:bodyPr rtlCol="0" anchor="ctr"/>
+          <a:lstStyle/>
+          <a:p>
+            <a:pPr algn="ctr"/>
+            <a:endParaRPr lang="zh-CN" altLang="en-US"/>
+          </a:p>
+        </p:txBody>
+      </p:sp>
+      <p:sp>
+        <p:nvSpPr>
+          <p:cNvPr id="130" name="文本框 129"/>
+          <p:cNvSpPr txBox="1"/>
+          <p:nvPr/>
+        </p:nvSpPr>
+        <p:spPr>
+          <a:xfrm>
+            <a:off x="1985539" y="1164930"/>
+            <a:ext cx="1991347" cy="338554"/>
+          </a:xfrm>
+          <a:prstGeom prst="rect">
+            <a:avLst/>
+          </a:prstGeom>
+          <a:solidFill>
+            <a:srgbClr val="ED6D6B"/>
+          </a:solidFill>
+          <a:ln w="25400">
+            <a:solidFill>
+              <a:schemeClr val="tx1"/>
+            </a:solidFill>
+          </a:ln>
+        </p:spPr>
+        <p:txBody>
+          <a:bodyPr wrap="square" rtlCol="0">
+            <a:spAutoFit/>
+          </a:bodyPr>
+          <a:lstStyle/>
+          <a:p>
+            <a:r>
+              <a:rPr lang="en-US" altLang="zh-CN" sz="1600" b="1" dirty="0" smtClean="0">
+                <a:latin typeface="等线" panose="02010600030101010101" pitchFamily="2" charset="-122"/>
+                <a:ea typeface="等线" panose="02010600030101010101" pitchFamily="2" charset="-122"/>
+              </a:rPr>
+              <a:t>ped_04</a:t>
+            </a:r>
+            <a:endParaRPr lang="zh-CN" altLang="en-US" sz="1600" b="1" dirty="0">
+              <a:latin typeface="等线" panose="02010600030101010101" pitchFamily="2" charset="-122"/>
+              <a:ea typeface="等线" panose="02010600030101010101" pitchFamily="2" charset="-122"/>
+            </a:endParaRPr>
+          </a:p>
+        </p:txBody>
+      </p:sp>
+      <p:sp>
+        <p:nvSpPr>
+          <p:cNvPr id="131" name="文本框 130"/>
+          <p:cNvSpPr txBox="1"/>
+          <p:nvPr/>
+        </p:nvSpPr>
+        <p:spPr>
+          <a:xfrm>
+            <a:off x="1975642" y="826243"/>
+            <a:ext cx="1991347" cy="338554"/>
+          </a:xfrm>
+          <a:prstGeom prst="rect">
+            <a:avLst/>
+          </a:prstGeom>
+          <a:solidFill>
+            <a:srgbClr val="ED6D6B"/>
+          </a:solidFill>
+          <a:ln w="25400">
+            <a:solidFill>
+              <a:schemeClr val="tx1"/>
+            </a:solidFill>
+          </a:ln>
+        </p:spPr>
+        <p:txBody>
+          <a:bodyPr wrap="square" rtlCol="0">
+            <a:spAutoFit/>
+          </a:bodyPr>
+          <a:lstStyle/>
+          <a:p>
+            <a:r>
+              <a:rPr lang="en-US" altLang="zh-CN" sz="1600" b="1" dirty="0" smtClean="0">
+                <a:latin typeface="等线" panose="02010600030101010101" pitchFamily="2" charset="-122"/>
+                <a:ea typeface="等线" panose="02010600030101010101" pitchFamily="2" charset="-122"/>
+              </a:rPr>
+              <a:t>ped_03</a:t>
+            </a:r>
+            <a:endParaRPr lang="zh-CN" altLang="en-US" sz="1600" b="1" dirty="0">
+              <a:latin typeface="等线" panose="02010600030101010101" pitchFamily="2" charset="-122"/>
+              <a:ea typeface="等线" panose="02010600030101010101" pitchFamily="2" charset="-122"/>
+            </a:endParaRPr>
+          </a:p>
+        </p:txBody>
+      </p:sp>
+      <p:sp>
+        <p:nvSpPr>
+          <p:cNvPr id="133" name="文本框 132"/>
+          <p:cNvSpPr txBox="1"/>
+          <p:nvPr/>
+        </p:nvSpPr>
+        <p:spPr>
+          <a:xfrm>
+            <a:off x="1985008" y="1846451"/>
+            <a:ext cx="1991347" cy="338554"/>
+          </a:xfrm>
+          <a:prstGeom prst="rect">
+            <a:avLst/>
+          </a:prstGeom>
+          <a:solidFill>
+            <a:srgbClr val="ED6D6B"/>
+          </a:solidFill>
+          <a:ln w="25400">
+            <a:solidFill>
+              <a:schemeClr val="tx1"/>
+            </a:solidFill>
+          </a:ln>
+        </p:spPr>
+        <p:txBody>
+          <a:bodyPr wrap="square" rtlCol="0">
+            <a:spAutoFit/>
+          </a:bodyPr>
+          <a:lstStyle/>
+          <a:p>
+            <a:r>
+              <a:rPr lang="en-US" altLang="zh-CN" sz="1600" b="1" dirty="0" smtClean="0">
+                <a:latin typeface="等线" panose="02010600030101010101" pitchFamily="2" charset="-122"/>
+                <a:ea typeface="等线" panose="02010600030101010101" pitchFamily="2" charset="-122"/>
+              </a:rPr>
+              <a:t>ped_06</a:t>
+            </a:r>
+            <a:endParaRPr lang="zh-CN" altLang="en-US" sz="1600" b="1" dirty="0">
+              <a:latin typeface="等线" panose="02010600030101010101" pitchFamily="2" charset="-122"/>
+              <a:ea typeface="等线" panose="02010600030101010101" pitchFamily="2" charset="-122"/>
+            </a:endParaRPr>
+          </a:p>
+        </p:txBody>
+      </p:sp>
+      <p:sp>
+        <p:nvSpPr>
+          <p:cNvPr id="134" name="文本框 133"/>
+          <p:cNvSpPr txBox="1"/>
+          <p:nvPr/>
+        </p:nvSpPr>
+        <p:spPr>
+          <a:xfrm>
+            <a:off x="1973682" y="2189418"/>
+            <a:ext cx="1991347" cy="338554"/>
+          </a:xfrm>
+          <a:prstGeom prst="rect">
+            <a:avLst/>
+          </a:prstGeom>
+          <a:solidFill>
+            <a:srgbClr val="ED6D6B"/>
+          </a:solidFill>
+          <a:ln w="25400">
+            <a:solidFill>
+              <a:schemeClr val="tx1"/>
+            </a:solidFill>
+          </a:ln>
+        </p:spPr>
+        <p:txBody>
+          <a:bodyPr wrap="square" rtlCol="0">
+            <a:spAutoFit/>
+          </a:bodyPr>
+          <a:lstStyle/>
+          <a:p>
+            <a:r>
+              <a:rPr lang="en-US" altLang="zh-CN" sz="1600" b="1" dirty="0" smtClean="0">
+                <a:latin typeface="等线" panose="02010600030101010101" pitchFamily="2" charset="-122"/>
+                <a:ea typeface="等线" panose="02010600030101010101" pitchFamily="2" charset="-122"/>
+              </a:rPr>
+              <a:t>ped_07</a:t>
+            </a:r>
+            <a:endParaRPr lang="zh-CN" altLang="en-US" sz="1600" b="1" dirty="0">
+              <a:latin typeface="等线" panose="02010600030101010101" pitchFamily="2" charset="-122"/>
+              <a:ea typeface="等线" panose="02010600030101010101" pitchFamily="2" charset="-122"/>
+            </a:endParaRPr>
+          </a:p>
+        </p:txBody>
+      </p:sp>
+      <p:sp>
+        <p:nvSpPr>
+          <p:cNvPr id="13" name="矩形 12"/>
+          <p:cNvSpPr/>
+          <p:nvPr/>
+        </p:nvSpPr>
+        <p:spPr>
+          <a:xfrm>
+            <a:off x="1984059" y="2497822"/>
+            <a:ext cx="1990800" cy="178317"/>
+          </a:xfrm>
+          <a:prstGeom prst="rect">
+            <a:avLst/>
+          </a:prstGeom>
+          <a:solidFill>
+            <a:srgbClr val="ED6D6B"/>
+          </a:solidFill>
+          <a:ln w="25400">
+            <a:solidFill>
+              <a:schemeClr val="tx1"/>
+            </a:solidFill>
+          </a:ln>
+        </p:spPr>
+        <p:style>
+          <a:lnRef idx="2">
+            <a:schemeClr val="accent1">
+              <a:shade val="50000"/>
+            </a:schemeClr>
+          </a:lnRef>
+          <a:fillRef idx="1">
+            <a:schemeClr val="accent1"/>
+          </a:fillRef>
+          <a:effectRef idx="0">
+            <a:schemeClr val="accent1"/>
+          </a:effectRef>
+          <a:fontRef idx="minor">
+            <a:schemeClr val="lt1"/>
+          </a:fontRef>
+        </p:style>
+        <p:txBody>
+          <a:bodyPr rtlCol="0" anchor="ctr"/>
+          <a:lstStyle/>
+          <a:p>
+            <a:pPr algn="ctr"/>
+            <a:endParaRPr lang="zh-CN" altLang="en-US"/>
+          </a:p>
+        </p:txBody>
+      </p:sp>
+      <p:sp>
+        <p:nvSpPr>
+          <p:cNvPr id="152" name="文本框 151"/>
+          <p:cNvSpPr txBox="1"/>
+          <p:nvPr/>
+        </p:nvSpPr>
+        <p:spPr>
+          <a:xfrm>
+            <a:off x="46079" y="169454"/>
+            <a:ext cx="864000" cy="369332"/>
+          </a:xfrm>
+          <a:prstGeom prst="rect">
+            <a:avLst/>
+          </a:prstGeom>
+          <a:solidFill>
+            <a:srgbClr val="AFABAB"/>
+          </a:solidFill>
+          <a:ln w="25400">
+            <a:solidFill>
+              <a:schemeClr val="tx1"/>
+            </a:solidFill>
+          </a:ln>
+        </p:spPr>
+        <p:txBody>
+          <a:bodyPr wrap="square" rtlCol="0">
+            <a:spAutoFit/>
+          </a:bodyPr>
+          <a:lstStyle/>
+          <a:p>
+            <a:pPr algn="ctr"/>
+            <a:r>
+              <a:rPr lang="en-US" altLang="zh-CN" b="1" dirty="0" smtClean="0">
+                <a:latin typeface="等线" panose="02010600030101010101" pitchFamily="2" charset="-122"/>
+                <a:ea typeface="等线" panose="02010600030101010101" pitchFamily="2" charset="-122"/>
+              </a:rPr>
+              <a:t>PLAY</a:t>
+            </a:r>
+            <a:endParaRPr lang="zh-CN" altLang="en-US" b="1" dirty="0">
+              <a:latin typeface="等线" panose="02010600030101010101" pitchFamily="2" charset="-122"/>
+              <a:ea typeface="等线" panose="02010600030101010101" pitchFamily="2" charset="-122"/>
+            </a:endParaRPr>
+          </a:p>
+        </p:txBody>
+      </p:sp>
+      <p:sp>
+        <p:nvSpPr>
+          <p:cNvPr id="153" name="文本框 152"/>
+          <p:cNvSpPr txBox="1"/>
+          <p:nvPr/>
+        </p:nvSpPr>
+        <p:spPr>
+          <a:xfrm>
+            <a:off x="922823" y="169454"/>
+            <a:ext cx="864000" cy="369332"/>
+          </a:xfrm>
+          <a:prstGeom prst="rect">
+            <a:avLst/>
+          </a:prstGeom>
+          <a:solidFill>
+            <a:srgbClr val="66FF66"/>
+          </a:solidFill>
+          <a:ln w="25400">
+            <a:solidFill>
+              <a:schemeClr val="tx1"/>
+            </a:solidFill>
+          </a:ln>
+        </p:spPr>
+        <p:txBody>
+          <a:bodyPr wrap="square" rtlCol="0">
+            <a:spAutoFit/>
+          </a:bodyPr>
+          <a:lstStyle>
+            <a:defPPr>
+              <a:defRPr lang="zh-CN"/>
+            </a:defPPr>
+            <a:lvl1pPr>
+              <a:defRPr sz="2000" b="1">
+                <a:latin typeface="等线" panose="02010600030101010101" pitchFamily="2" charset="-122"/>
+                <a:ea typeface="等线" panose="02010600030101010101" pitchFamily="2" charset="-122"/>
+              </a:defRPr>
+            </a:lvl1pPr>
+          </a:lstStyle>
+          <a:p>
+            <a:pPr algn="ctr"/>
+            <a:r>
+              <a:rPr lang="en-US" altLang="zh-CN" sz="1800" dirty="0"/>
+              <a:t>EDIT</a:t>
+            </a:r>
+            <a:endParaRPr lang="zh-CN" altLang="en-US" sz="1800" dirty="0"/>
+          </a:p>
+        </p:txBody>
+      </p:sp>
+      <p:sp>
+        <p:nvSpPr>
+          <p:cNvPr id="154" name="文本框 153"/>
+          <p:cNvSpPr txBox="1"/>
+          <p:nvPr/>
+        </p:nvSpPr>
+        <p:spPr>
+          <a:xfrm>
+            <a:off x="46079" y="543776"/>
+            <a:ext cx="864000" cy="369332"/>
+          </a:xfrm>
+          <a:prstGeom prst="rect">
+            <a:avLst/>
+          </a:prstGeom>
+          <a:solidFill>
+            <a:srgbClr val="AFABAB"/>
+          </a:solidFill>
+          <a:ln w="25400">
+            <a:solidFill>
+              <a:schemeClr val="tx1"/>
+            </a:solidFill>
+          </a:ln>
+        </p:spPr>
+        <p:txBody>
+          <a:bodyPr wrap="square" rtlCol="0">
+            <a:spAutoFit/>
+          </a:bodyPr>
+          <a:lstStyle>
+            <a:defPPr>
+              <a:defRPr lang="zh-CN"/>
+            </a:defPPr>
+            <a:lvl1pPr algn="ctr">
+              <a:defRPr sz="2000" b="1">
+                <a:latin typeface="等线" panose="02010600030101010101" pitchFamily="2" charset="-122"/>
+                <a:ea typeface="等线" panose="02010600030101010101" pitchFamily="2" charset="-122"/>
+              </a:defRPr>
+            </a:lvl1pPr>
+          </a:lstStyle>
+          <a:p>
+            <a:r>
+              <a:rPr lang="en-US" altLang="zh-CN" sz="1800" dirty="0" smtClean="0"/>
+              <a:t>REC</a:t>
+            </a:r>
+            <a:endParaRPr lang="zh-CN" altLang="en-US" sz="1800" dirty="0"/>
+          </a:p>
+        </p:txBody>
+      </p:sp>
+      <p:sp>
+        <p:nvSpPr>
+          <p:cNvPr id="155" name="文本框 154"/>
+          <p:cNvSpPr txBox="1"/>
+          <p:nvPr/>
+        </p:nvSpPr>
+        <p:spPr>
+          <a:xfrm>
+            <a:off x="921658" y="543776"/>
+            <a:ext cx="864000" cy="369332"/>
+          </a:xfrm>
+          <a:prstGeom prst="rect">
+            <a:avLst/>
+          </a:prstGeom>
+          <a:solidFill>
+            <a:srgbClr val="AFABAB"/>
+          </a:solidFill>
+          <a:ln w="25400">
+            <a:solidFill>
+              <a:schemeClr val="tx1"/>
+            </a:solidFill>
+          </a:ln>
+        </p:spPr>
+        <p:txBody>
+          <a:bodyPr wrap="square" rtlCol="0">
+            <a:spAutoFit/>
+          </a:bodyPr>
+          <a:lstStyle>
+            <a:defPPr>
+              <a:defRPr lang="zh-CN"/>
+            </a:defPPr>
+            <a:lvl1pPr algn="ctr">
+              <a:defRPr sz="2000" b="1">
+                <a:latin typeface="等线" panose="02010600030101010101" pitchFamily="2" charset="-122"/>
+                <a:ea typeface="等线" panose="02010600030101010101" pitchFamily="2" charset="-122"/>
+              </a:defRPr>
+            </a:lvl1pPr>
+          </a:lstStyle>
+          <a:p>
+            <a:r>
+              <a:rPr lang="en-US" altLang="zh-CN" sz="1800" dirty="0" smtClean="0"/>
+              <a:t>SPWN</a:t>
+            </a:r>
+            <a:endParaRPr lang="zh-CN" altLang="en-US" sz="1800" dirty="0"/>
+          </a:p>
+        </p:txBody>
+      </p:sp>
+      <p:sp>
+        <p:nvSpPr>
+          <p:cNvPr id="156" name="文本框 155"/>
+          <p:cNvSpPr txBox="1"/>
+          <p:nvPr/>
+        </p:nvSpPr>
+        <p:spPr>
+          <a:xfrm>
+            <a:off x="46884" y="926390"/>
+            <a:ext cx="864000" cy="369332"/>
+          </a:xfrm>
+          <a:prstGeom prst="rect">
+            <a:avLst/>
+          </a:prstGeom>
+          <a:solidFill>
+            <a:srgbClr val="AFABAB"/>
+          </a:solidFill>
+          <a:ln w="25400">
+            <a:solidFill>
+              <a:schemeClr val="tx1"/>
+            </a:solidFill>
+          </a:ln>
+        </p:spPr>
+        <p:txBody>
+          <a:bodyPr wrap="square" rtlCol="0">
+            <a:spAutoFit/>
+          </a:bodyPr>
+          <a:lstStyle>
+            <a:defPPr>
+              <a:defRPr lang="zh-CN"/>
+            </a:defPPr>
+            <a:lvl1pPr algn="ctr">
+              <a:defRPr sz="2000" b="1">
+                <a:latin typeface="等线" panose="02010600030101010101" pitchFamily="2" charset="-122"/>
+                <a:ea typeface="等线" panose="02010600030101010101" pitchFamily="2" charset="-122"/>
+              </a:defRPr>
+            </a:lvl1pPr>
+          </a:lstStyle>
+          <a:p>
+            <a:r>
+              <a:rPr lang="en-US" altLang="zh-CN" sz="1800" dirty="0" smtClean="0"/>
+              <a:t>REND</a:t>
+            </a:r>
+            <a:endParaRPr lang="zh-CN" altLang="en-US" sz="1800" dirty="0"/>
+          </a:p>
+        </p:txBody>
+      </p:sp>
+      <p:sp>
+        <p:nvSpPr>
+          <p:cNvPr id="157" name="文本框 156"/>
+          <p:cNvSpPr txBox="1"/>
+          <p:nvPr/>
+        </p:nvSpPr>
+        <p:spPr>
+          <a:xfrm>
+            <a:off x="922463" y="926390"/>
+            <a:ext cx="864000" cy="369332"/>
+          </a:xfrm>
+          <a:prstGeom prst="rect">
+            <a:avLst/>
+          </a:prstGeom>
+          <a:solidFill>
+            <a:srgbClr val="AFABAB"/>
+          </a:solidFill>
+          <a:ln w="25400">
+            <a:solidFill>
+              <a:schemeClr val="tx1"/>
+            </a:solidFill>
+          </a:ln>
+        </p:spPr>
+        <p:txBody>
+          <a:bodyPr wrap="square" rtlCol="0">
+            <a:spAutoFit/>
+          </a:bodyPr>
+          <a:lstStyle>
+            <a:defPPr>
+              <a:defRPr lang="zh-CN"/>
+            </a:defPPr>
+            <a:lvl1pPr algn="ctr">
+              <a:defRPr sz="2000" b="1">
+                <a:latin typeface="等线" panose="02010600030101010101" pitchFamily="2" charset="-122"/>
+                <a:ea typeface="等线" panose="02010600030101010101" pitchFamily="2" charset="-122"/>
+              </a:defRPr>
+            </a:lvl1pPr>
+          </a:lstStyle>
+          <a:p>
+            <a:r>
+              <a:rPr lang="en-US" altLang="zh-CN" sz="1800" dirty="0" smtClean="0"/>
+              <a:t>PREV</a:t>
+            </a:r>
+            <a:endParaRPr lang="zh-CN" altLang="en-US" sz="1800" dirty="0"/>
+          </a:p>
+        </p:txBody>
+      </p:sp>
+    </p:spTree>
+    <p:extLst>
+      <p:ext uri="{BB962C8B-B14F-4D97-AF65-F5344CB8AC3E}">
+        <p14:creationId xmlns:p14="http://schemas.microsoft.com/office/powerpoint/2010/main" val="3498675219"/>
+      </p:ext>
+    </p:extLst>
+  </p:cSld>
+  <p:clrMapOvr>
+    <a:masterClrMapping/>
+  </p:clrMapOvr>
+  <p:timing>
+    <p:tnLst>
+      <p:par>
+        <p:cTn id="1" dur="indefinite" restart="never" nodeType="tmRoot"/>
+      </p:par>
+    </p:tnLst>
+  </p:timing>
+</p:sld>
+</file>
+
+<file path=ppt/slides/slide3.xml><?xml version="1.0" encoding="utf-8"?>
+<p:sld xmlns:a="http://schemas.openxmlformats.org/drawingml/2006/main" xmlns:r="http://schemas.openxmlformats.org/officeDocument/2006/relationships" xmlns:p="http://schemas.openxmlformats.org/presentationml/2006/main">
+  <p:cSld>
+    <p:bg>
+      <p:bgPr>
+        <a:blipFill dpi="0" rotWithShape="1">
+          <a:blip r:embed="rId3">
+            <a:lum/>
+          </a:blip>
+          <a:srcRect/>
+          <a:stretch>
+            <a:fillRect/>
+          </a:stretch>
+        </a:blipFill>
+        <a:effectLst/>
+      </p:bgPr>
+    </p:bg>
+    <p:spTree>
+      <p:nvGrpSpPr>
+        <p:cNvPr id="1" name=""/>
+        <p:cNvGrpSpPr/>
+        <p:nvPr/>
+      </p:nvGrpSpPr>
+      <p:grpSpPr>
+        <a:xfrm>
+          <a:off x="0" y="0"/>
+          <a:ext cx="0" cy="0"/>
+          <a:chOff x="0" y="0"/>
+          <a:chExt cx="0" cy="0"/>
+        </a:xfrm>
+      </p:grpSpPr>
+      <p:sp>
+        <p:nvSpPr>
+          <p:cNvPr id="162" name="矩形 161"/>
+          <p:cNvSpPr/>
+          <p:nvPr/>
+        </p:nvSpPr>
+        <p:spPr>
+          <a:xfrm>
+            <a:off x="2922176" y="108249"/>
+            <a:ext cx="2332172" cy="3273462"/>
+          </a:xfrm>
+          <a:prstGeom prst="rect">
+            <a:avLst/>
+          </a:prstGeom>
+          <a:solidFill>
+            <a:schemeClr val="accent4">
+              <a:lumMod val="20000"/>
+              <a:lumOff val="80000"/>
+              <a:alpha val="46000"/>
+            </a:schemeClr>
+          </a:solidFill>
+          <a:ln>
+            <a:solidFill>
+              <a:schemeClr val="tx1"/>
+            </a:solidFill>
+          </a:ln>
+        </p:spPr>
+        <p:style>
+          <a:lnRef idx="2">
+            <a:schemeClr val="accent1">
+              <a:shade val="50000"/>
+            </a:schemeClr>
+          </a:lnRef>
+          <a:fillRef idx="1">
+            <a:schemeClr val="accent1"/>
+          </a:fillRef>
+          <a:effectRef idx="0">
+            <a:schemeClr val="accent1"/>
+          </a:effectRef>
+          <a:fontRef idx="minor">
+            <a:schemeClr val="lt1"/>
+          </a:fontRef>
+        </p:style>
+        <p:txBody>
+          <a:bodyPr rtlCol="0" anchor="ctr"/>
+          <a:lstStyle/>
+          <a:p>
+            <a:pPr algn="ctr"/>
+            <a:endParaRPr lang="zh-CN" altLang="en-US" dirty="0"/>
+          </a:p>
+        </p:txBody>
+      </p:sp>
+      <p:sp>
+        <p:nvSpPr>
+          <p:cNvPr id="187" name="文本框 186"/>
+          <p:cNvSpPr txBox="1"/>
+          <p:nvPr/>
+        </p:nvSpPr>
+        <p:spPr>
+          <a:xfrm>
+            <a:off x="3234040" y="282348"/>
+            <a:ext cx="1870769" cy="338554"/>
+          </a:xfrm>
+          <a:prstGeom prst="rect">
+            <a:avLst/>
+          </a:prstGeom>
+          <a:solidFill>
+            <a:schemeClr val="bg1">
+              <a:lumMod val="85000"/>
+            </a:schemeClr>
+          </a:solidFill>
+          <a:ln w="12700">
+            <a:solidFill>
+              <a:schemeClr val="tx1"/>
+            </a:solidFill>
+          </a:ln>
+        </p:spPr>
+        <p:txBody>
+          <a:bodyPr wrap="square" rtlCol="0">
+            <a:spAutoFit/>
+          </a:bodyPr>
+          <a:lstStyle/>
+          <a:p>
+            <a:r>
+              <a:rPr lang="en-US" altLang="zh-CN" sz="1600" b="1" dirty="0" smtClean="0">
+                <a:latin typeface="等线" panose="02010600030101010101" pitchFamily="2" charset="-122"/>
+                <a:ea typeface="等线" panose="02010600030101010101" pitchFamily="2" charset="-122"/>
+              </a:rPr>
+              <a:t>Rotation</a:t>
+            </a:r>
+            <a:endParaRPr lang="zh-CN" altLang="en-US" sz="1600" b="1" dirty="0">
+              <a:latin typeface="等线" panose="02010600030101010101" pitchFamily="2" charset="-122"/>
+              <a:ea typeface="等线" panose="02010600030101010101" pitchFamily="2" charset="-122"/>
+            </a:endParaRPr>
+          </a:p>
+        </p:txBody>
+      </p:sp>
+      <p:sp>
+        <p:nvSpPr>
+          <p:cNvPr id="188" name="加号 187"/>
+          <p:cNvSpPr/>
+          <p:nvPr/>
+        </p:nvSpPr>
+        <p:spPr>
+          <a:xfrm>
+            <a:off x="2921177" y="320024"/>
+            <a:ext cx="308974" cy="266402"/>
+          </a:xfrm>
+          <a:prstGeom prst="mathPlus">
+            <a:avLst/>
+          </a:prstGeom>
+          <a:solidFill>
+            <a:schemeClr val="bg1"/>
+          </a:solidFill>
+          <a:ln>
+            <a:solidFill>
+              <a:schemeClr val="tx1"/>
+            </a:solidFill>
+          </a:ln>
+        </p:spPr>
+        <p:style>
+          <a:lnRef idx="2">
+            <a:schemeClr val="accent1">
+              <a:shade val="50000"/>
+            </a:schemeClr>
+          </a:lnRef>
+          <a:fillRef idx="1">
+            <a:schemeClr val="accent1"/>
+          </a:fillRef>
+          <a:effectRef idx="0">
+            <a:schemeClr val="accent1"/>
+          </a:effectRef>
+          <a:fontRef idx="minor">
+            <a:schemeClr val="lt1"/>
+          </a:fontRef>
+        </p:style>
+        <p:txBody>
+          <a:bodyPr rtlCol="0" anchor="ctr"/>
+          <a:lstStyle/>
+          <a:p>
+            <a:pPr algn="ctr"/>
+            <a:endParaRPr lang="zh-CN" altLang="en-US"/>
+          </a:p>
+        </p:txBody>
+      </p:sp>
+      <p:sp>
+        <p:nvSpPr>
+          <p:cNvPr id="91" name="矩形 90"/>
+          <p:cNvSpPr/>
+          <p:nvPr/>
+        </p:nvSpPr>
+        <p:spPr>
+          <a:xfrm>
+            <a:off x="199620" y="867810"/>
+            <a:ext cx="2296371" cy="3154976"/>
+          </a:xfrm>
+          <a:prstGeom prst="rect">
+            <a:avLst/>
+          </a:prstGeom>
+          <a:solidFill>
+            <a:schemeClr val="accent4">
+              <a:lumMod val="20000"/>
+              <a:lumOff val="80000"/>
+              <a:alpha val="46000"/>
+            </a:schemeClr>
+          </a:solidFill>
+          <a:ln>
+            <a:solidFill>
+              <a:schemeClr val="tx1"/>
+            </a:solidFill>
+          </a:ln>
+        </p:spPr>
+        <p:style>
+          <a:lnRef idx="2">
+            <a:schemeClr val="accent1">
+              <a:shade val="50000"/>
+            </a:schemeClr>
+          </a:lnRef>
+          <a:fillRef idx="1">
+            <a:schemeClr val="accent1"/>
+          </a:fillRef>
+          <a:effectRef idx="0">
+            <a:schemeClr val="accent1"/>
+          </a:effectRef>
+          <a:fontRef idx="minor">
+            <a:schemeClr val="lt1"/>
+          </a:fontRef>
+        </p:style>
+        <p:txBody>
+          <a:bodyPr rtlCol="0" anchor="ctr"/>
+          <a:lstStyle/>
+          <a:p>
+            <a:pPr algn="ctr"/>
+            <a:endParaRPr lang="zh-CN" altLang="en-US" dirty="0"/>
+          </a:p>
+        </p:txBody>
+      </p:sp>
+      <p:sp>
+        <p:nvSpPr>
+          <p:cNvPr id="160" name="加号 159"/>
+          <p:cNvSpPr/>
+          <p:nvPr/>
+        </p:nvSpPr>
+        <p:spPr>
+          <a:xfrm>
+            <a:off x="160262" y="3619172"/>
+            <a:ext cx="308974" cy="266402"/>
+          </a:xfrm>
+          <a:prstGeom prst="mathPlus">
+            <a:avLst/>
+          </a:prstGeom>
+          <a:solidFill>
+            <a:schemeClr val="bg1"/>
+          </a:solidFill>
+          <a:ln>
+            <a:solidFill>
+              <a:schemeClr val="tx1"/>
+            </a:solidFill>
+          </a:ln>
+        </p:spPr>
+        <p:style>
+          <a:lnRef idx="2">
+            <a:schemeClr val="accent1">
+              <a:shade val="50000"/>
+            </a:schemeClr>
+          </a:lnRef>
+          <a:fillRef idx="1">
+            <a:schemeClr val="accent1"/>
+          </a:fillRef>
+          <a:effectRef idx="0">
+            <a:schemeClr val="accent1"/>
+          </a:effectRef>
+          <a:fontRef idx="minor">
+            <a:schemeClr val="lt1"/>
+          </a:fontRef>
+        </p:style>
+        <p:txBody>
+          <a:bodyPr rtlCol="0" anchor="ctr"/>
+          <a:lstStyle/>
+          <a:p>
+            <a:pPr algn="ctr"/>
+            <a:endParaRPr lang="zh-CN" altLang="en-US"/>
+          </a:p>
+        </p:txBody>
+      </p:sp>
+      <p:sp>
+        <p:nvSpPr>
+          <p:cNvPr id="161" name="文本框 160"/>
+          <p:cNvSpPr txBox="1"/>
+          <p:nvPr/>
+        </p:nvSpPr>
+        <p:spPr>
+          <a:xfrm>
+            <a:off x="477684" y="3567786"/>
+            <a:ext cx="1870769" cy="338554"/>
+          </a:xfrm>
+          <a:prstGeom prst="rect">
+            <a:avLst/>
+          </a:prstGeom>
+          <a:solidFill>
+            <a:schemeClr val="bg1">
+              <a:lumMod val="85000"/>
+            </a:schemeClr>
+          </a:solidFill>
+          <a:ln w="12700">
+            <a:solidFill>
+              <a:schemeClr val="tx1"/>
+            </a:solidFill>
+          </a:ln>
+        </p:spPr>
+        <p:txBody>
+          <a:bodyPr wrap="square" rtlCol="0">
+            <a:spAutoFit/>
+          </a:bodyPr>
+          <a:lstStyle/>
+          <a:p>
+            <a:r>
+              <a:rPr lang="en-US" altLang="zh-CN" sz="1600" b="1" dirty="0" smtClean="0">
+                <a:latin typeface="等线" panose="02010600030101010101" pitchFamily="2" charset="-122"/>
+                <a:ea typeface="等线" panose="02010600030101010101" pitchFamily="2" charset="-122"/>
+              </a:rPr>
+              <a:t>Camera</a:t>
+            </a:r>
+            <a:endParaRPr lang="zh-CN" altLang="en-US" sz="1600" b="1" dirty="0">
+              <a:latin typeface="等线" panose="02010600030101010101" pitchFamily="2" charset="-122"/>
+              <a:ea typeface="等线" panose="02010600030101010101" pitchFamily="2" charset="-122"/>
+            </a:endParaRPr>
+          </a:p>
+        </p:txBody>
+      </p:sp>
+      <p:sp>
+        <p:nvSpPr>
+          <p:cNvPr id="114" name="文本框 113"/>
+          <p:cNvSpPr txBox="1"/>
+          <p:nvPr/>
+        </p:nvSpPr>
+        <p:spPr>
+          <a:xfrm>
+            <a:off x="11001039" y="22705"/>
+            <a:ext cx="864000" cy="216000"/>
+          </a:xfrm>
+          <a:prstGeom prst="rect">
+            <a:avLst/>
+          </a:prstGeom>
+          <a:solidFill>
+            <a:schemeClr val="bg1"/>
+          </a:solidFill>
+          <a:ln w="12700">
+            <a:noFill/>
+          </a:ln>
+        </p:spPr>
+        <p:txBody>
+          <a:bodyPr wrap="square" rtlCol="0">
+            <a:spAutoFit/>
+          </a:bodyPr>
+          <a:lstStyle/>
+          <a:p>
+            <a:endParaRPr lang="zh-CN" altLang="en-US" sz="1600" b="1" dirty="0">
+              <a:latin typeface="等线" panose="02010600030101010101" pitchFamily="2" charset="-122"/>
+              <a:ea typeface="等线" panose="02010600030101010101" pitchFamily="2" charset="-122"/>
+            </a:endParaRPr>
+          </a:p>
+        </p:txBody>
+      </p:sp>
+      <p:sp>
+        <p:nvSpPr>
+          <p:cNvPr id="111" name="文本框 110"/>
+          <p:cNvSpPr txBox="1"/>
+          <p:nvPr/>
+        </p:nvSpPr>
+        <p:spPr>
+          <a:xfrm>
+            <a:off x="6767347" y="31159"/>
+            <a:ext cx="864000" cy="216000"/>
+          </a:xfrm>
+          <a:prstGeom prst="rect">
+            <a:avLst/>
+          </a:prstGeom>
+          <a:solidFill>
+            <a:schemeClr val="tx1"/>
+          </a:solidFill>
+          <a:ln w="12700">
+            <a:noFill/>
+          </a:ln>
+        </p:spPr>
+        <p:txBody>
+          <a:bodyPr wrap="square" rtlCol="0">
+            <a:spAutoFit/>
+          </a:bodyPr>
+          <a:lstStyle/>
+          <a:p>
+            <a:endParaRPr lang="zh-CN" altLang="en-US" sz="1600" b="1" dirty="0">
+              <a:latin typeface="等线" panose="02010600030101010101" pitchFamily="2" charset="-122"/>
+              <a:ea typeface="等线" panose="02010600030101010101" pitchFamily="2" charset="-122"/>
+            </a:endParaRPr>
+          </a:p>
+        </p:txBody>
+      </p:sp>
+      <p:sp>
+        <p:nvSpPr>
+          <p:cNvPr id="77" name="文本框 76"/>
+          <p:cNvSpPr txBox="1"/>
+          <p:nvPr/>
+        </p:nvSpPr>
+        <p:spPr>
+          <a:xfrm>
+            <a:off x="6709269" y="-27119"/>
+            <a:ext cx="506087" cy="338554"/>
+          </a:xfrm>
+          <a:prstGeom prst="rect">
+            <a:avLst/>
+          </a:prstGeom>
+          <a:noFill/>
+          <a:ln>
+            <a:noFill/>
+          </a:ln>
+        </p:spPr>
+        <p:txBody>
+          <a:bodyPr wrap="square" rtlCol="0">
+            <a:spAutoFit/>
+          </a:bodyPr>
+          <a:lstStyle/>
+          <a:p>
+            <a:pPr algn="r"/>
+            <a:r>
+              <a:rPr lang="en-US" altLang="zh-CN" sz="1600" b="1" dirty="0" smtClean="0">
+                <a:solidFill>
+                  <a:srgbClr val="66FF66"/>
+                </a:solidFill>
+              </a:rPr>
+              <a:t>315</a:t>
+            </a:r>
+            <a:endParaRPr lang="zh-CN" altLang="en-US" sz="1600" b="1" dirty="0">
+              <a:solidFill>
+                <a:srgbClr val="66FF66"/>
+              </a:solidFill>
+            </a:endParaRPr>
+          </a:p>
+        </p:txBody>
+      </p:sp>
+      <p:sp>
+        <p:nvSpPr>
+          <p:cNvPr id="64" name="矩形 63"/>
+          <p:cNvSpPr/>
+          <p:nvPr/>
+        </p:nvSpPr>
+        <p:spPr>
+          <a:xfrm>
+            <a:off x="6782937" y="302459"/>
+            <a:ext cx="5097308" cy="1872287"/>
+          </a:xfrm>
+          <a:prstGeom prst="rect">
+            <a:avLst/>
+          </a:prstGeom>
+          <a:solidFill>
+            <a:schemeClr val="accent4">
+              <a:lumMod val="20000"/>
+              <a:lumOff val="80000"/>
+              <a:alpha val="46000"/>
+            </a:schemeClr>
+          </a:solidFill>
+          <a:ln>
+            <a:solidFill>
+              <a:schemeClr val="tx1"/>
+            </a:solidFill>
+          </a:ln>
+        </p:spPr>
+        <p:style>
+          <a:lnRef idx="2">
+            <a:schemeClr val="accent1">
+              <a:shade val="50000"/>
+            </a:schemeClr>
+          </a:lnRef>
+          <a:fillRef idx="1">
+            <a:schemeClr val="accent1"/>
+          </a:fillRef>
+          <a:effectRef idx="0">
+            <a:schemeClr val="accent1"/>
+          </a:effectRef>
+          <a:fontRef idx="minor">
+            <a:schemeClr val="lt1"/>
+          </a:fontRef>
+        </p:style>
+        <p:txBody>
+          <a:bodyPr rtlCol="0" anchor="ctr"/>
+          <a:lstStyle/>
+          <a:p>
+            <a:pPr algn="ctr"/>
+            <a:endParaRPr lang="zh-CN" altLang="en-US" dirty="0"/>
+          </a:p>
+        </p:txBody>
+      </p:sp>
+      <p:sp>
+        <p:nvSpPr>
+          <p:cNvPr id="5" name="矩形 4"/>
+          <p:cNvSpPr/>
+          <p:nvPr/>
+        </p:nvSpPr>
+        <p:spPr>
+          <a:xfrm>
+            <a:off x="2482343" y="4665645"/>
+            <a:ext cx="8508444" cy="1960393"/>
+          </a:xfrm>
+          <a:prstGeom prst="rect">
+            <a:avLst/>
+          </a:prstGeom>
+          <a:solidFill>
+            <a:schemeClr val="accent4">
+              <a:lumMod val="20000"/>
+              <a:lumOff val="80000"/>
+              <a:alpha val="46000"/>
+            </a:schemeClr>
+          </a:solidFill>
+          <a:ln>
+            <a:solidFill>
+              <a:schemeClr val="tx1"/>
+            </a:solidFill>
+          </a:ln>
+        </p:spPr>
+        <p:style>
+          <a:lnRef idx="2">
+            <a:schemeClr val="accent1">
+              <a:shade val="50000"/>
+            </a:schemeClr>
+          </a:lnRef>
+          <a:fillRef idx="1">
+            <a:schemeClr val="accent1"/>
+          </a:fillRef>
+          <a:effectRef idx="0">
+            <a:schemeClr val="accent1"/>
+          </a:effectRef>
+          <a:fontRef idx="minor">
+            <a:schemeClr val="lt1"/>
+          </a:fontRef>
+        </p:style>
+        <p:txBody>
+          <a:bodyPr rtlCol="0" anchor="ctr"/>
+          <a:lstStyle/>
+          <a:p>
+            <a:pPr algn="ctr"/>
+            <a:endParaRPr lang="zh-CN" altLang="en-US"/>
+          </a:p>
+        </p:txBody>
+      </p:sp>
+      <p:sp>
+        <p:nvSpPr>
+          <p:cNvPr id="6" name="矩形 5"/>
+          <p:cNvSpPr/>
+          <p:nvPr/>
+        </p:nvSpPr>
+        <p:spPr>
+          <a:xfrm>
+            <a:off x="2762918" y="4915415"/>
+            <a:ext cx="2341344" cy="108000"/>
+          </a:xfrm>
+          <a:prstGeom prst="rect">
+            <a:avLst/>
+          </a:prstGeom>
+          <a:solidFill>
+            <a:srgbClr val="EC5656"/>
+          </a:solidFill>
+          <a:ln>
+            <a:solidFill>
+              <a:schemeClr val="tx1"/>
+            </a:solidFill>
+          </a:ln>
+        </p:spPr>
+        <p:style>
+          <a:lnRef idx="2">
+            <a:schemeClr val="accent1">
+              <a:shade val="50000"/>
+            </a:schemeClr>
+          </a:lnRef>
+          <a:fillRef idx="1">
+            <a:schemeClr val="accent1"/>
+          </a:fillRef>
+          <a:effectRef idx="0">
+            <a:schemeClr val="accent1"/>
+          </a:effectRef>
+          <a:fontRef idx="minor">
+            <a:schemeClr val="lt1"/>
+          </a:fontRef>
+        </p:style>
+        <p:txBody>
+          <a:bodyPr rtlCol="0" anchor="ctr"/>
+          <a:lstStyle/>
+          <a:p>
+            <a:pPr algn="ctr"/>
+            <a:endParaRPr lang="zh-CN" altLang="en-US"/>
+          </a:p>
+        </p:txBody>
+      </p:sp>
+      <p:sp>
+        <p:nvSpPr>
+          <p:cNvPr id="7" name="矩形 6"/>
+          <p:cNvSpPr/>
+          <p:nvPr/>
+        </p:nvSpPr>
+        <p:spPr>
+          <a:xfrm>
+            <a:off x="3499847" y="5104138"/>
+            <a:ext cx="3319976" cy="108000"/>
+          </a:xfrm>
+          <a:prstGeom prst="rect">
+            <a:avLst/>
+          </a:prstGeom>
+          <a:solidFill>
+            <a:srgbClr val="4B79FB"/>
+          </a:solidFill>
+          <a:ln>
+            <a:solidFill>
+              <a:schemeClr val="tx1"/>
+            </a:solidFill>
+          </a:ln>
+        </p:spPr>
+        <p:style>
+          <a:lnRef idx="2">
+            <a:schemeClr val="accent1">
+              <a:shade val="50000"/>
+            </a:schemeClr>
+          </a:lnRef>
+          <a:fillRef idx="1">
+            <a:schemeClr val="accent1"/>
+          </a:fillRef>
+          <a:effectRef idx="0">
+            <a:schemeClr val="accent1"/>
+          </a:effectRef>
+          <a:fontRef idx="minor">
+            <a:schemeClr val="lt1"/>
+          </a:fontRef>
+        </p:style>
+        <p:txBody>
+          <a:bodyPr rtlCol="0" anchor="ctr"/>
+          <a:lstStyle/>
+          <a:p>
+            <a:pPr algn="ctr"/>
+            <a:endParaRPr lang="zh-CN" altLang="en-US"/>
+          </a:p>
+        </p:txBody>
+      </p:sp>
+      <p:sp>
+        <p:nvSpPr>
+          <p:cNvPr id="8" name="矩形 7"/>
+          <p:cNvSpPr/>
+          <p:nvPr/>
+        </p:nvSpPr>
+        <p:spPr>
+          <a:xfrm>
+            <a:off x="2482343" y="5993664"/>
+            <a:ext cx="2472519" cy="108000"/>
+          </a:xfrm>
+          <a:prstGeom prst="rect">
+            <a:avLst/>
+          </a:prstGeom>
+          <a:solidFill>
+            <a:schemeClr val="accent4">
+              <a:lumMod val="60000"/>
+              <a:lumOff val="40000"/>
+            </a:schemeClr>
+          </a:solidFill>
+          <a:ln>
+            <a:solidFill>
+              <a:schemeClr val="tx1"/>
+            </a:solidFill>
+          </a:ln>
+        </p:spPr>
+        <p:style>
+          <a:lnRef idx="2">
+            <a:schemeClr val="accent1">
+              <a:shade val="50000"/>
+            </a:schemeClr>
+          </a:lnRef>
+          <a:fillRef idx="1">
+            <a:schemeClr val="accent1"/>
+          </a:fillRef>
+          <a:effectRef idx="0">
+            <a:schemeClr val="accent1"/>
+          </a:effectRef>
+          <a:fontRef idx="minor">
+            <a:schemeClr val="lt1"/>
+          </a:fontRef>
+        </p:style>
+        <p:txBody>
+          <a:bodyPr rtlCol="0" anchor="ctr"/>
+          <a:lstStyle/>
+          <a:p>
+            <a:pPr algn="ctr"/>
+            <a:endParaRPr lang="zh-CN" altLang="en-US"/>
+          </a:p>
+        </p:txBody>
+      </p:sp>
+      <p:sp>
+        <p:nvSpPr>
+          <p:cNvPr id="9" name="矩形 8"/>
+          <p:cNvSpPr/>
+          <p:nvPr/>
+        </p:nvSpPr>
+        <p:spPr>
+          <a:xfrm>
+            <a:off x="3139710" y="5542631"/>
+            <a:ext cx="3319976" cy="108000"/>
+          </a:xfrm>
+          <a:prstGeom prst="rect">
+            <a:avLst/>
+          </a:prstGeom>
+          <a:solidFill>
+            <a:srgbClr val="50D0C4"/>
+          </a:solidFill>
+          <a:ln>
+            <a:solidFill>
+              <a:schemeClr val="tx1"/>
+            </a:solidFill>
+          </a:ln>
+        </p:spPr>
+        <p:style>
+          <a:lnRef idx="2">
+            <a:schemeClr val="accent1">
+              <a:shade val="50000"/>
+            </a:schemeClr>
+          </a:lnRef>
+          <a:fillRef idx="1">
+            <a:schemeClr val="accent1"/>
+          </a:fillRef>
+          <a:effectRef idx="0">
+            <a:schemeClr val="accent1"/>
+          </a:effectRef>
+          <a:fontRef idx="minor">
+            <a:schemeClr val="lt1"/>
+          </a:fontRef>
+        </p:style>
+        <p:txBody>
+          <a:bodyPr rtlCol="0" anchor="ctr"/>
+          <a:lstStyle/>
+          <a:p>
+            <a:pPr algn="ctr"/>
+            <a:endParaRPr lang="zh-CN" altLang="en-US"/>
+          </a:p>
+        </p:txBody>
+      </p:sp>
+      <p:sp>
+        <p:nvSpPr>
+          <p:cNvPr id="19" name="矩形 18"/>
+          <p:cNvSpPr/>
+          <p:nvPr/>
+        </p:nvSpPr>
+        <p:spPr>
+          <a:xfrm>
+            <a:off x="3830707" y="5751645"/>
+            <a:ext cx="4014865" cy="108000"/>
+          </a:xfrm>
+          <a:prstGeom prst="rect">
+            <a:avLst/>
+          </a:prstGeom>
+          <a:solidFill>
+            <a:schemeClr val="bg1">
+              <a:lumMod val="65000"/>
+            </a:schemeClr>
+          </a:solidFill>
+          <a:ln>
+            <a:solidFill>
+              <a:schemeClr val="tx1"/>
+            </a:solidFill>
+          </a:ln>
+        </p:spPr>
+        <p:style>
+          <a:lnRef idx="2">
+            <a:schemeClr val="accent1">
+              <a:shade val="50000"/>
+            </a:schemeClr>
+          </a:lnRef>
+          <a:fillRef idx="1">
+            <a:schemeClr val="accent1"/>
+          </a:fillRef>
+          <a:effectRef idx="0">
+            <a:schemeClr val="accent1"/>
+          </a:effectRef>
+          <a:fontRef idx="minor">
+            <a:schemeClr val="lt1"/>
+          </a:fontRef>
+        </p:style>
+        <p:txBody>
+          <a:bodyPr rtlCol="0" anchor="ctr"/>
+          <a:lstStyle/>
+          <a:p>
+            <a:pPr algn="ctr"/>
+            <a:endParaRPr lang="zh-CN" altLang="en-US"/>
+          </a:p>
+        </p:txBody>
+      </p:sp>
+      <p:sp>
+        <p:nvSpPr>
+          <p:cNvPr id="21" name="矩形 20"/>
+          <p:cNvSpPr/>
+          <p:nvPr/>
+        </p:nvSpPr>
+        <p:spPr>
+          <a:xfrm>
+            <a:off x="4138516" y="5325376"/>
+            <a:ext cx="2958319" cy="108000"/>
+          </a:xfrm>
+          <a:prstGeom prst="rect">
+            <a:avLst/>
+          </a:prstGeom>
+          <a:solidFill>
+            <a:srgbClr val="66FF66"/>
+          </a:solidFill>
+          <a:ln w="25400">
+            <a:solidFill>
+              <a:schemeClr val="tx1"/>
+            </a:solidFill>
+          </a:ln>
+        </p:spPr>
+        <p:style>
+          <a:lnRef idx="2">
+            <a:schemeClr val="accent1">
+              <a:shade val="50000"/>
+            </a:schemeClr>
+          </a:lnRef>
+          <a:fillRef idx="1">
+            <a:schemeClr val="accent1"/>
+          </a:fillRef>
+          <a:effectRef idx="0">
+            <a:schemeClr val="accent1"/>
+          </a:effectRef>
+          <a:fontRef idx="minor">
+            <a:schemeClr val="lt1"/>
+          </a:fontRef>
+        </p:style>
+        <p:txBody>
+          <a:bodyPr rtlCol="0" anchor="ctr"/>
+          <a:lstStyle/>
+          <a:p>
+            <a:pPr algn="ctr"/>
+            <a:endParaRPr lang="zh-CN" altLang="en-US"/>
+          </a:p>
+        </p:txBody>
+      </p:sp>
+      <p:sp>
+        <p:nvSpPr>
+          <p:cNvPr id="22" name="矩形 21"/>
+          <p:cNvSpPr/>
+          <p:nvPr/>
+        </p:nvSpPr>
+        <p:spPr>
+          <a:xfrm>
+            <a:off x="4818382" y="6193916"/>
+            <a:ext cx="5963349" cy="108000"/>
+          </a:xfrm>
+          <a:prstGeom prst="rect">
+            <a:avLst/>
+          </a:prstGeom>
+          <a:solidFill>
+            <a:schemeClr val="accent4">
+              <a:lumMod val="60000"/>
+              <a:lumOff val="40000"/>
+            </a:schemeClr>
+          </a:solidFill>
+          <a:ln>
+            <a:solidFill>
+              <a:schemeClr val="tx1"/>
+            </a:solidFill>
+          </a:ln>
+        </p:spPr>
+        <p:style>
+          <a:lnRef idx="2">
+            <a:schemeClr val="accent1">
+              <a:shade val="50000"/>
+            </a:schemeClr>
+          </a:lnRef>
+          <a:fillRef idx="1">
+            <a:schemeClr val="accent1"/>
+          </a:fillRef>
+          <a:effectRef idx="0">
+            <a:schemeClr val="accent1"/>
+          </a:effectRef>
+          <a:fontRef idx="minor">
+            <a:schemeClr val="lt1"/>
+          </a:fontRef>
+        </p:style>
+        <p:txBody>
+          <a:bodyPr rtlCol="0" anchor="ctr"/>
+          <a:lstStyle/>
+          <a:p>
+            <a:pPr algn="ctr"/>
+            <a:endParaRPr lang="zh-CN" altLang="en-US"/>
+          </a:p>
+        </p:txBody>
+      </p:sp>
+      <p:sp>
+        <p:nvSpPr>
+          <p:cNvPr id="24" name="矩形 23"/>
+          <p:cNvSpPr/>
+          <p:nvPr/>
+        </p:nvSpPr>
+        <p:spPr>
+          <a:xfrm>
+            <a:off x="10768082" y="4679293"/>
+            <a:ext cx="222705" cy="1727257"/>
+          </a:xfrm>
+          <a:prstGeom prst="rect">
+            <a:avLst/>
+          </a:prstGeom>
+          <a:solidFill>
+            <a:srgbClr val="57564D"/>
+          </a:solidFill>
+          <a:ln>
+            <a:noFill/>
+          </a:ln>
+        </p:spPr>
+        <p:style>
+          <a:lnRef idx="2">
+            <a:schemeClr val="accent1">
+              <a:shade val="50000"/>
+            </a:schemeClr>
+          </a:lnRef>
+          <a:fillRef idx="1">
+            <a:schemeClr val="accent1"/>
+          </a:fillRef>
+          <a:effectRef idx="0">
+            <a:schemeClr val="accent1"/>
+          </a:effectRef>
+          <a:fontRef idx="minor">
+            <a:schemeClr val="lt1"/>
+          </a:fontRef>
+        </p:style>
+        <p:txBody>
+          <a:bodyPr rtlCol="0" anchor="ctr"/>
+          <a:lstStyle/>
+          <a:p>
+            <a:pPr algn="ctr"/>
+            <a:endParaRPr lang="zh-CN" altLang="en-US"/>
+          </a:p>
+        </p:txBody>
+      </p:sp>
+      <p:sp>
+        <p:nvSpPr>
+          <p:cNvPr id="23" name="圆角矩形 22"/>
+          <p:cNvSpPr/>
+          <p:nvPr/>
+        </p:nvSpPr>
+        <p:spPr>
+          <a:xfrm>
+            <a:off x="10768083" y="5006992"/>
+            <a:ext cx="222704" cy="744653"/>
+          </a:xfrm>
+          <a:prstGeom prst="roundRect">
+            <a:avLst/>
+          </a:prstGeom>
+          <a:solidFill>
+            <a:schemeClr val="bg1">
+              <a:lumMod val="85000"/>
+            </a:schemeClr>
+          </a:solidFill>
+          <a:ln w="12700"/>
+        </p:spPr>
+        <p:style>
+          <a:lnRef idx="2">
+            <a:schemeClr val="accent1">
+              <a:shade val="50000"/>
+            </a:schemeClr>
+          </a:lnRef>
+          <a:fillRef idx="1">
+            <a:schemeClr val="accent1"/>
+          </a:fillRef>
+          <a:effectRef idx="0">
+            <a:schemeClr val="accent1"/>
+          </a:effectRef>
+          <a:fontRef idx="minor">
+            <a:schemeClr val="lt1"/>
+          </a:fontRef>
+        </p:style>
+        <p:txBody>
+          <a:bodyPr rtlCol="0" anchor="ctr"/>
+          <a:lstStyle/>
+          <a:p>
+            <a:pPr algn="ctr"/>
+            <a:endParaRPr lang="zh-CN" altLang="en-US"/>
+          </a:p>
+        </p:txBody>
+      </p:sp>
+      <p:sp>
+        <p:nvSpPr>
+          <p:cNvPr id="25" name="上下箭头 24"/>
+          <p:cNvSpPr/>
+          <p:nvPr/>
+        </p:nvSpPr>
+        <p:spPr>
+          <a:xfrm>
+            <a:off x="11128220" y="5027588"/>
+            <a:ext cx="234179" cy="1186838"/>
+          </a:xfrm>
+          <a:prstGeom prst="upDownArrow">
+            <a:avLst/>
+          </a:prstGeom>
+          <a:solidFill>
+            <a:srgbClr val="D9D9D9"/>
+          </a:solidFill>
+          <a:ln cmpd="sng">
+            <a:prstDash val="solid"/>
+          </a:ln>
+        </p:spPr>
+        <p:style>
+          <a:lnRef idx="2">
+            <a:schemeClr val="accent1">
+              <a:shade val="50000"/>
+            </a:schemeClr>
+          </a:lnRef>
+          <a:fillRef idx="1">
+            <a:schemeClr val="accent1"/>
+          </a:fillRef>
+          <a:effectRef idx="0">
+            <a:schemeClr val="accent1"/>
+          </a:effectRef>
+          <a:fontRef idx="minor">
+            <a:schemeClr val="lt1"/>
+          </a:fontRef>
+        </p:style>
+        <p:txBody>
+          <a:bodyPr rtlCol="0" anchor="ctr"/>
+          <a:lstStyle/>
+          <a:p>
+            <a:pPr algn="ctr"/>
+            <a:endParaRPr lang="zh-CN" altLang="en-US"/>
+          </a:p>
+        </p:txBody>
+      </p:sp>
+      <p:sp>
+        <p:nvSpPr>
+          <p:cNvPr id="31" name="矩形 30"/>
+          <p:cNvSpPr/>
+          <p:nvPr/>
+        </p:nvSpPr>
+        <p:spPr>
+          <a:xfrm>
+            <a:off x="5384837" y="4679293"/>
+            <a:ext cx="36000" cy="1738800"/>
+          </a:xfrm>
+          <a:prstGeom prst="rect">
+            <a:avLst/>
+          </a:prstGeom>
+          <a:solidFill>
+            <a:srgbClr val="66FF66"/>
+          </a:solidFill>
+          <a:ln>
+            <a:noFill/>
+          </a:ln>
+        </p:spPr>
+        <p:style>
+          <a:lnRef idx="2">
+            <a:schemeClr val="accent1">
+              <a:shade val="50000"/>
+            </a:schemeClr>
+          </a:lnRef>
+          <a:fillRef idx="1">
+            <a:schemeClr val="accent1"/>
+          </a:fillRef>
+          <a:effectRef idx="0">
+            <a:schemeClr val="accent1"/>
+          </a:effectRef>
+          <a:fontRef idx="minor">
+            <a:schemeClr val="lt1"/>
+          </a:fontRef>
+        </p:style>
+        <p:txBody>
+          <a:bodyPr rtlCol="0" anchor="ctr"/>
+          <a:lstStyle/>
+          <a:p>
+            <a:pPr algn="ctr"/>
+            <a:endParaRPr lang="zh-CN" altLang="en-US"/>
+          </a:p>
+        </p:txBody>
+      </p:sp>
+      <p:sp>
+        <p:nvSpPr>
+          <p:cNvPr id="34" name="文本框 33"/>
+          <p:cNvSpPr txBox="1"/>
+          <p:nvPr/>
+        </p:nvSpPr>
+        <p:spPr>
+          <a:xfrm>
+            <a:off x="225455" y="127843"/>
+            <a:ext cx="1316741" cy="369332"/>
+          </a:xfrm>
+          <a:prstGeom prst="rect">
+            <a:avLst/>
+          </a:prstGeom>
+          <a:solidFill>
+            <a:srgbClr val="66FF66"/>
+          </a:solidFill>
+          <a:ln w="25400">
+            <a:solidFill>
+              <a:schemeClr val="tx1"/>
+            </a:solidFill>
+          </a:ln>
+        </p:spPr>
+        <p:txBody>
+          <a:bodyPr wrap="square" rtlCol="0">
+            <a:spAutoFit/>
+          </a:bodyPr>
+          <a:lstStyle>
+            <a:defPPr>
+              <a:defRPr lang="zh-CN"/>
+            </a:defPPr>
+            <a:lvl1pPr>
+              <a:defRPr sz="2000" b="1">
+                <a:latin typeface="等线" panose="02010600030101010101" pitchFamily="2" charset="-122"/>
+                <a:ea typeface="等线" panose="02010600030101010101" pitchFamily="2" charset="-122"/>
+              </a:defRPr>
+            </a:lvl1pPr>
+          </a:lstStyle>
+          <a:p>
+            <a:r>
+              <a:rPr lang="en-US" altLang="zh-CN" sz="1800" dirty="0"/>
+              <a:t>EDIT</a:t>
+            </a:r>
+            <a:endParaRPr lang="zh-CN" altLang="en-US" sz="1800" dirty="0"/>
+          </a:p>
+        </p:txBody>
+      </p:sp>
+      <p:sp>
+        <p:nvSpPr>
+          <p:cNvPr id="52" name="矩形 51"/>
+          <p:cNvSpPr/>
+          <p:nvPr/>
+        </p:nvSpPr>
+        <p:spPr>
+          <a:xfrm>
+            <a:off x="2495991" y="6410038"/>
+            <a:ext cx="8285740" cy="216000"/>
+          </a:xfrm>
+          <a:prstGeom prst="rect">
+            <a:avLst/>
+          </a:prstGeom>
+          <a:solidFill>
+            <a:srgbClr val="57564D"/>
+          </a:solidFill>
+          <a:ln>
+            <a:noFill/>
+          </a:ln>
+        </p:spPr>
+        <p:style>
+          <a:lnRef idx="2">
+            <a:schemeClr val="accent1">
+              <a:shade val="50000"/>
+            </a:schemeClr>
+          </a:lnRef>
+          <a:fillRef idx="1">
+            <a:schemeClr val="accent1"/>
+          </a:fillRef>
+          <a:effectRef idx="0">
+            <a:schemeClr val="accent1"/>
+          </a:effectRef>
+          <a:fontRef idx="minor">
+            <a:schemeClr val="lt1"/>
+          </a:fontRef>
+        </p:style>
+        <p:txBody>
+          <a:bodyPr rtlCol="0" anchor="ctr"/>
+          <a:lstStyle/>
+          <a:p>
+            <a:pPr algn="ctr"/>
+            <a:endParaRPr lang="zh-CN" altLang="en-US"/>
+          </a:p>
+        </p:txBody>
+      </p:sp>
+      <p:sp>
+        <p:nvSpPr>
+          <p:cNvPr id="53" name="圆角矩形 52"/>
+          <p:cNvSpPr/>
+          <p:nvPr/>
+        </p:nvSpPr>
+        <p:spPr>
+          <a:xfrm flipH="1">
+            <a:off x="4708293" y="6417872"/>
+            <a:ext cx="3137278" cy="215142"/>
+          </a:xfrm>
+          <a:prstGeom prst="roundRect">
+            <a:avLst/>
+          </a:prstGeom>
+          <a:solidFill>
+            <a:schemeClr val="bg1">
+              <a:lumMod val="85000"/>
+            </a:schemeClr>
+          </a:solidFill>
+          <a:ln w="12700"/>
+        </p:spPr>
+        <p:style>
+          <a:lnRef idx="2">
+            <a:schemeClr val="accent1">
+              <a:shade val="50000"/>
+            </a:schemeClr>
+          </a:lnRef>
+          <a:fillRef idx="1">
+            <a:schemeClr val="accent1"/>
+          </a:fillRef>
+          <a:effectRef idx="0">
+            <a:schemeClr val="accent1"/>
+          </a:effectRef>
+          <a:fontRef idx="minor">
+            <a:schemeClr val="lt1"/>
+          </a:fontRef>
+        </p:style>
+        <p:txBody>
+          <a:bodyPr rtlCol="0" anchor="ctr"/>
+          <a:lstStyle/>
+          <a:p>
+            <a:pPr algn="ctr"/>
+            <a:endParaRPr lang="zh-CN" altLang="en-US"/>
+          </a:p>
+        </p:txBody>
+      </p:sp>
+      <p:sp>
+        <p:nvSpPr>
+          <p:cNvPr id="55" name="左右箭头 54"/>
+          <p:cNvSpPr/>
+          <p:nvPr/>
+        </p:nvSpPr>
+        <p:spPr>
+          <a:xfrm>
+            <a:off x="4975444" y="6675098"/>
+            <a:ext cx="3678164" cy="174929"/>
+          </a:xfrm>
+          <a:prstGeom prst="leftRightArrow">
+            <a:avLst/>
+          </a:prstGeom>
+          <a:solidFill>
+            <a:srgbClr val="D9D9D9"/>
+          </a:solidFill>
+          <a:ln>
+            <a:solidFill>
+              <a:srgbClr val="D9D9D9"/>
+            </a:solidFill>
+          </a:ln>
+        </p:spPr>
+        <p:style>
+          <a:lnRef idx="2">
+            <a:schemeClr val="accent1">
+              <a:shade val="50000"/>
+            </a:schemeClr>
+          </a:lnRef>
+          <a:fillRef idx="1">
+            <a:schemeClr val="accent1"/>
+          </a:fillRef>
+          <a:effectRef idx="0">
+            <a:schemeClr val="accent1"/>
+          </a:effectRef>
+          <a:fontRef idx="minor">
+            <a:schemeClr val="lt1"/>
+          </a:fontRef>
+        </p:style>
+        <p:txBody>
+          <a:bodyPr rtlCol="0" anchor="ctr"/>
+          <a:lstStyle/>
+          <a:p>
+            <a:pPr algn="ctr"/>
+            <a:endParaRPr lang="zh-CN" altLang="en-US"/>
+          </a:p>
+        </p:txBody>
+      </p:sp>
+      <p:sp>
+        <p:nvSpPr>
+          <p:cNvPr id="56" name="矩形 55"/>
+          <p:cNvSpPr/>
+          <p:nvPr/>
+        </p:nvSpPr>
+        <p:spPr>
+          <a:xfrm flipH="1" flipV="1">
+            <a:off x="10768082" y="5307376"/>
+            <a:ext cx="216000" cy="36000"/>
+          </a:xfrm>
+          <a:prstGeom prst="rect">
+            <a:avLst/>
+          </a:prstGeom>
+          <a:solidFill>
+            <a:srgbClr val="66FF66"/>
+          </a:solidFill>
+          <a:ln>
+            <a:solidFill>
+              <a:schemeClr val="tx1"/>
+            </a:solidFill>
+          </a:ln>
+        </p:spPr>
+        <p:style>
+          <a:lnRef idx="2">
+            <a:schemeClr val="accent1">
+              <a:shade val="50000"/>
+            </a:schemeClr>
+          </a:lnRef>
+          <a:fillRef idx="1">
+            <a:schemeClr val="accent1"/>
+          </a:fillRef>
+          <a:effectRef idx="0">
+            <a:schemeClr val="accent1"/>
+          </a:effectRef>
+          <a:fontRef idx="minor">
+            <a:schemeClr val="lt1"/>
+          </a:fontRef>
+        </p:style>
+        <p:txBody>
+          <a:bodyPr rtlCol="0" anchor="ctr"/>
+          <a:lstStyle/>
+          <a:p>
+            <a:pPr algn="ctr"/>
+            <a:endParaRPr lang="zh-CN" altLang="en-US"/>
+          </a:p>
+        </p:txBody>
+      </p:sp>
+      <p:sp>
+        <p:nvSpPr>
+          <p:cNvPr id="57" name="矩形 56"/>
+          <p:cNvSpPr/>
+          <p:nvPr/>
+        </p:nvSpPr>
+        <p:spPr>
+          <a:xfrm flipH="1">
+            <a:off x="5719411" y="6413526"/>
+            <a:ext cx="36000" cy="216000"/>
+          </a:xfrm>
+          <a:prstGeom prst="rect">
+            <a:avLst/>
+          </a:prstGeom>
+          <a:solidFill>
+            <a:srgbClr val="66FF66"/>
+          </a:solidFill>
+          <a:ln>
+            <a:solidFill>
+              <a:schemeClr val="tx1"/>
+            </a:solidFill>
+          </a:ln>
+        </p:spPr>
+        <p:style>
+          <a:lnRef idx="2">
+            <a:schemeClr val="accent1">
+              <a:shade val="50000"/>
+            </a:schemeClr>
+          </a:lnRef>
+          <a:fillRef idx="1">
+            <a:schemeClr val="accent1"/>
+          </a:fillRef>
+          <a:effectRef idx="0">
+            <a:schemeClr val="accent1"/>
+          </a:effectRef>
+          <a:fontRef idx="minor">
+            <a:schemeClr val="lt1"/>
+          </a:fontRef>
+        </p:style>
+        <p:txBody>
+          <a:bodyPr rtlCol="0" anchor="ctr"/>
+          <a:lstStyle/>
+          <a:p>
+            <a:pPr algn="ctr"/>
+            <a:endParaRPr lang="zh-CN" altLang="en-US"/>
+          </a:p>
+        </p:txBody>
+      </p:sp>
+      <p:sp>
+        <p:nvSpPr>
+          <p:cNvPr id="67" name="矩形 66"/>
+          <p:cNvSpPr/>
+          <p:nvPr/>
+        </p:nvSpPr>
+        <p:spPr>
+          <a:xfrm>
+            <a:off x="6800878" y="2035725"/>
+            <a:ext cx="4906513" cy="144000"/>
+          </a:xfrm>
+          <a:prstGeom prst="rect">
+            <a:avLst/>
+          </a:prstGeom>
+          <a:solidFill>
+            <a:srgbClr val="57564D"/>
+          </a:solidFill>
+          <a:ln>
+            <a:noFill/>
+          </a:ln>
+        </p:spPr>
+        <p:style>
+          <a:lnRef idx="2">
+            <a:schemeClr val="accent1">
+              <a:shade val="50000"/>
+            </a:schemeClr>
+          </a:lnRef>
+          <a:fillRef idx="1">
+            <a:schemeClr val="accent1"/>
+          </a:fillRef>
+          <a:effectRef idx="0">
+            <a:schemeClr val="accent1"/>
+          </a:effectRef>
+          <a:fontRef idx="minor">
+            <a:schemeClr val="lt1"/>
+          </a:fontRef>
+        </p:style>
+        <p:txBody>
+          <a:bodyPr rtlCol="0" anchor="ctr"/>
+          <a:lstStyle/>
+          <a:p>
+            <a:pPr algn="ctr"/>
+            <a:endParaRPr lang="zh-CN" altLang="en-US"/>
+          </a:p>
+        </p:txBody>
+      </p:sp>
+      <p:sp>
+        <p:nvSpPr>
+          <p:cNvPr id="68" name="圆角矩形 67"/>
+          <p:cNvSpPr/>
+          <p:nvPr/>
+        </p:nvSpPr>
+        <p:spPr>
+          <a:xfrm flipH="1">
+            <a:off x="7395718" y="2026466"/>
+            <a:ext cx="2412000" cy="144000"/>
+          </a:xfrm>
+          <a:prstGeom prst="roundRect">
+            <a:avLst/>
+          </a:prstGeom>
+          <a:solidFill>
+            <a:schemeClr val="bg1">
+              <a:lumMod val="85000"/>
+            </a:schemeClr>
+          </a:solidFill>
+          <a:ln w="12700"/>
+        </p:spPr>
+        <p:style>
+          <a:lnRef idx="2">
+            <a:schemeClr val="accent1">
+              <a:shade val="50000"/>
+            </a:schemeClr>
+          </a:lnRef>
+          <a:fillRef idx="1">
+            <a:schemeClr val="accent1"/>
+          </a:fillRef>
+          <a:effectRef idx="0">
+            <a:schemeClr val="accent1"/>
+          </a:effectRef>
+          <a:fontRef idx="minor">
+            <a:schemeClr val="lt1"/>
+          </a:fontRef>
+        </p:style>
+        <p:txBody>
+          <a:bodyPr rtlCol="0" anchor="ctr"/>
+          <a:lstStyle/>
+          <a:p>
+            <a:pPr algn="ctr"/>
+            <a:endParaRPr lang="zh-CN" altLang="en-US"/>
+          </a:p>
+        </p:txBody>
+      </p:sp>
+      <p:sp>
+        <p:nvSpPr>
+          <p:cNvPr id="70" name="矩形 69"/>
+          <p:cNvSpPr/>
+          <p:nvPr/>
+        </p:nvSpPr>
+        <p:spPr>
+          <a:xfrm flipH="1">
+            <a:off x="8339530" y="2026400"/>
+            <a:ext cx="36000" cy="144000"/>
+          </a:xfrm>
+          <a:prstGeom prst="rect">
+            <a:avLst/>
+          </a:prstGeom>
+          <a:solidFill>
+            <a:srgbClr val="66FF66"/>
+          </a:solidFill>
+          <a:ln>
+            <a:solidFill>
+              <a:schemeClr val="tx1"/>
+            </a:solidFill>
+          </a:ln>
+        </p:spPr>
+        <p:style>
+          <a:lnRef idx="2">
+            <a:schemeClr val="accent1">
+              <a:shade val="50000"/>
+            </a:schemeClr>
+          </a:lnRef>
+          <a:fillRef idx="1">
+            <a:schemeClr val="accent1"/>
+          </a:fillRef>
+          <a:effectRef idx="0">
+            <a:schemeClr val="accent1"/>
+          </a:effectRef>
+          <a:fontRef idx="minor">
+            <a:schemeClr val="lt1"/>
+          </a:fontRef>
+        </p:style>
+        <p:txBody>
+          <a:bodyPr rtlCol="0" anchor="ctr"/>
+          <a:lstStyle/>
+          <a:p>
+            <a:pPr algn="ctr"/>
+            <a:endParaRPr lang="zh-CN" altLang="en-US"/>
+          </a:p>
+        </p:txBody>
+      </p:sp>
+      <p:sp>
+        <p:nvSpPr>
+          <p:cNvPr id="92" name="文本框 91"/>
+          <p:cNvSpPr txBox="1"/>
+          <p:nvPr/>
+        </p:nvSpPr>
+        <p:spPr>
+          <a:xfrm>
+            <a:off x="6872785" y="541740"/>
+            <a:ext cx="864000" cy="108000"/>
+          </a:xfrm>
+          <a:prstGeom prst="rect">
+            <a:avLst/>
+          </a:prstGeom>
+          <a:solidFill>
+            <a:srgbClr val="E9DDBD"/>
+          </a:solidFill>
+          <a:ln w="12700">
+            <a:solidFill>
+              <a:schemeClr val="tx1"/>
+            </a:solidFill>
+          </a:ln>
+        </p:spPr>
+        <p:txBody>
+          <a:bodyPr wrap="square" rtlCol="0">
+            <a:spAutoFit/>
+          </a:bodyPr>
+          <a:lstStyle/>
+          <a:p>
+            <a:endParaRPr lang="zh-CN" altLang="en-US" sz="1600" b="1" dirty="0">
+              <a:latin typeface="等线" panose="02010600030101010101" pitchFamily="2" charset="-122"/>
+              <a:ea typeface="等线" panose="02010600030101010101" pitchFamily="2" charset="-122"/>
+            </a:endParaRPr>
+          </a:p>
+        </p:txBody>
+      </p:sp>
+      <p:sp>
+        <p:nvSpPr>
+          <p:cNvPr id="93" name="文本框 92"/>
+          <p:cNvSpPr txBox="1"/>
+          <p:nvPr/>
+        </p:nvSpPr>
+        <p:spPr>
+          <a:xfrm>
+            <a:off x="7724215" y="830674"/>
+            <a:ext cx="1152000" cy="108000"/>
+          </a:xfrm>
+          <a:prstGeom prst="rect">
+            <a:avLst/>
+          </a:prstGeom>
+          <a:solidFill>
+            <a:srgbClr val="E9DDBD"/>
+          </a:solidFill>
+          <a:ln w="12700">
+            <a:solidFill>
+              <a:schemeClr val="tx1"/>
+            </a:solidFill>
+          </a:ln>
+        </p:spPr>
+        <p:txBody>
+          <a:bodyPr wrap="square" rtlCol="0">
+            <a:spAutoFit/>
+          </a:bodyPr>
+          <a:lstStyle/>
+          <a:p>
+            <a:endParaRPr lang="zh-CN" altLang="en-US" sz="1600" b="1" dirty="0">
+              <a:latin typeface="等线" panose="02010600030101010101" pitchFamily="2" charset="-122"/>
+              <a:ea typeface="等线" panose="02010600030101010101" pitchFamily="2" charset="-122"/>
+            </a:endParaRPr>
+          </a:p>
+        </p:txBody>
+      </p:sp>
+      <p:sp>
+        <p:nvSpPr>
+          <p:cNvPr id="94" name="文本框 93"/>
+          <p:cNvSpPr txBox="1"/>
+          <p:nvPr/>
+        </p:nvSpPr>
+        <p:spPr>
+          <a:xfrm>
+            <a:off x="8801126" y="547393"/>
+            <a:ext cx="432000" cy="108000"/>
+          </a:xfrm>
+          <a:prstGeom prst="rect">
+            <a:avLst/>
+          </a:prstGeom>
+          <a:solidFill>
+            <a:srgbClr val="66FF66"/>
+          </a:solidFill>
+          <a:ln w="12700">
+            <a:solidFill>
+              <a:schemeClr val="tx1"/>
+            </a:solidFill>
+          </a:ln>
+        </p:spPr>
+        <p:txBody>
+          <a:bodyPr wrap="square" rtlCol="0">
+            <a:spAutoFit/>
+          </a:bodyPr>
+          <a:lstStyle/>
+          <a:p>
+            <a:endParaRPr lang="zh-CN" altLang="en-US" sz="1600" b="1" dirty="0">
+              <a:latin typeface="等线" panose="02010600030101010101" pitchFamily="2" charset="-122"/>
+              <a:ea typeface="等线" panose="02010600030101010101" pitchFamily="2" charset="-122"/>
+            </a:endParaRPr>
+          </a:p>
+        </p:txBody>
+      </p:sp>
+      <p:sp>
+        <p:nvSpPr>
+          <p:cNvPr id="95" name="文本框 94"/>
+          <p:cNvSpPr txBox="1"/>
+          <p:nvPr/>
+        </p:nvSpPr>
+        <p:spPr>
+          <a:xfrm>
+            <a:off x="9462172" y="1212017"/>
+            <a:ext cx="864000" cy="108000"/>
+          </a:xfrm>
+          <a:prstGeom prst="rect">
+            <a:avLst/>
+          </a:prstGeom>
+          <a:solidFill>
+            <a:srgbClr val="E9DDBD"/>
+          </a:solidFill>
+          <a:ln w="12700">
+            <a:solidFill>
+              <a:schemeClr val="tx1"/>
+            </a:solidFill>
+          </a:ln>
+        </p:spPr>
+        <p:txBody>
+          <a:bodyPr wrap="square" rtlCol="0">
+            <a:spAutoFit/>
+          </a:bodyPr>
+          <a:lstStyle/>
+          <a:p>
+            <a:endParaRPr lang="zh-CN" altLang="en-US" sz="1600" b="1" dirty="0">
+              <a:latin typeface="等线" panose="02010600030101010101" pitchFamily="2" charset="-122"/>
+              <a:ea typeface="等线" panose="02010600030101010101" pitchFamily="2" charset="-122"/>
+            </a:endParaRPr>
+          </a:p>
+        </p:txBody>
+      </p:sp>
+      <p:sp>
+        <p:nvSpPr>
+          <p:cNvPr id="97" name="文本框 96"/>
+          <p:cNvSpPr txBox="1"/>
+          <p:nvPr/>
+        </p:nvSpPr>
+        <p:spPr>
+          <a:xfrm>
+            <a:off x="10326172" y="828882"/>
+            <a:ext cx="540000" cy="108000"/>
+          </a:xfrm>
+          <a:prstGeom prst="rect">
+            <a:avLst/>
+          </a:prstGeom>
+          <a:solidFill>
+            <a:srgbClr val="E9DDBD"/>
+          </a:solidFill>
+          <a:ln w="12700">
+            <a:solidFill>
+              <a:schemeClr val="tx1"/>
+            </a:solidFill>
+          </a:ln>
+        </p:spPr>
+        <p:txBody>
+          <a:bodyPr wrap="square" rtlCol="0">
+            <a:spAutoFit/>
+          </a:bodyPr>
+          <a:lstStyle/>
+          <a:p>
+            <a:endParaRPr lang="zh-CN" altLang="en-US" sz="1600" b="1" dirty="0">
+              <a:latin typeface="等线" panose="02010600030101010101" pitchFamily="2" charset="-122"/>
+              <a:ea typeface="等线" panose="02010600030101010101" pitchFamily="2" charset="-122"/>
+            </a:endParaRPr>
+          </a:p>
+        </p:txBody>
+      </p:sp>
+      <p:sp>
+        <p:nvSpPr>
+          <p:cNvPr id="88" name="矩形 87"/>
+          <p:cNvSpPr/>
+          <p:nvPr/>
+        </p:nvSpPr>
+        <p:spPr>
+          <a:xfrm>
+            <a:off x="8930359" y="316107"/>
+            <a:ext cx="36000" cy="1720800"/>
+          </a:xfrm>
+          <a:prstGeom prst="rect">
+            <a:avLst/>
+          </a:prstGeom>
+          <a:solidFill>
+            <a:srgbClr val="66FF66"/>
+          </a:solidFill>
+          <a:ln>
+            <a:noFill/>
+          </a:ln>
+        </p:spPr>
+        <p:style>
+          <a:lnRef idx="2">
+            <a:schemeClr val="accent1">
+              <a:shade val="50000"/>
+            </a:schemeClr>
+          </a:lnRef>
+          <a:fillRef idx="1">
+            <a:schemeClr val="accent1"/>
+          </a:fillRef>
+          <a:effectRef idx="0">
+            <a:schemeClr val="accent1"/>
+          </a:effectRef>
+          <a:fontRef idx="minor">
+            <a:schemeClr val="lt1"/>
+          </a:fontRef>
+        </p:style>
+        <p:txBody>
+          <a:bodyPr rtlCol="0" anchor="ctr"/>
+          <a:lstStyle/>
+          <a:p>
+            <a:pPr algn="ctr"/>
+            <a:endParaRPr lang="zh-CN" altLang="en-US"/>
+          </a:p>
+        </p:txBody>
+      </p:sp>
+      <p:sp>
+        <p:nvSpPr>
+          <p:cNvPr id="99" name="文本框 98"/>
+          <p:cNvSpPr txBox="1"/>
+          <p:nvPr/>
+        </p:nvSpPr>
+        <p:spPr>
+          <a:xfrm>
+            <a:off x="6791347" y="2295810"/>
+            <a:ext cx="3277963" cy="338554"/>
+          </a:xfrm>
+          <a:prstGeom prst="rect">
+            <a:avLst/>
+          </a:prstGeom>
+          <a:solidFill>
+            <a:srgbClr val="66FF66"/>
+          </a:solidFill>
+          <a:ln w="38100">
+            <a:solidFill>
+              <a:schemeClr val="tx1"/>
+            </a:solidFill>
+          </a:ln>
+        </p:spPr>
+        <p:txBody>
+          <a:bodyPr wrap="square" rtlCol="0">
+            <a:spAutoFit/>
+          </a:bodyPr>
+          <a:lstStyle/>
+          <a:p>
+            <a:r>
+              <a:rPr lang="en-US" altLang="zh-CN" sz="1600" b="1" dirty="0" smtClean="0">
+                <a:latin typeface="等线" panose="02010600030101010101" pitchFamily="2" charset="-122"/>
+                <a:ea typeface="等线" panose="02010600030101010101" pitchFamily="2" charset="-122"/>
+              </a:rPr>
+              <a:t>walk</a:t>
+            </a:r>
+            <a:endParaRPr lang="zh-CN" altLang="en-US" sz="1600" b="1" dirty="0">
+              <a:latin typeface="等线" panose="02010600030101010101" pitchFamily="2" charset="-122"/>
+              <a:ea typeface="等线" panose="02010600030101010101" pitchFamily="2" charset="-122"/>
+            </a:endParaRPr>
+          </a:p>
+        </p:txBody>
+      </p:sp>
+      <p:sp>
+        <p:nvSpPr>
+          <p:cNvPr id="107" name="文本框 106"/>
+          <p:cNvSpPr txBox="1"/>
+          <p:nvPr/>
+        </p:nvSpPr>
+        <p:spPr>
+          <a:xfrm>
+            <a:off x="10717310" y="11616"/>
+            <a:ext cx="216000" cy="216000"/>
+          </a:xfrm>
+          <a:prstGeom prst="rect">
+            <a:avLst/>
+          </a:prstGeom>
+          <a:solidFill>
+            <a:srgbClr val="E9DDBD"/>
+          </a:solidFill>
+          <a:ln w="12700">
+            <a:solidFill>
+              <a:schemeClr val="tx1"/>
+            </a:solidFill>
+          </a:ln>
+        </p:spPr>
+        <p:txBody>
+          <a:bodyPr wrap="square" rtlCol="0">
+            <a:spAutoFit/>
+          </a:bodyPr>
+          <a:lstStyle/>
+          <a:p>
+            <a:endParaRPr lang="zh-CN" altLang="en-US" sz="1600" b="1" dirty="0">
+              <a:latin typeface="等线" panose="02010600030101010101" pitchFamily="2" charset="-122"/>
+              <a:ea typeface="等线" panose="02010600030101010101" pitchFamily="2" charset="-122"/>
+            </a:endParaRPr>
+          </a:p>
+        </p:txBody>
+      </p:sp>
+      <p:sp>
+        <p:nvSpPr>
+          <p:cNvPr id="108" name="文本框 107"/>
+          <p:cNvSpPr txBox="1"/>
+          <p:nvPr/>
+        </p:nvSpPr>
+        <p:spPr>
+          <a:xfrm>
+            <a:off x="11405181" y="-50686"/>
+            <a:ext cx="506087" cy="338554"/>
+          </a:xfrm>
+          <a:prstGeom prst="rect">
+            <a:avLst/>
+          </a:prstGeom>
+          <a:noFill/>
+        </p:spPr>
+        <p:txBody>
+          <a:bodyPr wrap="square" rtlCol="0">
+            <a:spAutoFit/>
+          </a:bodyPr>
+          <a:lstStyle/>
+          <a:p>
+            <a:pPr algn="r"/>
+            <a:r>
+              <a:rPr lang="en-US" altLang="zh-CN" sz="1600" b="1" dirty="0" smtClean="0"/>
+              <a:t>30</a:t>
+            </a:r>
+            <a:endParaRPr lang="zh-CN" altLang="en-US" sz="1600" b="1" dirty="0"/>
+          </a:p>
+        </p:txBody>
+      </p:sp>
+      <p:sp>
+        <p:nvSpPr>
+          <p:cNvPr id="75" name="文本框 74"/>
+          <p:cNvSpPr txBox="1"/>
+          <p:nvPr/>
+        </p:nvSpPr>
+        <p:spPr>
+          <a:xfrm>
+            <a:off x="10866172" y="1525807"/>
+            <a:ext cx="864000" cy="108000"/>
+          </a:xfrm>
+          <a:prstGeom prst="rect">
+            <a:avLst/>
+          </a:prstGeom>
+          <a:solidFill>
+            <a:srgbClr val="E9DDBD"/>
+          </a:solidFill>
+          <a:ln w="12700">
+            <a:solidFill>
+              <a:schemeClr val="tx1"/>
+            </a:solidFill>
+          </a:ln>
+        </p:spPr>
+        <p:txBody>
+          <a:bodyPr wrap="square" rtlCol="0">
+            <a:spAutoFit/>
+          </a:bodyPr>
+          <a:lstStyle/>
+          <a:p>
+            <a:endParaRPr lang="zh-CN" altLang="en-US" sz="1600" b="1" dirty="0">
+              <a:latin typeface="等线" panose="02010600030101010101" pitchFamily="2" charset="-122"/>
+              <a:ea typeface="等线" panose="02010600030101010101" pitchFamily="2" charset="-122"/>
+            </a:endParaRPr>
+          </a:p>
+        </p:txBody>
+      </p:sp>
+      <p:sp>
+        <p:nvSpPr>
+          <p:cNvPr id="102" name="矩形 101"/>
+          <p:cNvSpPr/>
+          <p:nvPr/>
+        </p:nvSpPr>
+        <p:spPr>
+          <a:xfrm>
+            <a:off x="11721039" y="316107"/>
+            <a:ext cx="146556" cy="1705971"/>
+          </a:xfrm>
+          <a:prstGeom prst="rect">
+            <a:avLst/>
+          </a:prstGeom>
+          <a:solidFill>
+            <a:srgbClr val="57564D"/>
+          </a:solidFill>
+          <a:ln>
+            <a:noFill/>
+          </a:ln>
+        </p:spPr>
+        <p:style>
+          <a:lnRef idx="2">
+            <a:schemeClr val="accent1">
+              <a:shade val="50000"/>
+            </a:schemeClr>
+          </a:lnRef>
+          <a:fillRef idx="1">
+            <a:schemeClr val="accent1"/>
+          </a:fillRef>
+          <a:effectRef idx="0">
+            <a:schemeClr val="accent1"/>
+          </a:effectRef>
+          <a:fontRef idx="minor">
+            <a:schemeClr val="lt1"/>
+          </a:fontRef>
+        </p:style>
+        <p:txBody>
+          <a:bodyPr rtlCol="0" anchor="ctr"/>
+          <a:lstStyle/>
+          <a:p>
+            <a:pPr algn="ctr"/>
+            <a:endParaRPr lang="zh-CN" altLang="en-US"/>
+          </a:p>
+        </p:txBody>
+      </p:sp>
+      <p:sp>
+        <p:nvSpPr>
+          <p:cNvPr id="109" name="圆角矩形 108"/>
+          <p:cNvSpPr/>
+          <p:nvPr/>
+        </p:nvSpPr>
+        <p:spPr>
+          <a:xfrm>
+            <a:off x="11728121" y="318459"/>
+            <a:ext cx="138405" cy="1201781"/>
+          </a:xfrm>
+          <a:prstGeom prst="roundRect">
+            <a:avLst/>
+          </a:prstGeom>
+          <a:solidFill>
+            <a:schemeClr val="bg1">
+              <a:lumMod val="85000"/>
+            </a:schemeClr>
+          </a:solidFill>
+          <a:ln w="12700"/>
+        </p:spPr>
+        <p:style>
+          <a:lnRef idx="2">
+            <a:schemeClr val="accent1">
+              <a:shade val="50000"/>
+            </a:schemeClr>
+          </a:lnRef>
+          <a:fillRef idx="1">
+            <a:schemeClr val="accent1"/>
+          </a:fillRef>
+          <a:effectRef idx="0">
+            <a:schemeClr val="accent1"/>
+          </a:effectRef>
+          <a:fontRef idx="minor">
+            <a:schemeClr val="lt1"/>
+          </a:fontRef>
+        </p:style>
+        <p:txBody>
+          <a:bodyPr rtlCol="0" anchor="ctr"/>
+          <a:lstStyle/>
+          <a:p>
+            <a:pPr algn="ctr"/>
+            <a:endParaRPr lang="zh-CN" altLang="en-US"/>
+          </a:p>
+        </p:txBody>
+      </p:sp>
+      <p:sp>
+        <p:nvSpPr>
+          <p:cNvPr id="110" name="矩形 109"/>
+          <p:cNvSpPr/>
+          <p:nvPr/>
+        </p:nvSpPr>
+        <p:spPr>
+          <a:xfrm flipH="1" flipV="1">
+            <a:off x="11721039" y="377058"/>
+            <a:ext cx="144000" cy="144000"/>
+          </a:xfrm>
+          <a:prstGeom prst="rect">
+            <a:avLst/>
+          </a:prstGeom>
+          <a:solidFill>
+            <a:srgbClr val="66FF66"/>
+          </a:solidFill>
+          <a:ln>
+            <a:solidFill>
+              <a:schemeClr val="tx1"/>
+            </a:solidFill>
+          </a:ln>
+        </p:spPr>
+        <p:style>
+          <a:lnRef idx="2">
+            <a:schemeClr val="accent1">
+              <a:shade val="50000"/>
+            </a:schemeClr>
+          </a:lnRef>
+          <a:fillRef idx="1">
+            <a:schemeClr val="accent1"/>
+          </a:fillRef>
+          <a:effectRef idx="0">
+            <a:schemeClr val="accent1"/>
+          </a:effectRef>
+          <a:fontRef idx="minor">
+            <a:schemeClr val="lt1"/>
+          </a:fontRef>
+        </p:style>
+        <p:txBody>
+          <a:bodyPr rtlCol="0" anchor="ctr"/>
+          <a:lstStyle/>
+          <a:p>
+            <a:pPr algn="ctr"/>
+            <a:endParaRPr lang="zh-CN" altLang="en-US"/>
+          </a:p>
+        </p:txBody>
+      </p:sp>
+      <p:sp>
+        <p:nvSpPr>
+          <p:cNvPr id="112" name="文本框 111"/>
+          <p:cNvSpPr txBox="1"/>
+          <p:nvPr/>
+        </p:nvSpPr>
+        <p:spPr>
+          <a:xfrm>
+            <a:off x="2495991" y="4390994"/>
+            <a:ext cx="864000" cy="216000"/>
+          </a:xfrm>
+          <a:prstGeom prst="rect">
+            <a:avLst/>
+          </a:prstGeom>
+          <a:solidFill>
+            <a:schemeClr val="tx1"/>
+          </a:solidFill>
+          <a:ln w="12700">
+            <a:noFill/>
+          </a:ln>
+        </p:spPr>
+        <p:txBody>
+          <a:bodyPr wrap="square" rtlCol="0">
+            <a:spAutoFit/>
+          </a:bodyPr>
+          <a:lstStyle/>
+          <a:p>
+            <a:endParaRPr lang="zh-CN" altLang="en-US" sz="1600" b="1" dirty="0">
+              <a:latin typeface="等线" panose="02010600030101010101" pitchFamily="2" charset="-122"/>
+              <a:ea typeface="等线" panose="02010600030101010101" pitchFamily="2" charset="-122"/>
+            </a:endParaRPr>
+          </a:p>
+        </p:txBody>
+      </p:sp>
+      <p:sp>
+        <p:nvSpPr>
+          <p:cNvPr id="113" name="文本框 112"/>
+          <p:cNvSpPr txBox="1"/>
+          <p:nvPr/>
+        </p:nvSpPr>
+        <p:spPr>
+          <a:xfrm>
+            <a:off x="2437913" y="4332698"/>
+            <a:ext cx="701797" cy="338554"/>
+          </a:xfrm>
+          <a:prstGeom prst="rect">
+            <a:avLst/>
+          </a:prstGeom>
+          <a:noFill/>
+          <a:ln>
+            <a:noFill/>
+          </a:ln>
+        </p:spPr>
+        <p:txBody>
+          <a:bodyPr wrap="square" rtlCol="0">
+            <a:spAutoFit/>
+          </a:bodyPr>
+          <a:lstStyle/>
+          <a:p>
+            <a:r>
+              <a:rPr lang="en-US" altLang="zh-CN" sz="1600" b="1" dirty="0" smtClean="0">
+                <a:solidFill>
+                  <a:srgbClr val="66FF66"/>
+                </a:solidFill>
+              </a:rPr>
+              <a:t>1210</a:t>
+            </a:r>
+            <a:endParaRPr lang="zh-CN" altLang="en-US" sz="1600" b="1" dirty="0">
+              <a:solidFill>
+                <a:srgbClr val="66FF66"/>
+              </a:solidFill>
+            </a:endParaRPr>
+          </a:p>
+        </p:txBody>
+      </p:sp>
+      <p:sp>
+        <p:nvSpPr>
+          <p:cNvPr id="120" name="文本框 119"/>
+          <p:cNvSpPr txBox="1"/>
+          <p:nvPr/>
+        </p:nvSpPr>
+        <p:spPr>
+          <a:xfrm>
+            <a:off x="10069310" y="4404216"/>
+            <a:ext cx="864000" cy="216000"/>
+          </a:xfrm>
+          <a:prstGeom prst="rect">
+            <a:avLst/>
+          </a:prstGeom>
+          <a:solidFill>
+            <a:schemeClr val="bg1"/>
+          </a:solidFill>
+          <a:ln w="12700">
+            <a:noFill/>
+          </a:ln>
+        </p:spPr>
+        <p:txBody>
+          <a:bodyPr wrap="square" rtlCol="0">
+            <a:spAutoFit/>
+          </a:bodyPr>
+          <a:lstStyle/>
+          <a:p>
+            <a:endParaRPr lang="zh-CN" altLang="en-US" sz="1600" b="1" dirty="0">
+              <a:latin typeface="等线" panose="02010600030101010101" pitchFamily="2" charset="-122"/>
+              <a:ea typeface="等线" panose="02010600030101010101" pitchFamily="2" charset="-122"/>
+            </a:endParaRPr>
+          </a:p>
+        </p:txBody>
+      </p:sp>
+      <p:sp>
+        <p:nvSpPr>
+          <p:cNvPr id="121" name="文本框 120"/>
+          <p:cNvSpPr txBox="1"/>
+          <p:nvPr/>
+        </p:nvSpPr>
+        <p:spPr>
+          <a:xfrm>
+            <a:off x="9253310" y="4393127"/>
+            <a:ext cx="720000" cy="216000"/>
+          </a:xfrm>
+          <a:prstGeom prst="rect">
+            <a:avLst/>
+          </a:prstGeom>
+          <a:solidFill>
+            <a:srgbClr val="E9DDBD"/>
+          </a:solidFill>
+          <a:ln w="12700">
+            <a:solidFill>
+              <a:schemeClr val="tx1"/>
+            </a:solidFill>
+          </a:ln>
+        </p:spPr>
+        <p:txBody>
+          <a:bodyPr wrap="square" rtlCol="0">
+            <a:spAutoFit/>
+          </a:bodyPr>
+          <a:lstStyle/>
+          <a:p>
+            <a:endParaRPr lang="zh-CN" altLang="en-US" sz="1600" b="1" dirty="0">
+              <a:latin typeface="等线" panose="02010600030101010101" pitchFamily="2" charset="-122"/>
+              <a:ea typeface="等线" panose="02010600030101010101" pitchFamily="2" charset="-122"/>
+            </a:endParaRPr>
+          </a:p>
+        </p:txBody>
+      </p:sp>
+      <p:sp>
+        <p:nvSpPr>
+          <p:cNvPr id="122" name="文本框 121"/>
+          <p:cNvSpPr txBox="1"/>
+          <p:nvPr/>
+        </p:nvSpPr>
+        <p:spPr>
+          <a:xfrm>
+            <a:off x="10473452" y="4330825"/>
+            <a:ext cx="506087" cy="338554"/>
+          </a:xfrm>
+          <a:prstGeom prst="rect">
+            <a:avLst/>
+          </a:prstGeom>
+          <a:noFill/>
+        </p:spPr>
+        <p:txBody>
+          <a:bodyPr wrap="square" rtlCol="0">
+            <a:spAutoFit/>
+          </a:bodyPr>
+          <a:lstStyle/>
+          <a:p>
+            <a:pPr algn="r"/>
+            <a:r>
+              <a:rPr lang="en-US" altLang="zh-CN" sz="1600" b="1" dirty="0" smtClean="0"/>
+              <a:t>300</a:t>
+            </a:r>
+            <a:endParaRPr lang="zh-CN" altLang="en-US" sz="1600" b="1" dirty="0"/>
+          </a:p>
+        </p:txBody>
+      </p:sp>
+      <p:sp>
+        <p:nvSpPr>
+          <p:cNvPr id="135" name="文本框 134"/>
+          <p:cNvSpPr txBox="1"/>
+          <p:nvPr/>
+        </p:nvSpPr>
+        <p:spPr>
+          <a:xfrm>
+            <a:off x="4716390" y="4358073"/>
+            <a:ext cx="360000" cy="216000"/>
+          </a:xfrm>
+          <a:prstGeom prst="rect">
+            <a:avLst/>
+          </a:prstGeom>
+          <a:solidFill>
+            <a:srgbClr val="FFD966"/>
+          </a:solidFill>
+          <a:ln w="25400">
+            <a:solidFill>
+              <a:schemeClr val="tx1"/>
+            </a:solidFill>
+          </a:ln>
+        </p:spPr>
+        <p:txBody>
+          <a:bodyPr wrap="square" rtlCol="0">
+            <a:spAutoFit/>
+          </a:bodyPr>
+          <a:lstStyle/>
+          <a:p>
+            <a:endParaRPr lang="zh-CN" altLang="en-US" sz="2000" b="1" dirty="0">
+              <a:latin typeface="等线" panose="02010600030101010101" pitchFamily="2" charset="-122"/>
+              <a:ea typeface="等线" panose="02010600030101010101" pitchFamily="2" charset="-122"/>
+            </a:endParaRPr>
+          </a:p>
+        </p:txBody>
+      </p:sp>
+      <p:sp>
+        <p:nvSpPr>
+          <p:cNvPr id="137" name="文本框 136"/>
+          <p:cNvSpPr txBox="1"/>
+          <p:nvPr/>
+        </p:nvSpPr>
+        <p:spPr>
+          <a:xfrm>
+            <a:off x="5073146" y="4358073"/>
+            <a:ext cx="360000" cy="216000"/>
+          </a:xfrm>
+          <a:prstGeom prst="rect">
+            <a:avLst/>
+          </a:prstGeom>
+          <a:solidFill>
+            <a:srgbClr val="ED6D6B"/>
+          </a:solidFill>
+          <a:ln w="25400">
+            <a:solidFill>
+              <a:schemeClr val="tx1"/>
+            </a:solidFill>
+          </a:ln>
+        </p:spPr>
+        <p:txBody>
+          <a:bodyPr wrap="square" rtlCol="0">
+            <a:spAutoFit/>
+          </a:bodyPr>
+          <a:lstStyle/>
+          <a:p>
+            <a:endParaRPr lang="zh-CN" altLang="en-US" sz="2000" b="1" dirty="0">
+              <a:latin typeface="等线" panose="02010600030101010101" pitchFamily="2" charset="-122"/>
+              <a:ea typeface="等线" panose="02010600030101010101" pitchFamily="2" charset="-122"/>
+            </a:endParaRPr>
+          </a:p>
+        </p:txBody>
+      </p:sp>
+      <p:sp>
+        <p:nvSpPr>
+          <p:cNvPr id="138" name="文本框 137"/>
+          <p:cNvSpPr txBox="1"/>
+          <p:nvPr/>
+        </p:nvSpPr>
+        <p:spPr>
+          <a:xfrm>
+            <a:off x="5429907" y="4358073"/>
+            <a:ext cx="360000" cy="216000"/>
+          </a:xfrm>
+          <a:prstGeom prst="rect">
+            <a:avLst/>
+          </a:prstGeom>
+          <a:solidFill>
+            <a:srgbClr val="4B79FB"/>
+          </a:solidFill>
+          <a:ln w="25400">
+            <a:solidFill>
+              <a:schemeClr val="tx1"/>
+            </a:solidFill>
+          </a:ln>
+        </p:spPr>
+        <p:txBody>
+          <a:bodyPr wrap="square" rtlCol="0">
+            <a:spAutoFit/>
+          </a:bodyPr>
+          <a:lstStyle/>
+          <a:p>
+            <a:endParaRPr lang="zh-CN" altLang="en-US" sz="2000" b="1" dirty="0">
+              <a:latin typeface="等线" panose="02010600030101010101" pitchFamily="2" charset="-122"/>
+              <a:ea typeface="等线" panose="02010600030101010101" pitchFamily="2" charset="-122"/>
+            </a:endParaRPr>
+          </a:p>
+        </p:txBody>
+      </p:sp>
+      <p:sp>
+        <p:nvSpPr>
+          <p:cNvPr id="139" name="文本框 138"/>
+          <p:cNvSpPr txBox="1"/>
+          <p:nvPr/>
+        </p:nvSpPr>
+        <p:spPr>
+          <a:xfrm>
+            <a:off x="5794268" y="4358073"/>
+            <a:ext cx="360000" cy="216000"/>
+          </a:xfrm>
+          <a:prstGeom prst="rect">
+            <a:avLst/>
+          </a:prstGeom>
+          <a:solidFill>
+            <a:srgbClr val="50D0C4"/>
+          </a:solidFill>
+          <a:ln w="25400">
+            <a:solidFill>
+              <a:schemeClr val="tx1"/>
+            </a:solidFill>
+          </a:ln>
+        </p:spPr>
+        <p:txBody>
+          <a:bodyPr wrap="square" rtlCol="0">
+            <a:spAutoFit/>
+          </a:bodyPr>
+          <a:lstStyle/>
+          <a:p>
+            <a:endParaRPr lang="zh-CN" altLang="en-US" sz="2000" b="1" dirty="0">
+              <a:latin typeface="等线" panose="02010600030101010101" pitchFamily="2" charset="-122"/>
+              <a:ea typeface="等线" panose="02010600030101010101" pitchFamily="2" charset="-122"/>
+            </a:endParaRPr>
+          </a:p>
+        </p:txBody>
+      </p:sp>
+      <p:sp>
+        <p:nvSpPr>
+          <p:cNvPr id="140" name="文本框 139"/>
+          <p:cNvSpPr txBox="1"/>
+          <p:nvPr/>
+        </p:nvSpPr>
+        <p:spPr>
+          <a:xfrm>
+            <a:off x="6149392" y="4356565"/>
+            <a:ext cx="360000" cy="216000"/>
+          </a:xfrm>
+          <a:prstGeom prst="rect">
+            <a:avLst/>
+          </a:prstGeom>
+          <a:solidFill>
+            <a:srgbClr val="BB71C1"/>
+          </a:solidFill>
+          <a:ln w="25400">
+            <a:solidFill>
+              <a:schemeClr val="tx1"/>
+            </a:solidFill>
+          </a:ln>
+        </p:spPr>
+        <p:txBody>
+          <a:bodyPr wrap="square" rtlCol="0">
+            <a:spAutoFit/>
+          </a:bodyPr>
+          <a:lstStyle/>
+          <a:p>
+            <a:endParaRPr lang="zh-CN" altLang="en-US" sz="2000" b="1" dirty="0">
+              <a:latin typeface="等线" panose="02010600030101010101" pitchFamily="2" charset="-122"/>
+              <a:ea typeface="等线" panose="02010600030101010101" pitchFamily="2" charset="-122"/>
+            </a:endParaRPr>
+          </a:p>
+        </p:txBody>
+      </p:sp>
+      <p:sp>
+        <p:nvSpPr>
+          <p:cNvPr id="141" name="文本框 140"/>
+          <p:cNvSpPr txBox="1"/>
+          <p:nvPr/>
+        </p:nvSpPr>
+        <p:spPr>
+          <a:xfrm>
+            <a:off x="6736536" y="4355528"/>
+            <a:ext cx="360000" cy="216000"/>
+          </a:xfrm>
+          <a:prstGeom prst="rect">
+            <a:avLst/>
+          </a:prstGeom>
+          <a:solidFill>
+            <a:schemeClr val="bg1">
+              <a:lumMod val="65000"/>
+            </a:schemeClr>
+          </a:solidFill>
+          <a:ln w="25400">
+            <a:solidFill>
+              <a:schemeClr val="tx1"/>
+            </a:solidFill>
+          </a:ln>
+        </p:spPr>
+        <p:txBody>
+          <a:bodyPr wrap="square" rtlCol="0">
+            <a:spAutoFit/>
+          </a:bodyPr>
+          <a:lstStyle/>
+          <a:p>
+            <a:endParaRPr lang="zh-CN" altLang="en-US" sz="2000" b="1" dirty="0">
+              <a:latin typeface="等线" panose="02010600030101010101" pitchFamily="2" charset="-122"/>
+              <a:ea typeface="等线" panose="02010600030101010101" pitchFamily="2" charset="-122"/>
+            </a:endParaRPr>
+          </a:p>
+        </p:txBody>
+      </p:sp>
+      <p:sp>
+        <p:nvSpPr>
+          <p:cNvPr id="142" name="文本框 141"/>
+          <p:cNvSpPr txBox="1"/>
+          <p:nvPr/>
+        </p:nvSpPr>
+        <p:spPr>
+          <a:xfrm>
+            <a:off x="7091280" y="4359016"/>
+            <a:ext cx="360000" cy="216000"/>
+          </a:xfrm>
+          <a:prstGeom prst="rect">
+            <a:avLst/>
+          </a:prstGeom>
+          <a:solidFill>
+            <a:srgbClr val="EB6C6B"/>
+          </a:solidFill>
+          <a:ln w="25400">
+            <a:solidFill>
+              <a:schemeClr val="tx1"/>
+            </a:solidFill>
+          </a:ln>
+        </p:spPr>
+        <p:txBody>
+          <a:bodyPr wrap="square" rtlCol="0">
+            <a:spAutoFit/>
+          </a:bodyPr>
+          <a:lstStyle/>
+          <a:p>
+            <a:endParaRPr lang="zh-CN" altLang="en-US" sz="2000" b="1" dirty="0">
+              <a:latin typeface="等线" panose="02010600030101010101" pitchFamily="2" charset="-122"/>
+              <a:ea typeface="等线" panose="02010600030101010101" pitchFamily="2" charset="-122"/>
+            </a:endParaRPr>
+          </a:p>
+        </p:txBody>
+      </p:sp>
+      <p:sp>
+        <p:nvSpPr>
+          <p:cNvPr id="71" name="等腰三角形 70"/>
+          <p:cNvSpPr/>
+          <p:nvPr/>
+        </p:nvSpPr>
+        <p:spPr>
+          <a:xfrm flipV="1">
+            <a:off x="9784279" y="2394696"/>
+            <a:ext cx="189031" cy="173217"/>
+          </a:xfrm>
+          <a:prstGeom prst="triangle">
+            <a:avLst/>
+          </a:prstGeom>
+          <a:solidFill>
+            <a:schemeClr val="tx1"/>
+          </a:solidFill>
+        </p:spPr>
+        <p:style>
+          <a:lnRef idx="2">
+            <a:schemeClr val="accent1">
+              <a:shade val="50000"/>
+            </a:schemeClr>
+          </a:lnRef>
+          <a:fillRef idx="1">
+            <a:schemeClr val="accent1"/>
+          </a:fillRef>
+          <a:effectRef idx="0">
+            <a:schemeClr val="accent1"/>
+          </a:effectRef>
+          <a:fontRef idx="minor">
+            <a:schemeClr val="lt1"/>
+          </a:fontRef>
+        </p:style>
+        <p:txBody>
+          <a:bodyPr rtlCol="0" anchor="ctr"/>
+          <a:lstStyle/>
+          <a:p>
+            <a:pPr algn="ctr"/>
+            <a:endParaRPr lang="zh-CN" altLang="en-US"/>
+          </a:p>
+        </p:txBody>
+      </p:sp>
+      <p:sp>
+        <p:nvSpPr>
+          <p:cNvPr id="143" name="文本框 142"/>
+          <p:cNvSpPr txBox="1"/>
+          <p:nvPr/>
+        </p:nvSpPr>
+        <p:spPr>
+          <a:xfrm>
+            <a:off x="212360" y="847439"/>
+            <a:ext cx="2283631" cy="338554"/>
+          </a:xfrm>
+          <a:prstGeom prst="rect">
+            <a:avLst/>
+          </a:prstGeom>
+          <a:solidFill>
+            <a:srgbClr val="E9DDBD"/>
+          </a:solidFill>
+          <a:ln w="38100">
+            <a:solidFill>
+              <a:schemeClr val="tx1"/>
+            </a:solidFill>
+          </a:ln>
+        </p:spPr>
+        <p:txBody>
+          <a:bodyPr wrap="square" rtlCol="0">
+            <a:spAutoFit/>
+          </a:bodyPr>
+          <a:lstStyle/>
+          <a:p>
+            <a:r>
+              <a:rPr lang="en-US" altLang="zh-CN" sz="1600" b="1" dirty="0" smtClean="0">
+                <a:solidFill>
+                  <a:schemeClr val="bg2">
+                    <a:lumMod val="50000"/>
+                  </a:schemeClr>
+                </a:solidFill>
+                <a:latin typeface="等线" panose="02010600030101010101" pitchFamily="2" charset="-122"/>
+                <a:ea typeface="等线" panose="02010600030101010101" pitchFamily="2" charset="-122"/>
+              </a:rPr>
+              <a:t>search</a:t>
+            </a:r>
+            <a:endParaRPr lang="zh-CN" altLang="en-US" sz="1600" b="1" dirty="0">
+              <a:solidFill>
+                <a:schemeClr val="bg2">
+                  <a:lumMod val="50000"/>
+                </a:schemeClr>
+              </a:solidFill>
+              <a:latin typeface="等线" panose="02010600030101010101" pitchFamily="2" charset="-122"/>
+              <a:ea typeface="等线" panose="02010600030101010101" pitchFamily="2" charset="-122"/>
+            </a:endParaRPr>
+          </a:p>
+        </p:txBody>
+      </p:sp>
+      <p:sp>
+        <p:nvSpPr>
+          <p:cNvPr id="144" name="等腰三角形 143"/>
+          <p:cNvSpPr/>
+          <p:nvPr/>
+        </p:nvSpPr>
+        <p:spPr>
+          <a:xfrm flipV="1">
+            <a:off x="4360303" y="3761642"/>
+            <a:ext cx="189031" cy="173217"/>
+          </a:xfrm>
+          <a:prstGeom prst="triangle">
+            <a:avLst/>
+          </a:prstGeom>
+          <a:solidFill>
+            <a:schemeClr val="tx1"/>
+          </a:solidFill>
+        </p:spPr>
+        <p:style>
+          <a:lnRef idx="2">
+            <a:schemeClr val="accent1">
+              <a:shade val="50000"/>
+            </a:schemeClr>
+          </a:lnRef>
+          <a:fillRef idx="1">
+            <a:schemeClr val="accent1"/>
+          </a:fillRef>
+          <a:effectRef idx="0">
+            <a:schemeClr val="accent1"/>
+          </a:effectRef>
+          <a:fontRef idx="minor">
+            <a:schemeClr val="lt1"/>
+          </a:fontRef>
+        </p:style>
+        <p:txBody>
+          <a:bodyPr rtlCol="0" anchor="ctr"/>
+          <a:lstStyle/>
+          <a:p>
+            <a:pPr algn="ctr"/>
+            <a:endParaRPr lang="zh-CN" altLang="en-US"/>
+          </a:p>
+        </p:txBody>
+      </p:sp>
+      <p:sp>
+        <p:nvSpPr>
+          <p:cNvPr id="101" name="加号 100"/>
+          <p:cNvSpPr/>
+          <p:nvPr/>
+        </p:nvSpPr>
+        <p:spPr>
+          <a:xfrm>
+            <a:off x="10159295" y="2813366"/>
+            <a:ext cx="308974" cy="266402"/>
+          </a:xfrm>
+          <a:prstGeom prst="mathPlus">
+            <a:avLst/>
+          </a:prstGeom>
+          <a:solidFill>
+            <a:schemeClr val="bg1"/>
+          </a:solidFill>
+          <a:ln>
+            <a:solidFill>
+              <a:schemeClr val="tx1"/>
+            </a:solidFill>
+          </a:ln>
+        </p:spPr>
+        <p:style>
+          <a:lnRef idx="2">
+            <a:schemeClr val="accent1">
+              <a:shade val="50000"/>
+            </a:schemeClr>
+          </a:lnRef>
+          <a:fillRef idx="1">
+            <a:schemeClr val="accent1"/>
+          </a:fillRef>
+          <a:effectRef idx="0">
+            <a:schemeClr val="accent1"/>
+          </a:effectRef>
+          <a:fontRef idx="minor">
+            <a:schemeClr val="lt1"/>
+          </a:fontRef>
+        </p:style>
+        <p:txBody>
+          <a:bodyPr rtlCol="0" anchor="ctr"/>
+          <a:lstStyle/>
+          <a:p>
+            <a:pPr algn="ctr"/>
+            <a:endParaRPr lang="zh-CN" altLang="en-US"/>
+          </a:p>
+        </p:txBody>
+      </p:sp>
+      <p:sp>
+        <p:nvSpPr>
+          <p:cNvPr id="147" name="矩形 146"/>
+          <p:cNvSpPr/>
+          <p:nvPr/>
+        </p:nvSpPr>
+        <p:spPr>
+          <a:xfrm>
+            <a:off x="212360" y="3878786"/>
+            <a:ext cx="2140125" cy="144000"/>
+          </a:xfrm>
+          <a:prstGeom prst="rect">
+            <a:avLst/>
+          </a:prstGeom>
+          <a:solidFill>
+            <a:srgbClr val="57564D"/>
+          </a:solidFill>
+          <a:ln>
+            <a:noFill/>
+          </a:ln>
+        </p:spPr>
+        <p:style>
+          <a:lnRef idx="2">
+            <a:schemeClr val="accent1">
+              <a:shade val="50000"/>
+            </a:schemeClr>
+          </a:lnRef>
+          <a:fillRef idx="1">
+            <a:schemeClr val="accent1"/>
+          </a:fillRef>
+          <a:effectRef idx="0">
+            <a:schemeClr val="accent1"/>
+          </a:effectRef>
+          <a:fontRef idx="minor">
+            <a:schemeClr val="lt1"/>
+          </a:fontRef>
+        </p:style>
+        <p:txBody>
+          <a:bodyPr rtlCol="0" anchor="ctr"/>
+          <a:lstStyle/>
+          <a:p>
+            <a:pPr algn="ctr"/>
+            <a:endParaRPr lang="zh-CN" altLang="en-US" dirty="0"/>
+          </a:p>
+        </p:txBody>
+      </p:sp>
+      <p:sp>
+        <p:nvSpPr>
+          <p:cNvPr id="148" name="圆角矩形 147"/>
+          <p:cNvSpPr/>
+          <p:nvPr/>
+        </p:nvSpPr>
+        <p:spPr>
+          <a:xfrm flipH="1">
+            <a:off x="643424" y="3869528"/>
+            <a:ext cx="1481625" cy="143934"/>
+          </a:xfrm>
+          <a:prstGeom prst="roundRect">
+            <a:avLst/>
+          </a:prstGeom>
+          <a:solidFill>
+            <a:schemeClr val="bg1">
+              <a:lumMod val="85000"/>
+            </a:schemeClr>
+          </a:solidFill>
+          <a:ln w="12700">
+            <a:solidFill>
+              <a:schemeClr val="tx1"/>
+            </a:solidFill>
+          </a:ln>
+        </p:spPr>
+        <p:style>
+          <a:lnRef idx="2">
+            <a:schemeClr val="accent1">
+              <a:shade val="50000"/>
+            </a:schemeClr>
+          </a:lnRef>
+          <a:fillRef idx="1">
+            <a:schemeClr val="accent1"/>
+          </a:fillRef>
+          <a:effectRef idx="0">
+            <a:schemeClr val="accent1"/>
+          </a:effectRef>
+          <a:fontRef idx="minor">
+            <a:schemeClr val="lt1"/>
+          </a:fontRef>
+        </p:style>
+        <p:txBody>
+          <a:bodyPr rtlCol="0" anchor="ctr"/>
+          <a:lstStyle/>
+          <a:p>
+            <a:pPr algn="ctr"/>
+            <a:endParaRPr lang="zh-CN" altLang="en-US"/>
+          </a:p>
+        </p:txBody>
+      </p:sp>
+      <p:sp>
+        <p:nvSpPr>
+          <p:cNvPr id="151" name="等腰三角形 150"/>
+          <p:cNvSpPr/>
+          <p:nvPr/>
+        </p:nvSpPr>
+        <p:spPr>
+          <a:xfrm flipV="1">
+            <a:off x="1269629" y="227616"/>
+            <a:ext cx="189031" cy="173217"/>
+          </a:xfrm>
+          <a:prstGeom prst="triangle">
+            <a:avLst/>
+          </a:prstGeom>
+          <a:solidFill>
+            <a:schemeClr val="tx1"/>
+          </a:solidFill>
+        </p:spPr>
+        <p:style>
+          <a:lnRef idx="2">
+            <a:schemeClr val="accent1">
+              <a:shade val="50000"/>
+            </a:schemeClr>
+          </a:lnRef>
+          <a:fillRef idx="1">
+            <a:schemeClr val="accent1"/>
+          </a:fillRef>
+          <a:effectRef idx="0">
+            <a:schemeClr val="accent1"/>
+          </a:effectRef>
+          <a:fontRef idx="minor">
+            <a:schemeClr val="lt1"/>
+          </a:fontRef>
+        </p:style>
+        <p:txBody>
+          <a:bodyPr rtlCol="0" anchor="ctr"/>
+          <a:lstStyle/>
+          <a:p>
+            <a:pPr algn="ctr"/>
+            <a:endParaRPr lang="zh-CN" altLang="en-US"/>
+          </a:p>
+        </p:txBody>
+      </p:sp>
+      <p:sp>
+        <p:nvSpPr>
+          <p:cNvPr id="152" name="文本框 151"/>
+          <p:cNvSpPr txBox="1"/>
+          <p:nvPr/>
+        </p:nvSpPr>
+        <p:spPr>
+          <a:xfrm>
+            <a:off x="474462" y="1187807"/>
+            <a:ext cx="1873991" cy="338554"/>
+          </a:xfrm>
+          <a:prstGeom prst="rect">
+            <a:avLst/>
+          </a:prstGeom>
+          <a:solidFill>
+            <a:srgbClr val="D1FFD1"/>
+          </a:solidFill>
+          <a:ln w="38100">
+            <a:solidFill>
+              <a:schemeClr val="tx1"/>
+            </a:solidFill>
+          </a:ln>
+        </p:spPr>
+        <p:txBody>
+          <a:bodyPr wrap="square" rtlCol="0">
+            <a:spAutoFit/>
+          </a:bodyPr>
+          <a:lstStyle/>
+          <a:p>
+            <a:r>
+              <a:rPr lang="en-US" altLang="zh-CN" sz="1600" b="1" dirty="0" err="1" smtClean="0">
+                <a:latin typeface="等线" panose="02010600030101010101" pitchFamily="2" charset="-122"/>
+                <a:ea typeface="等线" panose="02010600030101010101" pitchFamily="2" charset="-122"/>
+              </a:rPr>
+              <a:t>Ped</a:t>
+            </a:r>
+            <a:endParaRPr lang="zh-CN" altLang="en-US" sz="1600" b="1" dirty="0">
+              <a:latin typeface="等线" panose="02010600030101010101" pitchFamily="2" charset="-122"/>
+              <a:ea typeface="等线" panose="02010600030101010101" pitchFamily="2" charset="-122"/>
+            </a:endParaRPr>
+          </a:p>
+        </p:txBody>
+      </p:sp>
+      <p:sp>
+        <p:nvSpPr>
+          <p:cNvPr id="153" name="文本框 152"/>
+          <p:cNvSpPr txBox="1"/>
+          <p:nvPr/>
+        </p:nvSpPr>
+        <p:spPr>
+          <a:xfrm>
+            <a:off x="737414" y="1532173"/>
+            <a:ext cx="1609752" cy="338554"/>
+          </a:xfrm>
+          <a:prstGeom prst="rect">
+            <a:avLst/>
+          </a:prstGeom>
+          <a:solidFill>
+            <a:schemeClr val="bg1">
+              <a:lumMod val="85000"/>
+            </a:schemeClr>
+          </a:solidFill>
+          <a:ln w="12700">
+            <a:solidFill>
+              <a:schemeClr val="tx1"/>
+            </a:solidFill>
+          </a:ln>
+        </p:spPr>
+        <p:txBody>
+          <a:bodyPr wrap="square" rtlCol="0">
+            <a:spAutoFit/>
+          </a:bodyPr>
+          <a:lstStyle/>
+          <a:p>
+            <a:r>
+              <a:rPr lang="en-US" altLang="zh-CN" sz="1600" b="1" dirty="0" smtClean="0">
+                <a:latin typeface="等线" panose="02010600030101010101" pitchFamily="2" charset="-122"/>
+                <a:ea typeface="等线" panose="02010600030101010101" pitchFamily="2" charset="-122"/>
+              </a:rPr>
+              <a:t>ped_01</a:t>
+            </a:r>
+            <a:endParaRPr lang="zh-CN" altLang="en-US" sz="1600" b="1" dirty="0">
+              <a:latin typeface="等线" panose="02010600030101010101" pitchFamily="2" charset="-122"/>
+              <a:ea typeface="等线" panose="02010600030101010101" pitchFamily="2" charset="-122"/>
+            </a:endParaRPr>
+          </a:p>
+        </p:txBody>
+      </p:sp>
+      <p:sp>
+        <p:nvSpPr>
+          <p:cNvPr id="154" name="加号 153"/>
+          <p:cNvSpPr/>
+          <p:nvPr/>
+        </p:nvSpPr>
+        <p:spPr>
+          <a:xfrm>
+            <a:off x="160262" y="3274544"/>
+            <a:ext cx="308974" cy="266402"/>
+          </a:xfrm>
+          <a:prstGeom prst="mathPlus">
+            <a:avLst/>
+          </a:prstGeom>
+          <a:solidFill>
+            <a:schemeClr val="bg1"/>
+          </a:solidFill>
+          <a:ln>
+            <a:solidFill>
+              <a:schemeClr val="tx1"/>
+            </a:solidFill>
+          </a:ln>
+        </p:spPr>
+        <p:style>
+          <a:lnRef idx="2">
+            <a:schemeClr val="accent1">
+              <a:shade val="50000"/>
+            </a:schemeClr>
+          </a:lnRef>
+          <a:fillRef idx="1">
+            <a:schemeClr val="accent1"/>
+          </a:fillRef>
+          <a:effectRef idx="0">
+            <a:schemeClr val="accent1"/>
+          </a:effectRef>
+          <a:fontRef idx="minor">
+            <a:schemeClr val="lt1"/>
+          </a:fontRef>
+        </p:style>
+        <p:txBody>
+          <a:bodyPr rtlCol="0" anchor="ctr"/>
+          <a:lstStyle/>
+          <a:p>
+            <a:pPr algn="ctr"/>
+            <a:endParaRPr lang="zh-CN" altLang="en-US"/>
+          </a:p>
+        </p:txBody>
+      </p:sp>
+      <p:sp>
+        <p:nvSpPr>
+          <p:cNvPr id="4" name="减号 3"/>
+          <p:cNvSpPr/>
+          <p:nvPr/>
+        </p:nvSpPr>
+        <p:spPr>
+          <a:xfrm>
+            <a:off x="200069" y="1160511"/>
+            <a:ext cx="281022" cy="409002"/>
+          </a:xfrm>
+          <a:prstGeom prst="mathMinus">
+            <a:avLst/>
+          </a:prstGeom>
+          <a:solidFill>
+            <a:schemeClr val="bg1"/>
+          </a:solidFill>
+          <a:ln>
+            <a:solidFill>
+              <a:schemeClr val="tx1"/>
+            </a:solidFill>
+          </a:ln>
+        </p:spPr>
+        <p:style>
+          <a:lnRef idx="2">
+            <a:schemeClr val="accent1">
+              <a:shade val="50000"/>
+            </a:schemeClr>
+          </a:lnRef>
+          <a:fillRef idx="1">
+            <a:schemeClr val="accent1"/>
+          </a:fillRef>
+          <a:effectRef idx="0">
+            <a:schemeClr val="accent1"/>
+          </a:effectRef>
+          <a:fontRef idx="minor">
+            <a:schemeClr val="lt1"/>
+          </a:fontRef>
+        </p:style>
+        <p:txBody>
+          <a:bodyPr rtlCol="0" anchor="ctr"/>
+          <a:lstStyle/>
+          <a:p>
+            <a:pPr algn="ctr"/>
+            <a:endParaRPr lang="zh-CN" altLang="en-US"/>
+          </a:p>
+        </p:txBody>
+      </p:sp>
+      <p:sp>
+        <p:nvSpPr>
+          <p:cNvPr id="155" name="文本框 154"/>
+          <p:cNvSpPr txBox="1"/>
+          <p:nvPr/>
+        </p:nvSpPr>
+        <p:spPr>
+          <a:xfrm>
+            <a:off x="737414" y="1876403"/>
+            <a:ext cx="1609752" cy="338554"/>
+          </a:xfrm>
+          <a:prstGeom prst="rect">
+            <a:avLst/>
+          </a:prstGeom>
+          <a:solidFill>
+            <a:schemeClr val="bg1">
+              <a:lumMod val="85000"/>
+            </a:schemeClr>
+          </a:solidFill>
+          <a:ln w="12700">
+            <a:solidFill>
+              <a:schemeClr val="tx1"/>
+            </a:solidFill>
+          </a:ln>
+        </p:spPr>
+        <p:txBody>
+          <a:bodyPr wrap="square" rtlCol="0">
+            <a:spAutoFit/>
+          </a:bodyPr>
+          <a:lstStyle/>
+          <a:p>
+            <a:r>
+              <a:rPr lang="en-US" altLang="zh-CN" sz="1600" b="1" dirty="0" smtClean="0">
+                <a:latin typeface="等线" panose="02010600030101010101" pitchFamily="2" charset="-122"/>
+                <a:ea typeface="等线" panose="02010600030101010101" pitchFamily="2" charset="-122"/>
+              </a:rPr>
+              <a:t>ped_02</a:t>
+            </a:r>
+            <a:endParaRPr lang="zh-CN" altLang="en-US" sz="1600" b="1" dirty="0">
+              <a:latin typeface="等线" panose="02010600030101010101" pitchFamily="2" charset="-122"/>
+              <a:ea typeface="等线" panose="02010600030101010101" pitchFamily="2" charset="-122"/>
+            </a:endParaRPr>
+          </a:p>
+        </p:txBody>
+      </p:sp>
+      <p:sp>
+        <p:nvSpPr>
+          <p:cNvPr id="157" name="文本框 156"/>
+          <p:cNvSpPr txBox="1"/>
+          <p:nvPr/>
+        </p:nvSpPr>
+        <p:spPr>
+          <a:xfrm>
+            <a:off x="731619" y="2536490"/>
+            <a:ext cx="1609752" cy="338554"/>
+          </a:xfrm>
+          <a:prstGeom prst="rect">
+            <a:avLst/>
+          </a:prstGeom>
+          <a:solidFill>
+            <a:schemeClr val="bg1">
+              <a:lumMod val="85000"/>
+            </a:schemeClr>
+          </a:solidFill>
+          <a:ln w="12700">
+            <a:solidFill>
+              <a:schemeClr val="tx1"/>
+            </a:solidFill>
+          </a:ln>
+        </p:spPr>
+        <p:txBody>
+          <a:bodyPr wrap="square" rtlCol="0">
+            <a:spAutoFit/>
+          </a:bodyPr>
+          <a:lstStyle/>
+          <a:p>
+            <a:r>
+              <a:rPr lang="en-US" altLang="zh-CN" sz="1600" b="1" dirty="0" smtClean="0">
+                <a:latin typeface="等线" panose="02010600030101010101" pitchFamily="2" charset="-122"/>
+                <a:ea typeface="等线" panose="02010600030101010101" pitchFamily="2" charset="-122"/>
+              </a:rPr>
+              <a:t>ped_04</a:t>
+            </a:r>
+            <a:endParaRPr lang="zh-CN" altLang="en-US" sz="1600" b="1" dirty="0">
+              <a:latin typeface="等线" panose="02010600030101010101" pitchFamily="2" charset="-122"/>
+              <a:ea typeface="等线" panose="02010600030101010101" pitchFamily="2" charset="-122"/>
+            </a:endParaRPr>
+          </a:p>
+        </p:txBody>
+      </p:sp>
+      <p:sp>
+        <p:nvSpPr>
+          <p:cNvPr id="158" name="文本框 157"/>
+          <p:cNvSpPr txBox="1"/>
+          <p:nvPr/>
+        </p:nvSpPr>
+        <p:spPr>
+          <a:xfrm>
+            <a:off x="731619" y="2879523"/>
+            <a:ext cx="1609752" cy="338554"/>
+          </a:xfrm>
+          <a:prstGeom prst="rect">
+            <a:avLst/>
+          </a:prstGeom>
+          <a:solidFill>
+            <a:schemeClr val="bg1">
+              <a:lumMod val="85000"/>
+            </a:schemeClr>
+          </a:solidFill>
+          <a:ln w="12700">
+            <a:solidFill>
+              <a:schemeClr val="tx1"/>
+            </a:solidFill>
+          </a:ln>
+        </p:spPr>
+        <p:txBody>
+          <a:bodyPr wrap="square" rtlCol="0">
+            <a:spAutoFit/>
+          </a:bodyPr>
+          <a:lstStyle/>
+          <a:p>
+            <a:r>
+              <a:rPr lang="en-US" altLang="zh-CN" sz="1600" b="1" dirty="0" smtClean="0">
+                <a:latin typeface="等线" panose="02010600030101010101" pitchFamily="2" charset="-122"/>
+                <a:ea typeface="等线" panose="02010600030101010101" pitchFamily="2" charset="-122"/>
+              </a:rPr>
+              <a:t>ped_05</a:t>
+            </a:r>
+            <a:endParaRPr lang="zh-CN" altLang="en-US" sz="1600" b="1" dirty="0">
+              <a:latin typeface="等线" panose="02010600030101010101" pitchFamily="2" charset="-122"/>
+              <a:ea typeface="等线" panose="02010600030101010101" pitchFamily="2" charset="-122"/>
+            </a:endParaRPr>
+          </a:p>
+        </p:txBody>
+      </p:sp>
+      <p:sp>
+        <p:nvSpPr>
+          <p:cNvPr id="159" name="文本框 158"/>
+          <p:cNvSpPr txBox="1"/>
+          <p:nvPr/>
+        </p:nvSpPr>
+        <p:spPr>
+          <a:xfrm>
+            <a:off x="477684" y="3223158"/>
+            <a:ext cx="1870769" cy="338554"/>
+          </a:xfrm>
+          <a:prstGeom prst="rect">
+            <a:avLst/>
+          </a:prstGeom>
+          <a:solidFill>
+            <a:schemeClr val="bg1">
+              <a:lumMod val="85000"/>
+            </a:schemeClr>
+          </a:solidFill>
+          <a:ln w="12700">
+            <a:solidFill>
+              <a:schemeClr val="tx1"/>
+            </a:solidFill>
+          </a:ln>
+        </p:spPr>
+        <p:txBody>
+          <a:bodyPr wrap="square" rtlCol="0">
+            <a:spAutoFit/>
+          </a:bodyPr>
+          <a:lstStyle/>
+          <a:p>
+            <a:r>
+              <a:rPr lang="en-US" altLang="zh-CN" sz="1600" b="1" dirty="0" smtClean="0">
+                <a:latin typeface="等线" panose="02010600030101010101" pitchFamily="2" charset="-122"/>
+                <a:ea typeface="等线" panose="02010600030101010101" pitchFamily="2" charset="-122"/>
+              </a:rPr>
+              <a:t>Vehicle</a:t>
+            </a:r>
+            <a:endParaRPr lang="zh-CN" altLang="en-US" sz="1600" b="1" dirty="0">
+              <a:latin typeface="等线" panose="02010600030101010101" pitchFamily="2" charset="-122"/>
+              <a:ea typeface="等线" panose="02010600030101010101" pitchFamily="2" charset="-122"/>
+            </a:endParaRPr>
+          </a:p>
+        </p:txBody>
+      </p:sp>
+      <p:sp>
+        <p:nvSpPr>
+          <p:cNvPr id="156" name="文本框 155"/>
+          <p:cNvSpPr txBox="1"/>
+          <p:nvPr/>
+        </p:nvSpPr>
+        <p:spPr>
+          <a:xfrm>
+            <a:off x="737414" y="2205788"/>
+            <a:ext cx="1609752" cy="338554"/>
+          </a:xfrm>
+          <a:prstGeom prst="rect">
+            <a:avLst/>
+          </a:prstGeom>
+          <a:solidFill>
+            <a:srgbClr val="66FF66"/>
+          </a:solidFill>
+          <a:ln w="38100">
+            <a:solidFill>
+              <a:schemeClr val="tx1"/>
+            </a:solidFill>
+          </a:ln>
+        </p:spPr>
+        <p:txBody>
+          <a:bodyPr wrap="square" rtlCol="0">
+            <a:spAutoFit/>
+          </a:bodyPr>
+          <a:lstStyle/>
+          <a:p>
+            <a:r>
+              <a:rPr lang="en-US" altLang="zh-CN" sz="1600" b="1" dirty="0" smtClean="0">
+                <a:latin typeface="等线" panose="02010600030101010101" pitchFamily="2" charset="-122"/>
+                <a:ea typeface="等线" panose="02010600030101010101" pitchFamily="2" charset="-122"/>
+              </a:rPr>
+              <a:t>ped_03</a:t>
+            </a:r>
+            <a:endParaRPr lang="zh-CN" altLang="en-US" sz="1600" b="1" dirty="0">
+              <a:latin typeface="等线" panose="02010600030101010101" pitchFamily="2" charset="-122"/>
+              <a:ea typeface="等线" panose="02010600030101010101" pitchFamily="2" charset="-122"/>
+            </a:endParaRPr>
+          </a:p>
+        </p:txBody>
+      </p:sp>
+      <p:sp>
+        <p:nvSpPr>
+          <p:cNvPr id="98" name="矩形 97"/>
+          <p:cNvSpPr/>
+          <p:nvPr/>
+        </p:nvSpPr>
+        <p:spPr>
+          <a:xfrm>
+            <a:off x="2345403" y="1185993"/>
+            <a:ext cx="163732" cy="2699581"/>
+          </a:xfrm>
+          <a:prstGeom prst="rect">
+            <a:avLst/>
+          </a:prstGeom>
+          <a:solidFill>
+            <a:srgbClr val="57564D"/>
+          </a:solidFill>
+          <a:ln>
+            <a:noFill/>
+          </a:ln>
+        </p:spPr>
+        <p:style>
+          <a:lnRef idx="2">
+            <a:schemeClr val="accent1">
+              <a:shade val="50000"/>
+            </a:schemeClr>
+          </a:lnRef>
+          <a:fillRef idx="1">
+            <a:schemeClr val="accent1"/>
+          </a:fillRef>
+          <a:effectRef idx="0">
+            <a:schemeClr val="accent1"/>
+          </a:effectRef>
+          <a:fontRef idx="minor">
+            <a:schemeClr val="lt1"/>
+          </a:fontRef>
+        </p:style>
+        <p:txBody>
+          <a:bodyPr rtlCol="0" anchor="ctr"/>
+          <a:lstStyle/>
+          <a:p>
+            <a:pPr algn="ctr"/>
+            <a:endParaRPr lang="zh-CN" altLang="en-US"/>
+          </a:p>
+        </p:txBody>
+      </p:sp>
+      <p:sp>
+        <p:nvSpPr>
+          <p:cNvPr id="100" name="圆角矩形 99"/>
+          <p:cNvSpPr/>
+          <p:nvPr/>
+        </p:nvSpPr>
+        <p:spPr>
+          <a:xfrm>
+            <a:off x="2352485" y="1565509"/>
+            <a:ext cx="138405" cy="1201781"/>
+          </a:xfrm>
+          <a:prstGeom prst="roundRect">
+            <a:avLst/>
+          </a:prstGeom>
+          <a:solidFill>
+            <a:schemeClr val="bg1">
+              <a:lumMod val="85000"/>
+            </a:schemeClr>
+          </a:solidFill>
+          <a:ln w="12700"/>
+        </p:spPr>
+        <p:style>
+          <a:lnRef idx="2">
+            <a:schemeClr val="accent1">
+              <a:shade val="50000"/>
+            </a:schemeClr>
+          </a:lnRef>
+          <a:fillRef idx="1">
+            <a:schemeClr val="accent1"/>
+          </a:fillRef>
+          <a:effectRef idx="0">
+            <a:schemeClr val="accent1"/>
+          </a:effectRef>
+          <a:fontRef idx="minor">
+            <a:schemeClr val="lt1"/>
+          </a:fontRef>
+        </p:style>
+        <p:txBody>
+          <a:bodyPr rtlCol="0" anchor="ctr"/>
+          <a:lstStyle/>
+          <a:p>
+            <a:pPr algn="ctr"/>
+            <a:endParaRPr lang="zh-CN" altLang="en-US"/>
+          </a:p>
+        </p:txBody>
+      </p:sp>
+      <p:sp>
+        <p:nvSpPr>
+          <p:cNvPr id="145" name="矩形 144"/>
+          <p:cNvSpPr/>
+          <p:nvPr/>
+        </p:nvSpPr>
+        <p:spPr>
+          <a:xfrm flipH="1" flipV="1">
+            <a:off x="2345403" y="1801529"/>
+            <a:ext cx="144000" cy="144000"/>
+          </a:xfrm>
+          <a:prstGeom prst="rect">
+            <a:avLst/>
+          </a:prstGeom>
+          <a:solidFill>
+            <a:srgbClr val="66FF66"/>
+          </a:solidFill>
+          <a:ln>
+            <a:solidFill>
+              <a:schemeClr val="tx1"/>
+            </a:solidFill>
+          </a:ln>
+        </p:spPr>
+        <p:style>
+          <a:lnRef idx="2">
+            <a:schemeClr val="accent1">
+              <a:shade val="50000"/>
+            </a:schemeClr>
+          </a:lnRef>
+          <a:fillRef idx="1">
+            <a:schemeClr val="accent1"/>
+          </a:fillRef>
+          <a:effectRef idx="0">
+            <a:schemeClr val="accent1"/>
+          </a:effectRef>
+          <a:fontRef idx="minor">
+            <a:schemeClr val="lt1"/>
+          </a:fontRef>
+        </p:style>
+        <p:txBody>
+          <a:bodyPr rtlCol="0" anchor="ctr"/>
+          <a:lstStyle/>
+          <a:p>
+            <a:pPr algn="ctr"/>
+            <a:endParaRPr lang="zh-CN" altLang="en-US"/>
+          </a:p>
+        </p:txBody>
+      </p:sp>
+      <p:sp>
+        <p:nvSpPr>
+          <p:cNvPr id="165" name="文本框 164"/>
+          <p:cNvSpPr txBox="1"/>
+          <p:nvPr/>
+        </p:nvSpPr>
+        <p:spPr>
+          <a:xfrm>
+            <a:off x="2918618" y="87878"/>
+            <a:ext cx="2335729" cy="338554"/>
+          </a:xfrm>
+          <a:prstGeom prst="rect">
+            <a:avLst/>
+          </a:prstGeom>
+          <a:solidFill>
+            <a:srgbClr val="E9DDBD"/>
+          </a:solidFill>
+          <a:ln w="38100">
+            <a:solidFill>
+              <a:schemeClr val="tx1"/>
+            </a:solidFill>
+          </a:ln>
+        </p:spPr>
+        <p:txBody>
+          <a:bodyPr wrap="square" rtlCol="0">
+            <a:spAutoFit/>
+          </a:bodyPr>
+          <a:lstStyle/>
+          <a:p>
+            <a:r>
+              <a:rPr lang="en-US" altLang="zh-CN" sz="1600" b="1" dirty="0" smtClean="0">
+                <a:solidFill>
+                  <a:schemeClr val="bg2">
+                    <a:lumMod val="50000"/>
+                  </a:schemeClr>
+                </a:solidFill>
+                <a:latin typeface="等线" panose="02010600030101010101" pitchFamily="2" charset="-122"/>
+                <a:ea typeface="等线" panose="02010600030101010101" pitchFamily="2" charset="-122"/>
+              </a:rPr>
+              <a:t>search</a:t>
+            </a:r>
+            <a:endParaRPr lang="zh-CN" altLang="en-US" sz="1600" b="1" dirty="0">
+              <a:solidFill>
+                <a:schemeClr val="bg2">
+                  <a:lumMod val="50000"/>
+                </a:schemeClr>
+              </a:solidFill>
+              <a:latin typeface="等线" panose="02010600030101010101" pitchFamily="2" charset="-122"/>
+              <a:ea typeface="等线" panose="02010600030101010101" pitchFamily="2" charset="-122"/>
+            </a:endParaRPr>
+          </a:p>
+        </p:txBody>
+      </p:sp>
+      <p:sp>
+        <p:nvSpPr>
+          <p:cNvPr id="166" name="矩形 165"/>
+          <p:cNvSpPr/>
+          <p:nvPr/>
+        </p:nvSpPr>
+        <p:spPr>
+          <a:xfrm>
+            <a:off x="2970716" y="3242057"/>
+            <a:ext cx="2140125" cy="144000"/>
+          </a:xfrm>
+          <a:prstGeom prst="rect">
+            <a:avLst/>
+          </a:prstGeom>
+          <a:solidFill>
+            <a:srgbClr val="57564D"/>
+          </a:solidFill>
+          <a:ln>
+            <a:noFill/>
+          </a:ln>
+        </p:spPr>
+        <p:style>
+          <a:lnRef idx="2">
+            <a:schemeClr val="accent1">
+              <a:shade val="50000"/>
+            </a:schemeClr>
+          </a:lnRef>
+          <a:fillRef idx="1">
+            <a:schemeClr val="accent1"/>
+          </a:fillRef>
+          <a:effectRef idx="0">
+            <a:schemeClr val="accent1"/>
+          </a:effectRef>
+          <a:fontRef idx="minor">
+            <a:schemeClr val="lt1"/>
+          </a:fontRef>
+        </p:style>
+        <p:txBody>
+          <a:bodyPr rtlCol="0" anchor="ctr"/>
+          <a:lstStyle/>
+          <a:p>
+            <a:pPr algn="ctr"/>
+            <a:endParaRPr lang="zh-CN" altLang="en-US" dirty="0"/>
+          </a:p>
+        </p:txBody>
+      </p:sp>
+      <p:sp>
+        <p:nvSpPr>
+          <p:cNvPr id="167" name="圆角矩形 166"/>
+          <p:cNvSpPr/>
+          <p:nvPr/>
+        </p:nvSpPr>
+        <p:spPr>
+          <a:xfrm flipH="1">
+            <a:off x="3401780" y="3232799"/>
+            <a:ext cx="1481625" cy="143934"/>
+          </a:xfrm>
+          <a:prstGeom prst="roundRect">
+            <a:avLst/>
+          </a:prstGeom>
+          <a:solidFill>
+            <a:schemeClr val="bg1">
+              <a:lumMod val="85000"/>
+            </a:schemeClr>
+          </a:solidFill>
+          <a:ln w="12700"/>
+        </p:spPr>
+        <p:style>
+          <a:lnRef idx="2">
+            <a:schemeClr val="accent1">
+              <a:shade val="50000"/>
+            </a:schemeClr>
+          </a:lnRef>
+          <a:fillRef idx="1">
+            <a:schemeClr val="accent1"/>
+          </a:fillRef>
+          <a:effectRef idx="0">
+            <a:schemeClr val="accent1"/>
+          </a:effectRef>
+          <a:fontRef idx="minor">
+            <a:schemeClr val="lt1"/>
+          </a:fontRef>
+        </p:style>
+        <p:txBody>
+          <a:bodyPr rtlCol="0" anchor="ctr"/>
+          <a:lstStyle/>
+          <a:p>
+            <a:pPr algn="ctr"/>
+            <a:endParaRPr lang="zh-CN" altLang="en-US"/>
+          </a:p>
+        </p:txBody>
+      </p:sp>
+      <p:sp>
+        <p:nvSpPr>
+          <p:cNvPr id="170" name="文本框 169"/>
+          <p:cNvSpPr txBox="1"/>
+          <p:nvPr/>
+        </p:nvSpPr>
+        <p:spPr>
+          <a:xfrm>
+            <a:off x="3232818" y="632966"/>
+            <a:ext cx="1873991" cy="338554"/>
+          </a:xfrm>
+          <a:prstGeom prst="rect">
+            <a:avLst/>
+          </a:prstGeom>
+          <a:solidFill>
+            <a:schemeClr val="bg1">
+              <a:lumMod val="85000"/>
+            </a:schemeClr>
+          </a:solidFill>
+          <a:ln w="12700">
+            <a:solidFill>
+              <a:schemeClr val="tx1"/>
+            </a:solidFill>
+          </a:ln>
+        </p:spPr>
+        <p:txBody>
+          <a:bodyPr wrap="square" rtlCol="0">
+            <a:spAutoFit/>
+          </a:bodyPr>
+          <a:lstStyle/>
+          <a:p>
+            <a:r>
+              <a:rPr lang="en-US" altLang="zh-CN" sz="1600" b="1" dirty="0" smtClean="0">
+                <a:latin typeface="等线" panose="02010600030101010101" pitchFamily="2" charset="-122"/>
+                <a:ea typeface="等线" panose="02010600030101010101" pitchFamily="2" charset="-122"/>
+              </a:rPr>
+              <a:t>Scale</a:t>
+            </a:r>
+            <a:endParaRPr lang="zh-CN" altLang="en-US" sz="1600" b="1" dirty="0">
+              <a:latin typeface="等线" panose="02010600030101010101" pitchFamily="2" charset="-122"/>
+              <a:ea typeface="等线" panose="02010600030101010101" pitchFamily="2" charset="-122"/>
+            </a:endParaRPr>
+          </a:p>
+        </p:txBody>
+      </p:sp>
+      <p:sp>
+        <p:nvSpPr>
+          <p:cNvPr id="177" name="文本框 176"/>
+          <p:cNvSpPr txBox="1"/>
+          <p:nvPr/>
+        </p:nvSpPr>
+        <p:spPr>
+          <a:xfrm>
+            <a:off x="3234041" y="975999"/>
+            <a:ext cx="1870769" cy="338554"/>
+          </a:xfrm>
+          <a:prstGeom prst="rect">
+            <a:avLst/>
+          </a:prstGeom>
+          <a:solidFill>
+            <a:srgbClr val="D1FFD1"/>
+          </a:solidFill>
+          <a:ln w="38100">
+            <a:solidFill>
+              <a:schemeClr val="tx1"/>
+            </a:solidFill>
+          </a:ln>
+        </p:spPr>
+        <p:txBody>
+          <a:bodyPr wrap="square" rtlCol="0">
+            <a:spAutoFit/>
+          </a:bodyPr>
+          <a:lstStyle/>
+          <a:p>
+            <a:r>
+              <a:rPr lang="en-US" altLang="zh-CN" sz="1600" b="1" dirty="0" smtClean="0">
+                <a:latin typeface="等线" panose="02010600030101010101" pitchFamily="2" charset="-122"/>
+                <a:ea typeface="等线" panose="02010600030101010101" pitchFamily="2" charset="-122"/>
+              </a:rPr>
+              <a:t>Animation</a:t>
+            </a:r>
+            <a:endParaRPr lang="zh-CN" altLang="en-US" sz="1600" b="1" dirty="0">
+              <a:latin typeface="等线" panose="02010600030101010101" pitchFamily="2" charset="-122"/>
+              <a:ea typeface="等线" panose="02010600030101010101" pitchFamily="2" charset="-122"/>
+            </a:endParaRPr>
+          </a:p>
+        </p:txBody>
+      </p:sp>
+      <p:sp>
+        <p:nvSpPr>
+          <p:cNvPr id="179" name="矩形 178"/>
+          <p:cNvSpPr/>
+          <p:nvPr/>
+        </p:nvSpPr>
+        <p:spPr>
+          <a:xfrm>
+            <a:off x="5103759" y="426432"/>
+            <a:ext cx="146556" cy="2819949"/>
+          </a:xfrm>
+          <a:prstGeom prst="rect">
+            <a:avLst/>
+          </a:prstGeom>
+          <a:solidFill>
+            <a:srgbClr val="57564D"/>
+          </a:solidFill>
+          <a:ln>
+            <a:noFill/>
+          </a:ln>
+        </p:spPr>
+        <p:style>
+          <a:lnRef idx="2">
+            <a:schemeClr val="accent1">
+              <a:shade val="50000"/>
+            </a:schemeClr>
+          </a:lnRef>
+          <a:fillRef idx="1">
+            <a:schemeClr val="accent1"/>
+          </a:fillRef>
+          <a:effectRef idx="0">
+            <a:schemeClr val="accent1"/>
+          </a:effectRef>
+          <a:fontRef idx="minor">
+            <a:schemeClr val="lt1"/>
+          </a:fontRef>
+        </p:style>
+        <p:txBody>
+          <a:bodyPr rtlCol="0" anchor="ctr"/>
+          <a:lstStyle/>
+          <a:p>
+            <a:pPr algn="ctr"/>
+            <a:endParaRPr lang="zh-CN" altLang="en-US"/>
+          </a:p>
+        </p:txBody>
+      </p:sp>
+      <p:sp>
+        <p:nvSpPr>
+          <p:cNvPr id="180" name="圆角矩形 179"/>
+          <p:cNvSpPr/>
+          <p:nvPr/>
+        </p:nvSpPr>
+        <p:spPr>
+          <a:xfrm>
+            <a:off x="5110841" y="805948"/>
+            <a:ext cx="138405" cy="1201781"/>
+          </a:xfrm>
+          <a:prstGeom prst="roundRect">
+            <a:avLst/>
+          </a:prstGeom>
+          <a:solidFill>
+            <a:schemeClr val="bg1">
+              <a:lumMod val="85000"/>
+            </a:schemeClr>
+          </a:solidFill>
+          <a:ln w="12700"/>
+        </p:spPr>
+        <p:style>
+          <a:lnRef idx="2">
+            <a:schemeClr val="accent1">
+              <a:shade val="50000"/>
+            </a:schemeClr>
+          </a:lnRef>
+          <a:fillRef idx="1">
+            <a:schemeClr val="accent1"/>
+          </a:fillRef>
+          <a:effectRef idx="0">
+            <a:schemeClr val="accent1"/>
+          </a:effectRef>
+          <a:fontRef idx="minor">
+            <a:schemeClr val="lt1"/>
+          </a:fontRef>
+        </p:style>
+        <p:txBody>
+          <a:bodyPr rtlCol="0" anchor="ctr"/>
+          <a:lstStyle/>
+          <a:p>
+            <a:pPr algn="ctr"/>
+            <a:endParaRPr lang="zh-CN" altLang="en-US"/>
+          </a:p>
+        </p:txBody>
+      </p:sp>
+      <p:sp>
+        <p:nvSpPr>
+          <p:cNvPr id="181" name="矩形 180"/>
+          <p:cNvSpPr/>
+          <p:nvPr/>
+        </p:nvSpPr>
+        <p:spPr>
+          <a:xfrm flipH="1" flipV="1">
+            <a:off x="5103759" y="1041968"/>
+            <a:ext cx="144000" cy="144000"/>
+          </a:xfrm>
+          <a:prstGeom prst="rect">
+            <a:avLst/>
+          </a:prstGeom>
+          <a:solidFill>
+            <a:srgbClr val="66FF66"/>
+          </a:solidFill>
+          <a:ln>
+            <a:solidFill>
+              <a:schemeClr val="tx1"/>
+            </a:solidFill>
+          </a:ln>
+        </p:spPr>
+        <p:style>
+          <a:lnRef idx="2">
+            <a:schemeClr val="accent1">
+              <a:shade val="50000"/>
+            </a:schemeClr>
+          </a:lnRef>
+          <a:fillRef idx="1">
+            <a:schemeClr val="accent1"/>
+          </a:fillRef>
+          <a:effectRef idx="0">
+            <a:schemeClr val="accent1"/>
+          </a:effectRef>
+          <a:fontRef idx="minor">
+            <a:schemeClr val="lt1"/>
+          </a:fontRef>
+        </p:style>
+        <p:txBody>
+          <a:bodyPr rtlCol="0" anchor="ctr"/>
+          <a:lstStyle/>
+          <a:p>
+            <a:pPr algn="ctr"/>
+            <a:endParaRPr lang="zh-CN" altLang="en-US"/>
+          </a:p>
+        </p:txBody>
+      </p:sp>
+      <p:sp>
+        <p:nvSpPr>
+          <p:cNvPr id="182" name="加号 181"/>
+          <p:cNvSpPr/>
+          <p:nvPr/>
+        </p:nvSpPr>
+        <p:spPr>
+          <a:xfrm>
+            <a:off x="2920890" y="2394431"/>
+            <a:ext cx="308974" cy="266402"/>
+          </a:xfrm>
+          <a:prstGeom prst="mathPlus">
+            <a:avLst/>
+          </a:prstGeom>
+          <a:solidFill>
+            <a:schemeClr val="bg1"/>
+          </a:solidFill>
+          <a:ln>
+            <a:solidFill>
+              <a:schemeClr val="tx1"/>
+            </a:solidFill>
+          </a:ln>
+        </p:spPr>
+        <p:style>
+          <a:lnRef idx="2">
+            <a:schemeClr val="accent1">
+              <a:shade val="50000"/>
+            </a:schemeClr>
+          </a:lnRef>
+          <a:fillRef idx="1">
+            <a:schemeClr val="accent1"/>
+          </a:fillRef>
+          <a:effectRef idx="0">
+            <a:schemeClr val="accent1"/>
+          </a:effectRef>
+          <a:fontRef idx="minor">
+            <a:schemeClr val="lt1"/>
+          </a:fontRef>
+        </p:style>
+        <p:txBody>
+          <a:bodyPr rtlCol="0" anchor="ctr"/>
+          <a:lstStyle/>
+          <a:p>
+            <a:pPr algn="ctr"/>
+            <a:endParaRPr lang="zh-CN" altLang="en-US"/>
+          </a:p>
+        </p:txBody>
+      </p:sp>
+      <p:sp>
+        <p:nvSpPr>
+          <p:cNvPr id="183" name="文本框 182"/>
+          <p:cNvSpPr txBox="1"/>
+          <p:nvPr/>
+        </p:nvSpPr>
+        <p:spPr>
+          <a:xfrm>
+            <a:off x="3224664" y="2343045"/>
+            <a:ext cx="1870769" cy="338554"/>
+          </a:xfrm>
+          <a:prstGeom prst="rect">
+            <a:avLst/>
+          </a:prstGeom>
+          <a:solidFill>
+            <a:schemeClr val="bg1">
+              <a:lumMod val="85000"/>
+            </a:schemeClr>
+          </a:solidFill>
+          <a:ln w="12700">
+            <a:solidFill>
+              <a:schemeClr val="tx1"/>
+            </a:solidFill>
+          </a:ln>
+        </p:spPr>
+        <p:txBody>
+          <a:bodyPr wrap="square" rtlCol="0">
+            <a:spAutoFit/>
+          </a:bodyPr>
+          <a:lstStyle/>
+          <a:p>
+            <a:r>
+              <a:rPr lang="en-US" altLang="zh-CN" sz="1600" b="1" dirty="0" smtClean="0">
+                <a:latin typeface="等线" panose="02010600030101010101" pitchFamily="2" charset="-122"/>
+                <a:ea typeface="等线" panose="02010600030101010101" pitchFamily="2" charset="-122"/>
+              </a:rPr>
+              <a:t>Weapon</a:t>
+            </a:r>
+            <a:endParaRPr lang="zh-CN" altLang="en-US" sz="1600" b="1" dirty="0">
+              <a:latin typeface="等线" panose="02010600030101010101" pitchFamily="2" charset="-122"/>
+              <a:ea typeface="等线" panose="02010600030101010101" pitchFamily="2" charset="-122"/>
+            </a:endParaRPr>
+          </a:p>
+        </p:txBody>
+      </p:sp>
+      <p:sp>
+        <p:nvSpPr>
+          <p:cNvPr id="184" name="加号 183"/>
+          <p:cNvSpPr/>
+          <p:nvPr/>
+        </p:nvSpPr>
+        <p:spPr>
+          <a:xfrm>
+            <a:off x="2909514" y="2737903"/>
+            <a:ext cx="308974" cy="266402"/>
+          </a:xfrm>
+          <a:prstGeom prst="mathPlus">
+            <a:avLst/>
+          </a:prstGeom>
+          <a:solidFill>
+            <a:schemeClr val="bg1"/>
+          </a:solidFill>
+          <a:ln>
+            <a:solidFill>
+              <a:schemeClr val="tx1"/>
+            </a:solidFill>
+          </a:ln>
+        </p:spPr>
+        <p:style>
+          <a:lnRef idx="2">
+            <a:schemeClr val="accent1">
+              <a:shade val="50000"/>
+            </a:schemeClr>
+          </a:lnRef>
+          <a:fillRef idx="1">
+            <a:schemeClr val="accent1"/>
+          </a:fillRef>
+          <a:effectRef idx="0">
+            <a:schemeClr val="accent1"/>
+          </a:effectRef>
+          <a:fontRef idx="minor">
+            <a:schemeClr val="lt1"/>
+          </a:fontRef>
+        </p:style>
+        <p:txBody>
+          <a:bodyPr rtlCol="0" anchor="ctr"/>
+          <a:lstStyle/>
+          <a:p>
+            <a:pPr algn="ctr"/>
+            <a:endParaRPr lang="zh-CN" altLang="en-US"/>
+          </a:p>
+        </p:txBody>
+      </p:sp>
+      <p:sp>
+        <p:nvSpPr>
+          <p:cNvPr id="185" name="文本框 184"/>
+          <p:cNvSpPr txBox="1"/>
+          <p:nvPr/>
+        </p:nvSpPr>
+        <p:spPr>
+          <a:xfrm>
+            <a:off x="3224664" y="2687672"/>
+            <a:ext cx="1870769" cy="338554"/>
+          </a:xfrm>
+          <a:prstGeom prst="rect">
+            <a:avLst/>
+          </a:prstGeom>
+          <a:solidFill>
+            <a:schemeClr val="bg1">
+              <a:lumMod val="85000"/>
+            </a:schemeClr>
+          </a:solidFill>
+          <a:ln w="12700">
+            <a:solidFill>
+              <a:schemeClr val="tx1"/>
+            </a:solidFill>
+          </a:ln>
+        </p:spPr>
+        <p:txBody>
+          <a:bodyPr wrap="square" rtlCol="0">
+            <a:spAutoFit/>
+          </a:bodyPr>
+          <a:lstStyle/>
+          <a:p>
+            <a:r>
+              <a:rPr lang="en-US" altLang="zh-CN" sz="1600" b="1" dirty="0" err="1" smtClean="0">
+                <a:latin typeface="等线" panose="02010600030101010101" pitchFamily="2" charset="-122"/>
+                <a:ea typeface="等线" panose="02010600030101010101" pitchFamily="2" charset="-122"/>
+              </a:rPr>
+              <a:t>Speek</a:t>
+            </a:r>
+            <a:endParaRPr lang="zh-CN" altLang="en-US" sz="1600" b="1" dirty="0">
+              <a:latin typeface="等线" panose="02010600030101010101" pitchFamily="2" charset="-122"/>
+              <a:ea typeface="等线" panose="02010600030101010101" pitchFamily="2" charset="-122"/>
+            </a:endParaRPr>
+          </a:p>
+        </p:txBody>
+      </p:sp>
+      <p:sp>
+        <p:nvSpPr>
+          <p:cNvPr id="186" name="加号 185"/>
+          <p:cNvSpPr/>
+          <p:nvPr/>
+        </p:nvSpPr>
+        <p:spPr>
+          <a:xfrm>
+            <a:off x="2921177" y="660180"/>
+            <a:ext cx="308974" cy="266402"/>
+          </a:xfrm>
+          <a:prstGeom prst="mathPlus">
+            <a:avLst/>
+          </a:prstGeom>
+          <a:solidFill>
+            <a:schemeClr val="bg1"/>
+          </a:solidFill>
+          <a:ln>
+            <a:solidFill>
+              <a:schemeClr val="tx1"/>
+            </a:solidFill>
+          </a:ln>
+        </p:spPr>
+        <p:style>
+          <a:lnRef idx="2">
+            <a:schemeClr val="accent1">
+              <a:shade val="50000"/>
+            </a:schemeClr>
+          </a:lnRef>
+          <a:fillRef idx="1">
+            <a:schemeClr val="accent1"/>
+          </a:fillRef>
+          <a:effectRef idx="0">
+            <a:schemeClr val="accent1"/>
+          </a:effectRef>
+          <a:fontRef idx="minor">
+            <a:schemeClr val="lt1"/>
+          </a:fontRef>
+        </p:style>
+        <p:txBody>
+          <a:bodyPr rtlCol="0" anchor="ctr"/>
+          <a:lstStyle/>
+          <a:p>
+            <a:pPr algn="ctr"/>
+            <a:endParaRPr lang="zh-CN" altLang="en-US"/>
+          </a:p>
+        </p:txBody>
+      </p:sp>
+      <p:sp>
+        <p:nvSpPr>
+          <p:cNvPr id="189" name="加号 188"/>
+          <p:cNvSpPr/>
+          <p:nvPr/>
+        </p:nvSpPr>
+        <p:spPr>
+          <a:xfrm>
+            <a:off x="2925066" y="1017211"/>
+            <a:ext cx="308974" cy="266402"/>
+          </a:xfrm>
+          <a:prstGeom prst="mathPlus">
+            <a:avLst/>
+          </a:prstGeom>
+          <a:solidFill>
+            <a:schemeClr val="bg1"/>
+          </a:solidFill>
+          <a:ln>
+            <a:solidFill>
+              <a:schemeClr val="tx1"/>
+            </a:solidFill>
+          </a:ln>
+        </p:spPr>
+        <p:style>
+          <a:lnRef idx="2">
+            <a:schemeClr val="accent1">
+              <a:shade val="50000"/>
+            </a:schemeClr>
+          </a:lnRef>
+          <a:fillRef idx="1">
+            <a:schemeClr val="accent1"/>
+          </a:fillRef>
+          <a:effectRef idx="0">
+            <a:schemeClr val="accent1"/>
+          </a:effectRef>
+          <a:fontRef idx="minor">
+            <a:schemeClr val="lt1"/>
+          </a:fontRef>
+        </p:style>
+        <p:txBody>
+          <a:bodyPr rtlCol="0" anchor="ctr"/>
+          <a:lstStyle/>
+          <a:p>
+            <a:pPr algn="ctr"/>
+            <a:endParaRPr lang="zh-CN" altLang="en-US"/>
+          </a:p>
+        </p:txBody>
+      </p:sp>
+      <p:sp>
+        <p:nvSpPr>
+          <p:cNvPr id="191" name="文本框 190"/>
+          <p:cNvSpPr txBox="1"/>
+          <p:nvPr/>
+        </p:nvSpPr>
+        <p:spPr>
+          <a:xfrm>
+            <a:off x="3471491" y="1661458"/>
+            <a:ext cx="1619124" cy="338554"/>
+          </a:xfrm>
+          <a:prstGeom prst="rect">
+            <a:avLst/>
+          </a:prstGeom>
+          <a:solidFill>
+            <a:schemeClr val="bg1">
+              <a:lumMod val="85000"/>
+            </a:schemeClr>
+          </a:solidFill>
+          <a:ln w="12700">
+            <a:solidFill>
+              <a:schemeClr val="tx1"/>
+            </a:solidFill>
+          </a:ln>
+        </p:spPr>
+        <p:txBody>
+          <a:bodyPr wrap="square" rtlCol="0">
+            <a:spAutoFit/>
+          </a:bodyPr>
+          <a:lstStyle/>
+          <a:p>
+            <a:r>
+              <a:rPr lang="en-US" altLang="zh-CN" sz="1600" b="1" dirty="0" smtClean="0">
+                <a:latin typeface="等线" panose="02010600030101010101" pitchFamily="2" charset="-122"/>
+                <a:ea typeface="等线" panose="02010600030101010101" pitchFamily="2" charset="-122"/>
+              </a:rPr>
+              <a:t>dance</a:t>
+            </a:r>
+            <a:endParaRPr lang="zh-CN" altLang="en-US" sz="1600" b="1" dirty="0">
+              <a:latin typeface="等线" panose="02010600030101010101" pitchFamily="2" charset="-122"/>
+              <a:ea typeface="等线" panose="02010600030101010101" pitchFamily="2" charset="-122"/>
+            </a:endParaRPr>
+          </a:p>
+        </p:txBody>
+      </p:sp>
+      <p:sp>
+        <p:nvSpPr>
+          <p:cNvPr id="190" name="文本框 189"/>
+          <p:cNvSpPr txBox="1"/>
+          <p:nvPr/>
+        </p:nvSpPr>
+        <p:spPr>
+          <a:xfrm>
+            <a:off x="3471491" y="1319980"/>
+            <a:ext cx="1620000" cy="338554"/>
+          </a:xfrm>
+          <a:prstGeom prst="rect">
+            <a:avLst/>
+          </a:prstGeom>
+          <a:solidFill>
+            <a:srgbClr val="66FF66"/>
+          </a:solidFill>
+          <a:ln w="38100">
+            <a:solidFill>
+              <a:schemeClr val="tx1"/>
+            </a:solidFill>
+          </a:ln>
+        </p:spPr>
+        <p:txBody>
+          <a:bodyPr wrap="square" rtlCol="0">
+            <a:spAutoFit/>
+          </a:bodyPr>
+          <a:lstStyle/>
+          <a:p>
+            <a:r>
+              <a:rPr lang="en-US" altLang="zh-CN" sz="1600" b="1" dirty="0" smtClean="0">
+                <a:latin typeface="等线" panose="02010600030101010101" pitchFamily="2" charset="-122"/>
+                <a:ea typeface="等线" panose="02010600030101010101" pitchFamily="2" charset="-122"/>
+              </a:rPr>
+              <a:t>walk</a:t>
+            </a:r>
+            <a:endParaRPr lang="zh-CN" altLang="en-US" sz="1600" b="1" dirty="0">
+              <a:latin typeface="等线" panose="02010600030101010101" pitchFamily="2" charset="-122"/>
+              <a:ea typeface="等线" panose="02010600030101010101" pitchFamily="2" charset="-122"/>
+            </a:endParaRPr>
+          </a:p>
+        </p:txBody>
+      </p:sp>
+      <p:sp>
+        <p:nvSpPr>
+          <p:cNvPr id="192" name="文本框 191"/>
+          <p:cNvSpPr txBox="1"/>
+          <p:nvPr/>
+        </p:nvSpPr>
+        <p:spPr>
+          <a:xfrm>
+            <a:off x="3471491" y="2004336"/>
+            <a:ext cx="1620000" cy="338554"/>
+          </a:xfrm>
+          <a:prstGeom prst="rect">
+            <a:avLst/>
+          </a:prstGeom>
+          <a:solidFill>
+            <a:schemeClr val="bg1">
+              <a:lumMod val="85000"/>
+            </a:schemeClr>
+          </a:solidFill>
+          <a:ln w="12700">
+            <a:solidFill>
+              <a:schemeClr val="tx1"/>
+            </a:solidFill>
+          </a:ln>
+        </p:spPr>
+        <p:txBody>
+          <a:bodyPr wrap="square" rtlCol="0">
+            <a:spAutoFit/>
+          </a:bodyPr>
+          <a:lstStyle/>
+          <a:p>
+            <a:r>
+              <a:rPr lang="en-US" altLang="zh-CN" sz="1600" b="1" dirty="0" smtClean="0">
+                <a:latin typeface="等线" panose="02010600030101010101" pitchFamily="2" charset="-122"/>
+                <a:ea typeface="等线" panose="02010600030101010101" pitchFamily="2" charset="-122"/>
+              </a:rPr>
+              <a:t>run</a:t>
+            </a:r>
+            <a:endParaRPr lang="zh-CN" altLang="en-US" sz="1600" b="1" dirty="0">
+              <a:latin typeface="等线" panose="02010600030101010101" pitchFamily="2" charset="-122"/>
+              <a:ea typeface="等线" panose="02010600030101010101" pitchFamily="2" charset="-122"/>
+            </a:endParaRPr>
+          </a:p>
+        </p:txBody>
+      </p:sp>
+      <p:sp>
+        <p:nvSpPr>
+          <p:cNvPr id="193" name="加号 192"/>
+          <p:cNvSpPr/>
+          <p:nvPr/>
+        </p:nvSpPr>
+        <p:spPr>
+          <a:xfrm>
+            <a:off x="2906217" y="3093737"/>
+            <a:ext cx="308974" cy="266402"/>
+          </a:xfrm>
+          <a:prstGeom prst="mathPlus">
+            <a:avLst/>
+          </a:prstGeom>
+          <a:solidFill>
+            <a:schemeClr val="bg1"/>
+          </a:solidFill>
+          <a:ln>
+            <a:solidFill>
+              <a:schemeClr val="tx1"/>
+            </a:solidFill>
+          </a:ln>
+        </p:spPr>
+        <p:style>
+          <a:lnRef idx="2">
+            <a:schemeClr val="accent1">
+              <a:shade val="50000"/>
+            </a:schemeClr>
+          </a:lnRef>
+          <a:fillRef idx="1">
+            <a:schemeClr val="accent1"/>
+          </a:fillRef>
+          <a:effectRef idx="0">
+            <a:schemeClr val="accent1"/>
+          </a:effectRef>
+          <a:fontRef idx="minor">
+            <a:schemeClr val="lt1"/>
+          </a:fontRef>
+        </p:style>
+        <p:txBody>
+          <a:bodyPr rtlCol="0" anchor="ctr"/>
+          <a:lstStyle/>
+          <a:p>
+            <a:pPr algn="ctr"/>
+            <a:endParaRPr lang="zh-CN" altLang="en-US"/>
+          </a:p>
+        </p:txBody>
+      </p:sp>
+      <p:sp>
+        <p:nvSpPr>
+          <p:cNvPr id="194" name="文本框 193"/>
+          <p:cNvSpPr txBox="1"/>
+          <p:nvPr/>
+        </p:nvSpPr>
+        <p:spPr>
+          <a:xfrm>
+            <a:off x="3223639" y="3042351"/>
+            <a:ext cx="1870769" cy="338554"/>
+          </a:xfrm>
+          <a:prstGeom prst="rect">
+            <a:avLst/>
+          </a:prstGeom>
+          <a:solidFill>
+            <a:schemeClr val="bg1">
+              <a:lumMod val="85000"/>
+            </a:schemeClr>
+          </a:solidFill>
+          <a:ln w="12700">
+            <a:solidFill>
+              <a:schemeClr val="tx1"/>
+            </a:solidFill>
+          </a:ln>
+        </p:spPr>
+        <p:txBody>
+          <a:bodyPr wrap="square" rtlCol="0">
+            <a:spAutoFit/>
+          </a:bodyPr>
+          <a:lstStyle/>
+          <a:p>
+            <a:r>
+              <a:rPr lang="en-US" altLang="zh-CN" sz="1600" b="1" dirty="0" smtClean="0">
+                <a:latin typeface="等线" panose="02010600030101010101" pitchFamily="2" charset="-122"/>
+                <a:ea typeface="等线" panose="02010600030101010101" pitchFamily="2" charset="-122"/>
+              </a:rPr>
+              <a:t>Waypoint</a:t>
+            </a:r>
+            <a:endParaRPr lang="zh-CN" altLang="en-US" sz="1600" b="1" dirty="0">
+              <a:latin typeface="等线" panose="02010600030101010101" pitchFamily="2" charset="-122"/>
+              <a:ea typeface="等线" panose="02010600030101010101" pitchFamily="2" charset="-122"/>
+            </a:endParaRPr>
+          </a:p>
+        </p:txBody>
+      </p:sp>
+    </p:spTree>
+    <p:extLst>
+      <p:ext uri="{BB962C8B-B14F-4D97-AF65-F5344CB8AC3E}">
+        <p14:creationId xmlns:p14="http://schemas.microsoft.com/office/powerpoint/2010/main" val="1738399361"/>
+      </p:ext>
+    </p:extLst>
+  </p:cSld>
+  <p:clrMapOvr>
+    <a:masterClrMapping/>
+  </p:clrMapOvr>
+  <mc:AlternateContent xmlns:mc="http://schemas.openxmlformats.org/markup-compatibility/2006">
+    <mc:Choice xmlns:p14="http://schemas.microsoft.com/office/powerpoint/2010/main" Requires="p14">
+      <p:transition spd="slow" p14:dur="2000"/>
+    </mc:Choice>
+    <mc:Fallback>
+      <p:transition spd="slow"/>
+    </mc:Fallback>
+  </mc:AlternateContent>
   <p:timing>
     <p:tnLst>
       <p:par>
